--- a/자바과제.pptx
+++ b/자바과제.pptx
@@ -130,7 +130,7 @@
   </p:defaultTextStyle>
   <p:extLst>
     <p:ext uri="{EFAFB233-063F-42B5-8137-9DF3F51BA10A}">
-      <p15:sldGuideLst xmlns:p15="http://schemas.microsoft.com/office/powerpoint/2012/main" xmlns="">
+      <p15:sldGuideLst xmlns:p15="http://schemas.microsoft.com/office/powerpoint/2012/main">
         <p15:guide id="1" orient="horz" pos="2160" userDrawn="1">
           <p15:clr>
             <a:srgbClr val="A4A3A4"/>
@@ -169,7 +169,7 @@
           <p:cNvPr id="2" name="제목 1">
             <a:extLst>
               <a:ext uri="{FF2B5EF4-FFF2-40B4-BE49-F238E27FC236}">
-                <a16:creationId xmlns:a16="http://schemas.microsoft.com/office/drawing/2014/main" xmlns="" id="{58D6CC40-3DC8-4135-9C43-10E01ABD1962}"/>
+                <a16:creationId xmlns:a16="http://schemas.microsoft.com/office/drawing/2014/main" id="{58D6CC40-3DC8-4135-9C43-10E01ABD1962}"/>
               </a:ext>
             </a:extLst>
           </p:cNvPr>
@@ -206,7 +206,7 @@
           <p:cNvPr id="3" name="부제목 2">
             <a:extLst>
               <a:ext uri="{FF2B5EF4-FFF2-40B4-BE49-F238E27FC236}">
-                <a16:creationId xmlns:a16="http://schemas.microsoft.com/office/drawing/2014/main" xmlns="" id="{B631D1BE-48E1-4632-8BED-11B0071C5CC2}"/>
+                <a16:creationId xmlns:a16="http://schemas.microsoft.com/office/drawing/2014/main" id="{B631D1BE-48E1-4632-8BED-11B0071C5CC2}"/>
               </a:ext>
             </a:extLst>
           </p:cNvPr>
@@ -276,7 +276,7 @@
           <p:cNvPr id="4" name="날짜 개체 틀 3">
             <a:extLst>
               <a:ext uri="{FF2B5EF4-FFF2-40B4-BE49-F238E27FC236}">
-                <a16:creationId xmlns:a16="http://schemas.microsoft.com/office/drawing/2014/main" xmlns="" id="{30D43EE3-54C6-4E98-84BE-427344645D9D}"/>
+                <a16:creationId xmlns:a16="http://schemas.microsoft.com/office/drawing/2014/main" id="{30D43EE3-54C6-4E98-84BE-427344645D9D}"/>
               </a:ext>
             </a:extLst>
           </p:cNvPr>
@@ -305,7 +305,7 @@
           <p:cNvPr id="5" name="바닥글 개체 틀 4">
             <a:extLst>
               <a:ext uri="{FF2B5EF4-FFF2-40B4-BE49-F238E27FC236}">
-                <a16:creationId xmlns:a16="http://schemas.microsoft.com/office/drawing/2014/main" xmlns="" id="{34A8C102-21CB-46B8-A941-6EABFB1638C2}"/>
+                <a16:creationId xmlns:a16="http://schemas.microsoft.com/office/drawing/2014/main" id="{34A8C102-21CB-46B8-A941-6EABFB1638C2}"/>
               </a:ext>
             </a:extLst>
           </p:cNvPr>
@@ -330,7 +330,7 @@
           <p:cNvPr id="6" name="슬라이드 번호 개체 틀 5">
             <a:extLst>
               <a:ext uri="{FF2B5EF4-FFF2-40B4-BE49-F238E27FC236}">
-                <a16:creationId xmlns:a16="http://schemas.microsoft.com/office/drawing/2014/main" xmlns="" id="{F571E70D-0D11-47F3-B6BB-3D796C652A1F}"/>
+                <a16:creationId xmlns:a16="http://schemas.microsoft.com/office/drawing/2014/main" id="{F571E70D-0D11-47F3-B6BB-3D796C652A1F}"/>
               </a:ext>
             </a:extLst>
           </p:cNvPr>
@@ -389,7 +389,7 @@
           <p:cNvPr id="2" name="제목 1">
             <a:extLst>
               <a:ext uri="{FF2B5EF4-FFF2-40B4-BE49-F238E27FC236}">
-                <a16:creationId xmlns:a16="http://schemas.microsoft.com/office/drawing/2014/main" xmlns="" id="{AE3ACD47-25E0-47A2-8DC4-7586D6E9E12C}"/>
+                <a16:creationId xmlns:a16="http://schemas.microsoft.com/office/drawing/2014/main" id="{AE3ACD47-25E0-47A2-8DC4-7586D6E9E12C}"/>
               </a:ext>
             </a:extLst>
           </p:cNvPr>
@@ -417,7 +417,7 @@
           <p:cNvPr id="3" name="세로 텍스트 개체 틀 2">
             <a:extLst>
               <a:ext uri="{FF2B5EF4-FFF2-40B4-BE49-F238E27FC236}">
-                <a16:creationId xmlns:a16="http://schemas.microsoft.com/office/drawing/2014/main" xmlns="" id="{1DB4EC17-0867-40CB-985A-D563501CC56F}"/>
+                <a16:creationId xmlns:a16="http://schemas.microsoft.com/office/drawing/2014/main" id="{1DB4EC17-0867-40CB-985A-D563501CC56F}"/>
               </a:ext>
             </a:extLst>
           </p:cNvPr>
@@ -474,7 +474,7 @@
           <p:cNvPr id="4" name="날짜 개체 틀 3">
             <a:extLst>
               <a:ext uri="{FF2B5EF4-FFF2-40B4-BE49-F238E27FC236}">
-                <a16:creationId xmlns:a16="http://schemas.microsoft.com/office/drawing/2014/main" xmlns="" id="{44EB0F20-FF77-4784-8CAF-B6344326AB12}"/>
+                <a16:creationId xmlns:a16="http://schemas.microsoft.com/office/drawing/2014/main" id="{44EB0F20-FF77-4784-8CAF-B6344326AB12}"/>
               </a:ext>
             </a:extLst>
           </p:cNvPr>
@@ -503,7 +503,7 @@
           <p:cNvPr id="5" name="바닥글 개체 틀 4">
             <a:extLst>
               <a:ext uri="{FF2B5EF4-FFF2-40B4-BE49-F238E27FC236}">
-                <a16:creationId xmlns:a16="http://schemas.microsoft.com/office/drawing/2014/main" xmlns="" id="{F3BDAF78-BCD1-4FD6-8FB3-3850DBD94BE8}"/>
+                <a16:creationId xmlns:a16="http://schemas.microsoft.com/office/drawing/2014/main" id="{F3BDAF78-BCD1-4FD6-8FB3-3850DBD94BE8}"/>
               </a:ext>
             </a:extLst>
           </p:cNvPr>
@@ -528,7 +528,7 @@
           <p:cNvPr id="6" name="슬라이드 번호 개체 틀 5">
             <a:extLst>
               <a:ext uri="{FF2B5EF4-FFF2-40B4-BE49-F238E27FC236}">
-                <a16:creationId xmlns:a16="http://schemas.microsoft.com/office/drawing/2014/main" xmlns="" id="{E4ED8ACC-397A-46BA-BEDF-B37BD1A81FDC}"/>
+                <a16:creationId xmlns:a16="http://schemas.microsoft.com/office/drawing/2014/main" id="{E4ED8ACC-397A-46BA-BEDF-B37BD1A81FDC}"/>
               </a:ext>
             </a:extLst>
           </p:cNvPr>
@@ -587,7 +587,7 @@
           <p:cNvPr id="2" name="세로 제목 1">
             <a:extLst>
               <a:ext uri="{FF2B5EF4-FFF2-40B4-BE49-F238E27FC236}">
-                <a16:creationId xmlns:a16="http://schemas.microsoft.com/office/drawing/2014/main" xmlns="" id="{95B038DF-F9DC-4A97-AF7F-B31EFDFAAA44}"/>
+                <a16:creationId xmlns:a16="http://schemas.microsoft.com/office/drawing/2014/main" id="{95B038DF-F9DC-4A97-AF7F-B31EFDFAAA44}"/>
               </a:ext>
             </a:extLst>
           </p:cNvPr>
@@ -620,7 +620,7 @@
           <p:cNvPr id="3" name="세로 텍스트 개체 틀 2">
             <a:extLst>
               <a:ext uri="{FF2B5EF4-FFF2-40B4-BE49-F238E27FC236}">
-                <a16:creationId xmlns:a16="http://schemas.microsoft.com/office/drawing/2014/main" xmlns="" id="{7F21F930-DAA9-47FE-921F-33C4191CD65E}"/>
+                <a16:creationId xmlns:a16="http://schemas.microsoft.com/office/drawing/2014/main" id="{7F21F930-DAA9-47FE-921F-33C4191CD65E}"/>
               </a:ext>
             </a:extLst>
           </p:cNvPr>
@@ -682,7 +682,7 @@
           <p:cNvPr id="4" name="날짜 개체 틀 3">
             <a:extLst>
               <a:ext uri="{FF2B5EF4-FFF2-40B4-BE49-F238E27FC236}">
-                <a16:creationId xmlns:a16="http://schemas.microsoft.com/office/drawing/2014/main" xmlns="" id="{11DB3DAF-BB4F-4CF2-91F5-14F9E3A7548B}"/>
+                <a16:creationId xmlns:a16="http://schemas.microsoft.com/office/drawing/2014/main" id="{11DB3DAF-BB4F-4CF2-91F5-14F9E3A7548B}"/>
               </a:ext>
             </a:extLst>
           </p:cNvPr>
@@ -711,7 +711,7 @@
           <p:cNvPr id="5" name="바닥글 개체 틀 4">
             <a:extLst>
               <a:ext uri="{FF2B5EF4-FFF2-40B4-BE49-F238E27FC236}">
-                <a16:creationId xmlns:a16="http://schemas.microsoft.com/office/drawing/2014/main" xmlns="" id="{94E4121A-6F6C-4BD0-AFB2-20FF2B63F233}"/>
+                <a16:creationId xmlns:a16="http://schemas.microsoft.com/office/drawing/2014/main" id="{94E4121A-6F6C-4BD0-AFB2-20FF2B63F233}"/>
               </a:ext>
             </a:extLst>
           </p:cNvPr>
@@ -736,7 +736,7 @@
           <p:cNvPr id="6" name="슬라이드 번호 개체 틀 5">
             <a:extLst>
               <a:ext uri="{FF2B5EF4-FFF2-40B4-BE49-F238E27FC236}">
-                <a16:creationId xmlns:a16="http://schemas.microsoft.com/office/drawing/2014/main" xmlns="" id="{F1563673-21E1-4CCA-BFA4-D20BB204AEC3}"/>
+                <a16:creationId xmlns:a16="http://schemas.microsoft.com/office/drawing/2014/main" id="{F1563673-21E1-4CCA-BFA4-D20BB204AEC3}"/>
               </a:ext>
             </a:extLst>
           </p:cNvPr>
@@ -795,7 +795,7 @@
           <p:cNvPr id="2" name="제목 1">
             <a:extLst>
               <a:ext uri="{FF2B5EF4-FFF2-40B4-BE49-F238E27FC236}">
-                <a16:creationId xmlns:a16="http://schemas.microsoft.com/office/drawing/2014/main" xmlns="" id="{BC57370E-3E90-455A-8474-91E433A8DF61}"/>
+                <a16:creationId xmlns:a16="http://schemas.microsoft.com/office/drawing/2014/main" id="{BC57370E-3E90-455A-8474-91E433A8DF61}"/>
               </a:ext>
             </a:extLst>
           </p:cNvPr>
@@ -823,7 +823,7 @@
           <p:cNvPr id="3" name="내용 개체 틀 2">
             <a:extLst>
               <a:ext uri="{FF2B5EF4-FFF2-40B4-BE49-F238E27FC236}">
-                <a16:creationId xmlns:a16="http://schemas.microsoft.com/office/drawing/2014/main" xmlns="" id="{6909A8AA-80F6-40BD-81AF-A59CCD3C4CF0}"/>
+                <a16:creationId xmlns:a16="http://schemas.microsoft.com/office/drawing/2014/main" id="{6909A8AA-80F6-40BD-81AF-A59CCD3C4CF0}"/>
               </a:ext>
             </a:extLst>
           </p:cNvPr>
@@ -880,7 +880,7 @@
           <p:cNvPr id="4" name="날짜 개체 틀 3">
             <a:extLst>
               <a:ext uri="{FF2B5EF4-FFF2-40B4-BE49-F238E27FC236}">
-                <a16:creationId xmlns:a16="http://schemas.microsoft.com/office/drawing/2014/main" xmlns="" id="{27341563-E576-4CB3-90BB-AC612A77E3FE}"/>
+                <a16:creationId xmlns:a16="http://schemas.microsoft.com/office/drawing/2014/main" id="{27341563-E576-4CB3-90BB-AC612A77E3FE}"/>
               </a:ext>
             </a:extLst>
           </p:cNvPr>
@@ -909,7 +909,7 @@
           <p:cNvPr id="5" name="바닥글 개체 틀 4">
             <a:extLst>
               <a:ext uri="{FF2B5EF4-FFF2-40B4-BE49-F238E27FC236}">
-                <a16:creationId xmlns:a16="http://schemas.microsoft.com/office/drawing/2014/main" xmlns="" id="{6802B73C-2D7E-4593-8D89-5E42953B65C2}"/>
+                <a16:creationId xmlns:a16="http://schemas.microsoft.com/office/drawing/2014/main" id="{6802B73C-2D7E-4593-8D89-5E42953B65C2}"/>
               </a:ext>
             </a:extLst>
           </p:cNvPr>
@@ -934,7 +934,7 @@
           <p:cNvPr id="6" name="슬라이드 번호 개체 틀 5">
             <a:extLst>
               <a:ext uri="{FF2B5EF4-FFF2-40B4-BE49-F238E27FC236}">
-                <a16:creationId xmlns:a16="http://schemas.microsoft.com/office/drawing/2014/main" xmlns="" id="{1B26C035-3640-449E-B86D-E92EFA771EB7}"/>
+                <a16:creationId xmlns:a16="http://schemas.microsoft.com/office/drawing/2014/main" id="{1B26C035-3640-449E-B86D-E92EFA771EB7}"/>
               </a:ext>
             </a:extLst>
           </p:cNvPr>
@@ -993,7 +993,7 @@
           <p:cNvPr id="2" name="제목 1">
             <a:extLst>
               <a:ext uri="{FF2B5EF4-FFF2-40B4-BE49-F238E27FC236}">
-                <a16:creationId xmlns:a16="http://schemas.microsoft.com/office/drawing/2014/main" xmlns="" id="{EC5B2613-99E8-463E-AE32-4D6E34CA03F7}"/>
+                <a16:creationId xmlns:a16="http://schemas.microsoft.com/office/drawing/2014/main" id="{EC5B2613-99E8-463E-AE32-4D6E34CA03F7}"/>
               </a:ext>
             </a:extLst>
           </p:cNvPr>
@@ -1030,7 +1030,7 @@
           <p:cNvPr id="3" name="텍스트 개체 틀 2">
             <a:extLst>
               <a:ext uri="{FF2B5EF4-FFF2-40B4-BE49-F238E27FC236}">
-                <a16:creationId xmlns:a16="http://schemas.microsoft.com/office/drawing/2014/main" xmlns="" id="{9A19A5DC-B7CA-46D1-B830-EF004ABDAA3B}"/>
+                <a16:creationId xmlns:a16="http://schemas.microsoft.com/office/drawing/2014/main" id="{9A19A5DC-B7CA-46D1-B830-EF004ABDAA3B}"/>
               </a:ext>
             </a:extLst>
           </p:cNvPr>
@@ -1155,7 +1155,7 @@
           <p:cNvPr id="4" name="날짜 개체 틀 3">
             <a:extLst>
               <a:ext uri="{FF2B5EF4-FFF2-40B4-BE49-F238E27FC236}">
-                <a16:creationId xmlns:a16="http://schemas.microsoft.com/office/drawing/2014/main" xmlns="" id="{2B79ADF8-0EC6-448B-A163-B4F38EC9A947}"/>
+                <a16:creationId xmlns:a16="http://schemas.microsoft.com/office/drawing/2014/main" id="{2B79ADF8-0EC6-448B-A163-B4F38EC9A947}"/>
               </a:ext>
             </a:extLst>
           </p:cNvPr>
@@ -1184,7 +1184,7 @@
           <p:cNvPr id="5" name="바닥글 개체 틀 4">
             <a:extLst>
               <a:ext uri="{FF2B5EF4-FFF2-40B4-BE49-F238E27FC236}">
-                <a16:creationId xmlns:a16="http://schemas.microsoft.com/office/drawing/2014/main" xmlns="" id="{5E88925E-5BB0-4224-84BC-A28CDD7D951D}"/>
+                <a16:creationId xmlns:a16="http://schemas.microsoft.com/office/drawing/2014/main" id="{5E88925E-5BB0-4224-84BC-A28CDD7D951D}"/>
               </a:ext>
             </a:extLst>
           </p:cNvPr>
@@ -1209,7 +1209,7 @@
           <p:cNvPr id="6" name="슬라이드 번호 개체 틀 5">
             <a:extLst>
               <a:ext uri="{FF2B5EF4-FFF2-40B4-BE49-F238E27FC236}">
-                <a16:creationId xmlns:a16="http://schemas.microsoft.com/office/drawing/2014/main" xmlns="" id="{5E2AC82B-7EF0-4A94-ABD0-795BCDC999D9}"/>
+                <a16:creationId xmlns:a16="http://schemas.microsoft.com/office/drawing/2014/main" id="{5E2AC82B-7EF0-4A94-ABD0-795BCDC999D9}"/>
               </a:ext>
             </a:extLst>
           </p:cNvPr>
@@ -1268,7 +1268,7 @@
           <p:cNvPr id="2" name="제목 1">
             <a:extLst>
               <a:ext uri="{FF2B5EF4-FFF2-40B4-BE49-F238E27FC236}">
-                <a16:creationId xmlns:a16="http://schemas.microsoft.com/office/drawing/2014/main" xmlns="" id="{3A5BBCBA-2239-48DE-BF29-783E5F4337C0}"/>
+                <a16:creationId xmlns:a16="http://schemas.microsoft.com/office/drawing/2014/main" id="{3A5BBCBA-2239-48DE-BF29-783E5F4337C0}"/>
               </a:ext>
             </a:extLst>
           </p:cNvPr>
@@ -1296,7 +1296,7 @@
           <p:cNvPr id="3" name="내용 개체 틀 2">
             <a:extLst>
               <a:ext uri="{FF2B5EF4-FFF2-40B4-BE49-F238E27FC236}">
-                <a16:creationId xmlns:a16="http://schemas.microsoft.com/office/drawing/2014/main" xmlns="" id="{03B5B2A9-43FB-4FB5-A683-0AE505AB5582}"/>
+                <a16:creationId xmlns:a16="http://schemas.microsoft.com/office/drawing/2014/main" id="{03B5B2A9-43FB-4FB5-A683-0AE505AB5582}"/>
               </a:ext>
             </a:extLst>
           </p:cNvPr>
@@ -1358,7 +1358,7 @@
           <p:cNvPr id="4" name="내용 개체 틀 3">
             <a:extLst>
               <a:ext uri="{FF2B5EF4-FFF2-40B4-BE49-F238E27FC236}">
-                <a16:creationId xmlns:a16="http://schemas.microsoft.com/office/drawing/2014/main" xmlns="" id="{F5456BA3-1D2B-4F44-8D73-A38936A94E88}"/>
+                <a16:creationId xmlns:a16="http://schemas.microsoft.com/office/drawing/2014/main" id="{F5456BA3-1D2B-4F44-8D73-A38936A94E88}"/>
               </a:ext>
             </a:extLst>
           </p:cNvPr>
@@ -1420,7 +1420,7 @@
           <p:cNvPr id="5" name="날짜 개체 틀 4">
             <a:extLst>
               <a:ext uri="{FF2B5EF4-FFF2-40B4-BE49-F238E27FC236}">
-                <a16:creationId xmlns:a16="http://schemas.microsoft.com/office/drawing/2014/main" xmlns="" id="{3DC4AD19-F5F6-497F-A4BB-3ED6C9E18DC0}"/>
+                <a16:creationId xmlns:a16="http://schemas.microsoft.com/office/drawing/2014/main" id="{3DC4AD19-F5F6-497F-A4BB-3ED6C9E18DC0}"/>
               </a:ext>
             </a:extLst>
           </p:cNvPr>
@@ -1449,7 +1449,7 @@
           <p:cNvPr id="6" name="바닥글 개체 틀 5">
             <a:extLst>
               <a:ext uri="{FF2B5EF4-FFF2-40B4-BE49-F238E27FC236}">
-                <a16:creationId xmlns:a16="http://schemas.microsoft.com/office/drawing/2014/main" xmlns="" id="{B77D075D-437E-4887-8380-75D310AC29F8}"/>
+                <a16:creationId xmlns:a16="http://schemas.microsoft.com/office/drawing/2014/main" id="{B77D075D-437E-4887-8380-75D310AC29F8}"/>
               </a:ext>
             </a:extLst>
           </p:cNvPr>
@@ -1474,7 +1474,7 @@
           <p:cNvPr id="7" name="슬라이드 번호 개체 틀 6">
             <a:extLst>
               <a:ext uri="{FF2B5EF4-FFF2-40B4-BE49-F238E27FC236}">
-                <a16:creationId xmlns:a16="http://schemas.microsoft.com/office/drawing/2014/main" xmlns="" id="{28B0A8A3-DDFE-44C6-A25E-2C33FCC75E9B}"/>
+                <a16:creationId xmlns:a16="http://schemas.microsoft.com/office/drawing/2014/main" id="{28B0A8A3-DDFE-44C6-A25E-2C33FCC75E9B}"/>
               </a:ext>
             </a:extLst>
           </p:cNvPr>
@@ -1533,7 +1533,7 @@
           <p:cNvPr id="2" name="제목 1">
             <a:extLst>
               <a:ext uri="{FF2B5EF4-FFF2-40B4-BE49-F238E27FC236}">
-                <a16:creationId xmlns:a16="http://schemas.microsoft.com/office/drawing/2014/main" xmlns="" id="{4B0B4D13-3552-4854-A8FA-4E16928C5A19}"/>
+                <a16:creationId xmlns:a16="http://schemas.microsoft.com/office/drawing/2014/main" id="{4B0B4D13-3552-4854-A8FA-4E16928C5A19}"/>
               </a:ext>
             </a:extLst>
           </p:cNvPr>
@@ -1566,7 +1566,7 @@
           <p:cNvPr id="3" name="텍스트 개체 틀 2">
             <a:extLst>
               <a:ext uri="{FF2B5EF4-FFF2-40B4-BE49-F238E27FC236}">
-                <a16:creationId xmlns:a16="http://schemas.microsoft.com/office/drawing/2014/main" xmlns="" id="{4157DCBD-DC71-4142-8BCC-2D7B11A62052}"/>
+                <a16:creationId xmlns:a16="http://schemas.microsoft.com/office/drawing/2014/main" id="{4157DCBD-DC71-4142-8BCC-2D7B11A62052}"/>
               </a:ext>
             </a:extLst>
           </p:cNvPr>
@@ -1637,7 +1637,7 @@
           <p:cNvPr id="4" name="내용 개체 틀 3">
             <a:extLst>
               <a:ext uri="{FF2B5EF4-FFF2-40B4-BE49-F238E27FC236}">
-                <a16:creationId xmlns:a16="http://schemas.microsoft.com/office/drawing/2014/main" xmlns="" id="{AF5ED62F-DF36-48AA-BA96-840F0BB7A0E4}"/>
+                <a16:creationId xmlns:a16="http://schemas.microsoft.com/office/drawing/2014/main" id="{AF5ED62F-DF36-48AA-BA96-840F0BB7A0E4}"/>
               </a:ext>
             </a:extLst>
           </p:cNvPr>
@@ -1699,7 +1699,7 @@
           <p:cNvPr id="5" name="텍스트 개체 틀 4">
             <a:extLst>
               <a:ext uri="{FF2B5EF4-FFF2-40B4-BE49-F238E27FC236}">
-                <a16:creationId xmlns:a16="http://schemas.microsoft.com/office/drawing/2014/main" xmlns="" id="{C0C7526B-9713-446F-A117-17E2F1C64EA1}"/>
+                <a16:creationId xmlns:a16="http://schemas.microsoft.com/office/drawing/2014/main" id="{C0C7526B-9713-446F-A117-17E2F1C64EA1}"/>
               </a:ext>
             </a:extLst>
           </p:cNvPr>
@@ -1770,7 +1770,7 @@
           <p:cNvPr id="6" name="내용 개체 틀 5">
             <a:extLst>
               <a:ext uri="{FF2B5EF4-FFF2-40B4-BE49-F238E27FC236}">
-                <a16:creationId xmlns:a16="http://schemas.microsoft.com/office/drawing/2014/main" xmlns="" id="{1870773B-9A81-408C-9928-4ECEF300AE84}"/>
+                <a16:creationId xmlns:a16="http://schemas.microsoft.com/office/drawing/2014/main" id="{1870773B-9A81-408C-9928-4ECEF300AE84}"/>
               </a:ext>
             </a:extLst>
           </p:cNvPr>
@@ -1832,7 +1832,7 @@
           <p:cNvPr id="7" name="날짜 개체 틀 6">
             <a:extLst>
               <a:ext uri="{FF2B5EF4-FFF2-40B4-BE49-F238E27FC236}">
-                <a16:creationId xmlns:a16="http://schemas.microsoft.com/office/drawing/2014/main" xmlns="" id="{ABD3D292-859B-4030-B8A0-368C7E360860}"/>
+                <a16:creationId xmlns:a16="http://schemas.microsoft.com/office/drawing/2014/main" id="{ABD3D292-859B-4030-B8A0-368C7E360860}"/>
               </a:ext>
             </a:extLst>
           </p:cNvPr>
@@ -1861,7 +1861,7 @@
           <p:cNvPr id="8" name="바닥글 개체 틀 7">
             <a:extLst>
               <a:ext uri="{FF2B5EF4-FFF2-40B4-BE49-F238E27FC236}">
-                <a16:creationId xmlns:a16="http://schemas.microsoft.com/office/drawing/2014/main" xmlns="" id="{AC1FF3BC-559F-4917-93B1-DFAE50994ECD}"/>
+                <a16:creationId xmlns:a16="http://schemas.microsoft.com/office/drawing/2014/main" id="{AC1FF3BC-559F-4917-93B1-DFAE50994ECD}"/>
               </a:ext>
             </a:extLst>
           </p:cNvPr>
@@ -1886,7 +1886,7 @@
           <p:cNvPr id="9" name="슬라이드 번호 개체 틀 8">
             <a:extLst>
               <a:ext uri="{FF2B5EF4-FFF2-40B4-BE49-F238E27FC236}">
-                <a16:creationId xmlns:a16="http://schemas.microsoft.com/office/drawing/2014/main" xmlns="" id="{1DC888E0-EB81-47F2-BDC6-1D8C26739FC4}"/>
+                <a16:creationId xmlns:a16="http://schemas.microsoft.com/office/drawing/2014/main" id="{1DC888E0-EB81-47F2-BDC6-1D8C26739FC4}"/>
               </a:ext>
             </a:extLst>
           </p:cNvPr>
@@ -1945,7 +1945,7 @@
           <p:cNvPr id="2" name="제목 1">
             <a:extLst>
               <a:ext uri="{FF2B5EF4-FFF2-40B4-BE49-F238E27FC236}">
-                <a16:creationId xmlns:a16="http://schemas.microsoft.com/office/drawing/2014/main" xmlns="" id="{F86FA5F1-AD26-41C3-8D2B-C82864F40921}"/>
+                <a16:creationId xmlns:a16="http://schemas.microsoft.com/office/drawing/2014/main" id="{F86FA5F1-AD26-41C3-8D2B-C82864F40921}"/>
               </a:ext>
             </a:extLst>
           </p:cNvPr>
@@ -1973,7 +1973,7 @@
           <p:cNvPr id="3" name="날짜 개체 틀 2">
             <a:extLst>
               <a:ext uri="{FF2B5EF4-FFF2-40B4-BE49-F238E27FC236}">
-                <a16:creationId xmlns:a16="http://schemas.microsoft.com/office/drawing/2014/main" xmlns="" id="{7DEE67F5-B8D0-47ED-99D0-3C17E650BA31}"/>
+                <a16:creationId xmlns:a16="http://schemas.microsoft.com/office/drawing/2014/main" id="{7DEE67F5-B8D0-47ED-99D0-3C17E650BA31}"/>
               </a:ext>
             </a:extLst>
           </p:cNvPr>
@@ -2002,7 +2002,7 @@
           <p:cNvPr id="4" name="바닥글 개체 틀 3">
             <a:extLst>
               <a:ext uri="{FF2B5EF4-FFF2-40B4-BE49-F238E27FC236}">
-                <a16:creationId xmlns:a16="http://schemas.microsoft.com/office/drawing/2014/main" xmlns="" id="{D352BE80-F327-4437-B8AA-278C9411932B}"/>
+                <a16:creationId xmlns:a16="http://schemas.microsoft.com/office/drawing/2014/main" id="{D352BE80-F327-4437-B8AA-278C9411932B}"/>
               </a:ext>
             </a:extLst>
           </p:cNvPr>
@@ -2027,7 +2027,7 @@
           <p:cNvPr id="5" name="슬라이드 번호 개체 틀 4">
             <a:extLst>
               <a:ext uri="{FF2B5EF4-FFF2-40B4-BE49-F238E27FC236}">
-                <a16:creationId xmlns:a16="http://schemas.microsoft.com/office/drawing/2014/main" xmlns="" id="{10D1738F-5B98-4F85-A7A2-BF45D3B753A4}"/>
+                <a16:creationId xmlns:a16="http://schemas.microsoft.com/office/drawing/2014/main" id="{10D1738F-5B98-4F85-A7A2-BF45D3B753A4}"/>
               </a:ext>
             </a:extLst>
           </p:cNvPr>
@@ -2086,7 +2086,7 @@
           <p:cNvPr id="2" name="날짜 개체 틀 1">
             <a:extLst>
               <a:ext uri="{FF2B5EF4-FFF2-40B4-BE49-F238E27FC236}">
-                <a16:creationId xmlns:a16="http://schemas.microsoft.com/office/drawing/2014/main" xmlns="" id="{4362516C-8712-4367-A7C0-C4A2000A7039}"/>
+                <a16:creationId xmlns:a16="http://schemas.microsoft.com/office/drawing/2014/main" id="{4362516C-8712-4367-A7C0-C4A2000A7039}"/>
               </a:ext>
             </a:extLst>
           </p:cNvPr>
@@ -2115,7 +2115,7 @@
           <p:cNvPr id="3" name="바닥글 개체 틀 2">
             <a:extLst>
               <a:ext uri="{FF2B5EF4-FFF2-40B4-BE49-F238E27FC236}">
-                <a16:creationId xmlns:a16="http://schemas.microsoft.com/office/drawing/2014/main" xmlns="" id="{7A6B2C9E-E5C1-47C3-BC9A-77C01FD1EE87}"/>
+                <a16:creationId xmlns:a16="http://schemas.microsoft.com/office/drawing/2014/main" id="{7A6B2C9E-E5C1-47C3-BC9A-77C01FD1EE87}"/>
               </a:ext>
             </a:extLst>
           </p:cNvPr>
@@ -2140,7 +2140,7 @@
           <p:cNvPr id="4" name="슬라이드 번호 개체 틀 3">
             <a:extLst>
               <a:ext uri="{FF2B5EF4-FFF2-40B4-BE49-F238E27FC236}">
-                <a16:creationId xmlns:a16="http://schemas.microsoft.com/office/drawing/2014/main" xmlns="" id="{5045D94F-A532-4E17-A58D-7F549B79B8A5}"/>
+                <a16:creationId xmlns:a16="http://schemas.microsoft.com/office/drawing/2014/main" id="{5045D94F-A532-4E17-A58D-7F549B79B8A5}"/>
               </a:ext>
             </a:extLst>
           </p:cNvPr>
@@ -2169,7 +2169,7 @@
           <p:cNvPr id="6" name="TextBox 5">
             <a:extLst>
               <a:ext uri="{FF2B5EF4-FFF2-40B4-BE49-F238E27FC236}">
-                <a16:creationId xmlns:a16="http://schemas.microsoft.com/office/drawing/2014/main" xmlns="" id="{DC16169D-D0ED-40F3-8F0C-339A099FA430}"/>
+                <a16:creationId xmlns:a16="http://schemas.microsoft.com/office/drawing/2014/main" id="{DC16169D-D0ED-40F3-8F0C-339A099FA430}"/>
               </a:ext>
             </a:extLst>
           </p:cNvPr>
@@ -2276,7 +2276,7 @@
           <p:cNvPr id="2" name="제목 1">
             <a:extLst>
               <a:ext uri="{FF2B5EF4-FFF2-40B4-BE49-F238E27FC236}">
-                <a16:creationId xmlns:a16="http://schemas.microsoft.com/office/drawing/2014/main" xmlns="" id="{98007D48-B175-4627-B13F-2B1D42F6A5F9}"/>
+                <a16:creationId xmlns:a16="http://schemas.microsoft.com/office/drawing/2014/main" id="{98007D48-B175-4627-B13F-2B1D42F6A5F9}"/>
               </a:ext>
             </a:extLst>
           </p:cNvPr>
@@ -2313,7 +2313,7 @@
           <p:cNvPr id="3" name="내용 개체 틀 2">
             <a:extLst>
               <a:ext uri="{FF2B5EF4-FFF2-40B4-BE49-F238E27FC236}">
-                <a16:creationId xmlns:a16="http://schemas.microsoft.com/office/drawing/2014/main" xmlns="" id="{75C0A2B2-9C04-43C7-8935-4B3BC0231940}"/>
+                <a16:creationId xmlns:a16="http://schemas.microsoft.com/office/drawing/2014/main" id="{75C0A2B2-9C04-43C7-8935-4B3BC0231940}"/>
               </a:ext>
             </a:extLst>
           </p:cNvPr>
@@ -2403,7 +2403,7 @@
           <p:cNvPr id="4" name="텍스트 개체 틀 3">
             <a:extLst>
               <a:ext uri="{FF2B5EF4-FFF2-40B4-BE49-F238E27FC236}">
-                <a16:creationId xmlns:a16="http://schemas.microsoft.com/office/drawing/2014/main" xmlns="" id="{838D1692-04F4-48B0-A631-731A6D15DDFB}"/>
+                <a16:creationId xmlns:a16="http://schemas.microsoft.com/office/drawing/2014/main" id="{838D1692-04F4-48B0-A631-731A6D15DDFB}"/>
               </a:ext>
             </a:extLst>
           </p:cNvPr>
@@ -2474,7 +2474,7 @@
           <p:cNvPr id="5" name="날짜 개체 틀 4">
             <a:extLst>
               <a:ext uri="{FF2B5EF4-FFF2-40B4-BE49-F238E27FC236}">
-                <a16:creationId xmlns:a16="http://schemas.microsoft.com/office/drawing/2014/main" xmlns="" id="{A903BC75-346C-42B4-B7F8-0616AA3D9C93}"/>
+                <a16:creationId xmlns:a16="http://schemas.microsoft.com/office/drawing/2014/main" id="{A903BC75-346C-42B4-B7F8-0616AA3D9C93}"/>
               </a:ext>
             </a:extLst>
           </p:cNvPr>
@@ -2503,7 +2503,7 @@
           <p:cNvPr id="6" name="바닥글 개체 틀 5">
             <a:extLst>
               <a:ext uri="{FF2B5EF4-FFF2-40B4-BE49-F238E27FC236}">
-                <a16:creationId xmlns:a16="http://schemas.microsoft.com/office/drawing/2014/main" xmlns="" id="{B1199AC8-1CE6-4F36-A7D8-4DD1C90F17DC}"/>
+                <a16:creationId xmlns:a16="http://schemas.microsoft.com/office/drawing/2014/main" id="{B1199AC8-1CE6-4F36-A7D8-4DD1C90F17DC}"/>
               </a:ext>
             </a:extLst>
           </p:cNvPr>
@@ -2528,7 +2528,7 @@
           <p:cNvPr id="7" name="슬라이드 번호 개체 틀 6">
             <a:extLst>
               <a:ext uri="{FF2B5EF4-FFF2-40B4-BE49-F238E27FC236}">
-                <a16:creationId xmlns:a16="http://schemas.microsoft.com/office/drawing/2014/main" xmlns="" id="{EDD60830-19B7-4C46-9096-B2981B220F14}"/>
+                <a16:creationId xmlns:a16="http://schemas.microsoft.com/office/drawing/2014/main" id="{EDD60830-19B7-4C46-9096-B2981B220F14}"/>
               </a:ext>
             </a:extLst>
           </p:cNvPr>
@@ -2587,7 +2587,7 @@
           <p:cNvPr id="2" name="제목 1">
             <a:extLst>
               <a:ext uri="{FF2B5EF4-FFF2-40B4-BE49-F238E27FC236}">
-                <a16:creationId xmlns:a16="http://schemas.microsoft.com/office/drawing/2014/main" xmlns="" id="{DFA9C75C-43E3-439A-B073-5BD82C487FAD}"/>
+                <a16:creationId xmlns:a16="http://schemas.microsoft.com/office/drawing/2014/main" id="{DFA9C75C-43E3-439A-B073-5BD82C487FAD}"/>
               </a:ext>
             </a:extLst>
           </p:cNvPr>
@@ -2624,7 +2624,7 @@
           <p:cNvPr id="3" name="그림 개체 틀 2">
             <a:extLst>
               <a:ext uri="{FF2B5EF4-FFF2-40B4-BE49-F238E27FC236}">
-                <a16:creationId xmlns:a16="http://schemas.microsoft.com/office/drawing/2014/main" xmlns="" id="{66273701-9315-4E58-9D6D-48682990CCF2}"/>
+                <a16:creationId xmlns:a16="http://schemas.microsoft.com/office/drawing/2014/main" id="{66273701-9315-4E58-9D6D-48682990CCF2}"/>
               </a:ext>
             </a:extLst>
           </p:cNvPr>
@@ -2691,7 +2691,7 @@
           <p:cNvPr id="4" name="텍스트 개체 틀 3">
             <a:extLst>
               <a:ext uri="{FF2B5EF4-FFF2-40B4-BE49-F238E27FC236}">
-                <a16:creationId xmlns:a16="http://schemas.microsoft.com/office/drawing/2014/main" xmlns="" id="{FF25B6E6-41F0-4AA4-9DAC-24B3F8015A0B}"/>
+                <a16:creationId xmlns:a16="http://schemas.microsoft.com/office/drawing/2014/main" id="{FF25B6E6-41F0-4AA4-9DAC-24B3F8015A0B}"/>
               </a:ext>
             </a:extLst>
           </p:cNvPr>
@@ -2762,7 +2762,7 @@
           <p:cNvPr id="5" name="날짜 개체 틀 4">
             <a:extLst>
               <a:ext uri="{FF2B5EF4-FFF2-40B4-BE49-F238E27FC236}">
-                <a16:creationId xmlns:a16="http://schemas.microsoft.com/office/drawing/2014/main" xmlns="" id="{357F92B7-FA82-4883-A2F7-10C41B370ACD}"/>
+                <a16:creationId xmlns:a16="http://schemas.microsoft.com/office/drawing/2014/main" id="{357F92B7-FA82-4883-A2F7-10C41B370ACD}"/>
               </a:ext>
             </a:extLst>
           </p:cNvPr>
@@ -2791,7 +2791,7 @@
           <p:cNvPr id="6" name="바닥글 개체 틀 5">
             <a:extLst>
               <a:ext uri="{FF2B5EF4-FFF2-40B4-BE49-F238E27FC236}">
-                <a16:creationId xmlns:a16="http://schemas.microsoft.com/office/drawing/2014/main" xmlns="" id="{F2E5F1E2-5695-48AD-B9D6-8CECD93DB2BF}"/>
+                <a16:creationId xmlns:a16="http://schemas.microsoft.com/office/drawing/2014/main" id="{F2E5F1E2-5695-48AD-B9D6-8CECD93DB2BF}"/>
               </a:ext>
             </a:extLst>
           </p:cNvPr>
@@ -2816,7 +2816,7 @@
           <p:cNvPr id="7" name="슬라이드 번호 개체 틀 6">
             <a:extLst>
               <a:ext uri="{FF2B5EF4-FFF2-40B4-BE49-F238E27FC236}">
-                <a16:creationId xmlns:a16="http://schemas.microsoft.com/office/drawing/2014/main" xmlns="" id="{1DF0E2E8-8221-4CC1-8A31-07A30A7383FC}"/>
+                <a16:creationId xmlns:a16="http://schemas.microsoft.com/office/drawing/2014/main" id="{1DF0E2E8-8221-4CC1-8A31-07A30A7383FC}"/>
               </a:ext>
             </a:extLst>
           </p:cNvPr>
@@ -2880,7 +2880,7 @@
           <p:cNvPr id="2" name="제목 개체 틀 1">
             <a:extLst>
               <a:ext uri="{FF2B5EF4-FFF2-40B4-BE49-F238E27FC236}">
-                <a16:creationId xmlns:a16="http://schemas.microsoft.com/office/drawing/2014/main" xmlns="" id="{D558C61F-C343-4940-9701-CE789132329C}"/>
+                <a16:creationId xmlns:a16="http://schemas.microsoft.com/office/drawing/2014/main" id="{D558C61F-C343-4940-9701-CE789132329C}"/>
               </a:ext>
             </a:extLst>
           </p:cNvPr>
@@ -2918,7 +2918,7 @@
           <p:cNvPr id="3" name="텍스트 개체 틀 2">
             <a:extLst>
               <a:ext uri="{FF2B5EF4-FFF2-40B4-BE49-F238E27FC236}">
-                <a16:creationId xmlns:a16="http://schemas.microsoft.com/office/drawing/2014/main" xmlns="" id="{89E92F13-8BCD-4224-8BC4-E665407A0BB5}"/>
+                <a16:creationId xmlns:a16="http://schemas.microsoft.com/office/drawing/2014/main" id="{89E92F13-8BCD-4224-8BC4-E665407A0BB5}"/>
               </a:ext>
             </a:extLst>
           </p:cNvPr>
@@ -2985,7 +2985,7 @@
           <p:cNvPr id="4" name="날짜 개체 틀 3">
             <a:extLst>
               <a:ext uri="{FF2B5EF4-FFF2-40B4-BE49-F238E27FC236}">
-                <a16:creationId xmlns:a16="http://schemas.microsoft.com/office/drawing/2014/main" xmlns="" id="{20104FFA-8AEA-42AD-BB3B-CB3AFF5DC124}"/>
+                <a16:creationId xmlns:a16="http://schemas.microsoft.com/office/drawing/2014/main" id="{20104FFA-8AEA-42AD-BB3B-CB3AFF5DC124}"/>
               </a:ext>
             </a:extLst>
           </p:cNvPr>
@@ -3032,7 +3032,7 @@
           <p:cNvPr id="5" name="바닥글 개체 틀 4">
             <a:extLst>
               <a:ext uri="{FF2B5EF4-FFF2-40B4-BE49-F238E27FC236}">
-                <a16:creationId xmlns:a16="http://schemas.microsoft.com/office/drawing/2014/main" xmlns="" id="{308BAAFE-3A8C-4CF4-AD37-182FD781651F}"/>
+                <a16:creationId xmlns:a16="http://schemas.microsoft.com/office/drawing/2014/main" id="{308BAAFE-3A8C-4CF4-AD37-182FD781651F}"/>
               </a:ext>
             </a:extLst>
           </p:cNvPr>
@@ -3075,7 +3075,7 @@
           <p:cNvPr id="6" name="슬라이드 번호 개체 틀 5">
             <a:extLst>
               <a:ext uri="{FF2B5EF4-FFF2-40B4-BE49-F238E27FC236}">
-                <a16:creationId xmlns:a16="http://schemas.microsoft.com/office/drawing/2014/main" xmlns="" id="{6CC71AFE-D340-435C-9123-BC14E8E943D2}"/>
+                <a16:creationId xmlns:a16="http://schemas.microsoft.com/office/drawing/2014/main" id="{6CC71AFE-D340-435C-9123-BC14E8E943D2}"/>
               </a:ext>
             </a:extLst>
           </p:cNvPr>
@@ -3443,7 +3443,7 @@
           <p:cNvPr id="5" name="그림 4">
             <a:extLst>
               <a:ext uri="{FF2B5EF4-FFF2-40B4-BE49-F238E27FC236}">
-                <a16:creationId xmlns:a16="http://schemas.microsoft.com/office/drawing/2014/main" xmlns="" id="{E33EF762-759F-44DF-847E-B9B4C609652A}"/>
+                <a16:creationId xmlns:a16="http://schemas.microsoft.com/office/drawing/2014/main" id="{E33EF762-759F-44DF-847E-B9B4C609652A}"/>
               </a:ext>
             </a:extLst>
           </p:cNvPr>
@@ -3478,7 +3478,7 @@
           <p:cNvPr id="7" name="TextBox 6">
             <a:extLst>
               <a:ext uri="{FF2B5EF4-FFF2-40B4-BE49-F238E27FC236}">
-                <a16:creationId xmlns:a16="http://schemas.microsoft.com/office/drawing/2014/main" xmlns="" id="{BCC30749-8F18-4410-8EFB-5E5342F70C2B}"/>
+                <a16:creationId xmlns:a16="http://schemas.microsoft.com/office/drawing/2014/main" id="{BCC30749-8F18-4410-8EFB-5E5342F70C2B}"/>
               </a:ext>
             </a:extLst>
           </p:cNvPr>
@@ -3503,7 +3503,7 @@
           <a:p>
             <a:pPr algn="ctr"/>
             <a:r>
-              <a:rPr lang="ko-KR" altLang="en-US" sz="11500" b="1" dirty="0" smtClean="0">
+              <a:rPr lang="ko-KR" altLang="en-US" sz="11500" b="1" dirty="0">
                 <a:solidFill>
                   <a:srgbClr val="FFFF00"/>
                 </a:solidFill>
@@ -3523,7 +3523,7 @@
           <p:cNvPr id="9" name="TextBox 8">
             <a:extLst>
               <a:ext uri="{FF2B5EF4-FFF2-40B4-BE49-F238E27FC236}">
-                <a16:creationId xmlns:a16="http://schemas.microsoft.com/office/drawing/2014/main" xmlns="" id="{D3FCDA29-88B9-493F-9A9E-0693420C764B}"/>
+                <a16:creationId xmlns:a16="http://schemas.microsoft.com/office/drawing/2014/main" id="{D3FCDA29-88B9-493F-9A9E-0693420C764B}"/>
               </a:ext>
             </a:extLst>
           </p:cNvPr>
@@ -3600,7 +3600,7 @@
           <p:cNvPr id="6" name="TextBox 5">
             <a:extLst>
               <a:ext uri="{FF2B5EF4-FFF2-40B4-BE49-F238E27FC236}">
-                <a16:creationId xmlns:a16="http://schemas.microsoft.com/office/drawing/2014/main" xmlns="" id="{BCC30749-8F18-4410-8EFB-5E5342F70C2B}"/>
+                <a16:creationId xmlns:a16="http://schemas.microsoft.com/office/drawing/2014/main" id="{BCC30749-8F18-4410-8EFB-5E5342F70C2B}"/>
               </a:ext>
             </a:extLst>
           </p:cNvPr>
@@ -3625,14 +3625,14 @@
           <a:p>
             <a:pPr algn="ctr"/>
             <a:r>
-              <a:rPr lang="ko-KR" altLang="en-US" sz="2400" b="1" dirty="0" smtClean="0">
+              <a:rPr lang="ko-KR" altLang="en-US" sz="2400" b="1" dirty="0">
                 <a:solidFill>
                   <a:schemeClr val="bg1"/>
                 </a:solidFill>
               </a:rPr>
               <a:t>컴퓨터소프트웨어학과</a:t>
             </a:r>
-            <a:endParaRPr lang="en-US" altLang="ko-KR" sz="2400" b="1" dirty="0" smtClean="0">
+            <a:endParaRPr lang="en-US" altLang="ko-KR" sz="2400" b="1" dirty="0">
               <a:solidFill>
                 <a:schemeClr val="bg1"/>
               </a:solidFill>
@@ -3641,7 +3641,7 @@
           <a:p>
             <a:pPr algn="ctr"/>
             <a:r>
-              <a:rPr lang="en-US" altLang="ko-KR" sz="2400" b="1" dirty="0" smtClean="0">
+              <a:rPr lang="en-US" altLang="ko-KR" sz="2400" b="1" dirty="0">
                 <a:solidFill>
                   <a:schemeClr val="bg1"/>
                 </a:solidFill>
@@ -3652,14 +3652,14 @@
           <a:p>
             <a:pPr algn="ctr"/>
             <a:r>
-              <a:rPr lang="ko-KR" altLang="en-US" sz="2400" b="1" dirty="0" smtClean="0">
+              <a:rPr lang="ko-KR" altLang="en-US" sz="2400" b="1" dirty="0">
                 <a:solidFill>
                   <a:schemeClr val="bg1"/>
                 </a:solidFill>
               </a:rPr>
               <a:t>박영민</a:t>
             </a:r>
-            <a:endParaRPr lang="en-US" altLang="ko-KR" sz="2400" b="1" dirty="0" smtClean="0">
+            <a:endParaRPr lang="en-US" altLang="ko-KR" sz="2400" b="1" dirty="0">
               <a:solidFill>
                 <a:schemeClr val="bg1"/>
               </a:solidFill>
@@ -3668,14 +3668,14 @@
           <a:p>
             <a:pPr algn="ctr"/>
             <a:r>
-              <a:rPr lang="ko-KR" altLang="en-US" sz="2400" b="1" dirty="0" smtClean="0">
+              <a:rPr lang="ko-KR" altLang="en-US" sz="2400" b="1" dirty="0">
                 <a:solidFill>
                   <a:schemeClr val="bg1"/>
                 </a:solidFill>
               </a:rPr>
               <a:t>한정엽</a:t>
             </a:r>
-            <a:endParaRPr lang="en-US" altLang="ko-KR" sz="2400" b="1" dirty="0" smtClean="0">
+            <a:endParaRPr lang="en-US" altLang="ko-KR" sz="2400" b="1" dirty="0">
               <a:solidFill>
                 <a:schemeClr val="bg1"/>
               </a:solidFill>
@@ -3684,14 +3684,14 @@
           <a:p>
             <a:pPr algn="ctr"/>
             <a:r>
-              <a:rPr lang="ko-KR" altLang="en-US" sz="2400" b="1" dirty="0" smtClean="0">
+              <a:rPr lang="ko-KR" altLang="en-US" sz="2400" b="1" dirty="0">
                 <a:solidFill>
                   <a:schemeClr val="bg1"/>
                 </a:solidFill>
               </a:rPr>
               <a:t>이종하</a:t>
             </a:r>
-            <a:endParaRPr lang="en-US" altLang="ko-KR" sz="2400" b="1" dirty="0" smtClean="0">
+            <a:endParaRPr lang="en-US" altLang="ko-KR" sz="2400" b="1" dirty="0">
               <a:solidFill>
                 <a:schemeClr val="bg1"/>
               </a:solidFill>
@@ -3699,21 +3699,13 @@
           </a:p>
           <a:p>
             <a:pPr algn="ctr"/>
-            <a:r>
-              <a:rPr lang="ko-KR" altLang="en-US" sz="2400" b="1" dirty="0" smtClean="0">
-                <a:solidFill>
-                  <a:schemeClr val="bg1"/>
-                </a:solidFill>
-              </a:rPr>
-              <a:t>조성</a:t>
-            </a:r>
             <a:r>
               <a:rPr lang="ko-KR" altLang="en-US" sz="2400" b="1" dirty="0">
                 <a:solidFill>
                   <a:schemeClr val="bg1"/>
                 </a:solidFill>
               </a:rPr>
-              <a:t>윤</a:t>
+              <a:t>조성윤</a:t>
             </a:r>
           </a:p>
         </p:txBody>
@@ -3728,25 +3720,18 @@
   <p:clrMapOvr>
     <a:masterClrMapping/>
   </p:clrMapOvr>
-  <mc:AlternateContent xmlns:mc="http://schemas.openxmlformats.org/markup-compatibility/2006">
-    <mc:Choice xmlns:p159="http://schemas.microsoft.com/office/powerpoint/2015/09/main" xmlns="" Requires="p159">
+  <mc:AlternateContent xmlns:mc="http://schemas.openxmlformats.org/markup-compatibility/2006" xmlns:p159="http://schemas.microsoft.com/office/powerpoint/2015/09/main">
+    <mc:Choice Requires="p159">
       <p:transition xmlns:p14="http://schemas.microsoft.com/office/powerpoint/2010/main" spd="slow" p14:dur="2000">
         <p159:morph option="byObject"/>
       </p:transition>
     </mc:Choice>
-    <mc:Fallback>
+    <mc:Fallback xmlns="">
       <p:transition spd="slow">
         <p:fade/>
       </p:transition>
     </mc:Fallback>
   </mc:AlternateContent>
-  <p:timing>
-    <p:tnLst>
-      <p:par>
-        <p:cTn id="1" dur="indefinite" restart="never" nodeType="tmRoot"/>
-      </p:par>
-    </p:tnLst>
-  </p:timing>
 </p:sld>
 </file>
 
@@ -3772,7 +3757,7 @@
           <p:cNvPr id="5" name="직사각형 4">
             <a:extLst>
               <a:ext uri="{FF2B5EF4-FFF2-40B4-BE49-F238E27FC236}">
-                <a16:creationId xmlns:a16="http://schemas.microsoft.com/office/drawing/2014/main" xmlns="" id="{41D38B16-140D-43D2-97DF-A3A63699995D}"/>
+                <a16:creationId xmlns:a16="http://schemas.microsoft.com/office/drawing/2014/main" id="{41D38B16-140D-43D2-97DF-A3A63699995D}"/>
               </a:ext>
             </a:extLst>
           </p:cNvPr>
@@ -3824,7 +3809,7 @@
           <p:cNvPr id="2" name="직선 연결선 1">
             <a:extLst>
               <a:ext uri="{FF2B5EF4-FFF2-40B4-BE49-F238E27FC236}">
-                <a16:creationId xmlns:a16="http://schemas.microsoft.com/office/drawing/2014/main" xmlns="" id="{4B62E7D8-2355-44BA-A245-B5774C0B2832}"/>
+                <a16:creationId xmlns:a16="http://schemas.microsoft.com/office/drawing/2014/main" id="{4B62E7D8-2355-44BA-A245-B5774C0B2832}"/>
               </a:ext>
             </a:extLst>
           </p:cNvPr>
@@ -3869,7 +3854,7 @@
           <p:cNvPr id="4" name="TextBox 3">
             <a:extLst>
               <a:ext uri="{FF2B5EF4-FFF2-40B4-BE49-F238E27FC236}">
-                <a16:creationId xmlns:a16="http://schemas.microsoft.com/office/drawing/2014/main" xmlns="" id="{583141B7-5F35-43CF-8319-4DAC989EB771}"/>
+                <a16:creationId xmlns:a16="http://schemas.microsoft.com/office/drawing/2014/main" id="{583141B7-5F35-43CF-8319-4DAC989EB771}"/>
               </a:ext>
             </a:extLst>
           </p:cNvPr>
@@ -3898,15 +3883,7 @@
                   <a:schemeClr val="bg1"/>
                 </a:solidFill>
               </a:rPr>
-              <a:t>Part </a:t>
-            </a:r>
-            <a:r>
-              <a:rPr lang="en-US" altLang="ko-KR" sz="3600" dirty="0" smtClean="0">
-                <a:solidFill>
-                  <a:schemeClr val="bg1"/>
-                </a:solidFill>
-              </a:rPr>
-              <a:t>3 </a:t>
+              <a:t>Part 3 </a:t>
             </a:r>
             <a:endParaRPr lang="ko-KR" altLang="en-US" sz="3600" dirty="0">
               <a:solidFill>
@@ -3921,7 +3898,7 @@
           <p:cNvPr id="13" name="그래픽 12" descr="기어가는">
             <a:extLst>
               <a:ext uri="{FF2B5EF4-FFF2-40B4-BE49-F238E27FC236}">
-                <a16:creationId xmlns:a16="http://schemas.microsoft.com/office/drawing/2014/main" xmlns="" id="{2AB1D530-320B-4AC5-8304-C9C2F90D7046}"/>
+                <a16:creationId xmlns:a16="http://schemas.microsoft.com/office/drawing/2014/main" id="{2AB1D530-320B-4AC5-8304-C9C2F90D7046}"/>
               </a:ext>
             </a:extLst>
           </p:cNvPr>
@@ -3937,7 +3914,7 @@
                 <a14:useLocalDpi xmlns:a14="http://schemas.microsoft.com/office/drawing/2010/main" val="0"/>
               </a:ext>
               <a:ext uri="{96DAC541-7B7A-43D3-8B79-37D633B846F1}">
-                <asvg:svgBlip xmlns:asvg="http://schemas.microsoft.com/office/drawing/2016/SVG/main" xmlns="" r:embed="rId3"/>
+                <asvg:svgBlip xmlns:asvg="http://schemas.microsoft.com/office/drawing/2016/SVG/main" r:embed="rId3"/>
               </a:ext>
             </a:extLst>
           </a:blip>
@@ -3960,7 +3937,7 @@
           <p:cNvPr id="15" name="TextBox 14">
             <a:extLst>
               <a:ext uri="{FF2B5EF4-FFF2-40B4-BE49-F238E27FC236}">
-                <a16:creationId xmlns:a16="http://schemas.microsoft.com/office/drawing/2014/main" xmlns="" id="{2D596F80-1369-418D-B79C-C48A2C2E6E06}"/>
+                <a16:creationId xmlns:a16="http://schemas.microsoft.com/office/drawing/2014/main" id="{2D596F80-1369-418D-B79C-C48A2C2E6E06}"/>
               </a:ext>
             </a:extLst>
           </p:cNvPr>
@@ -3984,7 +3961,7 @@
           <a:lstStyle/>
           <a:p>
             <a:r>
-              <a:rPr lang="en-US" altLang="ko-KR" sz="3600" spc="400" dirty="0" smtClean="0">
+              <a:rPr lang="en-US" altLang="ko-KR" sz="3600" spc="400" dirty="0">
                 <a:solidFill>
                   <a:schemeClr val="bg1"/>
                 </a:solidFill>
@@ -4038,7 +4015,7 @@
           <p:cNvPr id="8" name="직사각형 7">
             <a:extLst>
               <a:ext uri="{FF2B5EF4-FFF2-40B4-BE49-F238E27FC236}">
-                <a16:creationId xmlns:a16="http://schemas.microsoft.com/office/drawing/2014/main" xmlns="" id="{228820A1-F69B-4983-A6A2-0ACF8C8535EE}"/>
+                <a16:creationId xmlns:a16="http://schemas.microsoft.com/office/drawing/2014/main" id="{228820A1-F69B-4983-A6A2-0ACF8C8535EE}"/>
               </a:ext>
             </a:extLst>
           </p:cNvPr>
@@ -4082,7 +4059,7 @@
           <a:p>
             <a:pPr algn="ctr"/>
             <a:r>
-              <a:rPr lang="ko-KR" altLang="en-US" sz="2400" b="1" dirty="0" err="1" smtClean="0">
+              <a:rPr lang="ko-KR" altLang="en-US" sz="2400" b="1" dirty="0" err="1">
                 <a:solidFill>
                   <a:schemeClr val="bg1"/>
                 </a:solidFill>
@@ -4090,14 +4067,14 @@
               <a:t>디비</a:t>
             </a:r>
             <a:r>
-              <a:rPr lang="ko-KR" altLang="en-US" sz="2400" b="1" dirty="0" smtClean="0">
+              <a:rPr lang="ko-KR" altLang="en-US" sz="2400" b="1" dirty="0">
                 <a:solidFill>
                   <a:schemeClr val="bg1"/>
                 </a:solidFill>
               </a:rPr>
               <a:t> 연결하는</a:t>
             </a:r>
-            <a:endParaRPr lang="en-US" altLang="ko-KR" sz="2400" b="1" dirty="0" smtClean="0">
+            <a:endParaRPr lang="en-US" altLang="ko-KR" sz="2400" b="1" dirty="0">
               <a:solidFill>
                 <a:schemeClr val="bg1"/>
               </a:solidFill>
@@ -4106,18 +4083,13 @@
           <a:p>
             <a:pPr algn="ctr"/>
             <a:r>
-              <a:rPr lang="ko-KR" altLang="en-US" sz="2400" b="1" dirty="0" smtClean="0">
+              <a:rPr lang="ko-KR" altLang="en-US" sz="2400" b="1" dirty="0">
                 <a:solidFill>
                   <a:schemeClr val="bg1"/>
                 </a:solidFill>
               </a:rPr>
               <a:t>컨테이너 코드</a:t>
             </a:r>
-            <a:endParaRPr lang="ko-KR" altLang="en-US" sz="2400" b="1" dirty="0">
-              <a:solidFill>
-                <a:schemeClr val="bg1"/>
-              </a:solidFill>
-            </a:endParaRPr>
           </a:p>
         </p:txBody>
       </p:sp>
@@ -4131,13 +4103,13 @@
   <p:clrMapOvr>
     <a:masterClrMapping/>
   </p:clrMapOvr>
-  <mc:AlternateContent xmlns:mc="http://schemas.openxmlformats.org/markup-compatibility/2006">
-    <mc:Choice xmlns:p159="http://schemas.microsoft.com/office/powerpoint/2015/09/main" xmlns="" Requires="p159">
+  <mc:AlternateContent xmlns:mc="http://schemas.openxmlformats.org/markup-compatibility/2006" xmlns:p159="http://schemas.microsoft.com/office/powerpoint/2015/09/main">
+    <mc:Choice Requires="p159">
       <p:transition xmlns:p14="http://schemas.microsoft.com/office/powerpoint/2010/main" spd="slow" p14:dur="2000">
         <p159:morph option="byObject"/>
       </p:transition>
     </mc:Choice>
-    <mc:Fallback>
+    <mc:Fallback xmlns="">
       <p:transition spd="slow">
         <p:fade/>
       </p:transition>
@@ -4289,7 +4261,7 @@
           <p:cNvPr id="5" name="직사각형 4">
             <a:extLst>
               <a:ext uri="{FF2B5EF4-FFF2-40B4-BE49-F238E27FC236}">
-                <a16:creationId xmlns:a16="http://schemas.microsoft.com/office/drawing/2014/main" xmlns="" id="{41D38B16-140D-43D2-97DF-A3A63699995D}"/>
+                <a16:creationId xmlns:a16="http://schemas.microsoft.com/office/drawing/2014/main" id="{41D38B16-140D-43D2-97DF-A3A63699995D}"/>
               </a:ext>
             </a:extLst>
           </p:cNvPr>
@@ -4341,7 +4313,7 @@
           <p:cNvPr id="2" name="직선 연결선 1">
             <a:extLst>
               <a:ext uri="{FF2B5EF4-FFF2-40B4-BE49-F238E27FC236}">
-                <a16:creationId xmlns:a16="http://schemas.microsoft.com/office/drawing/2014/main" xmlns="" id="{4B62E7D8-2355-44BA-A245-B5774C0B2832}"/>
+                <a16:creationId xmlns:a16="http://schemas.microsoft.com/office/drawing/2014/main" id="{4B62E7D8-2355-44BA-A245-B5774C0B2832}"/>
               </a:ext>
             </a:extLst>
           </p:cNvPr>
@@ -4386,7 +4358,7 @@
           <p:cNvPr id="3" name="TextBox 2">
             <a:extLst>
               <a:ext uri="{FF2B5EF4-FFF2-40B4-BE49-F238E27FC236}">
-                <a16:creationId xmlns:a16="http://schemas.microsoft.com/office/drawing/2014/main" xmlns="" id="{2D596F80-1369-418D-B79C-C48A2C2E6E06}"/>
+                <a16:creationId xmlns:a16="http://schemas.microsoft.com/office/drawing/2014/main" id="{2D596F80-1369-418D-B79C-C48A2C2E6E06}"/>
               </a:ext>
             </a:extLst>
           </p:cNvPr>
@@ -4410,7 +4382,7 @@
           <a:lstStyle/>
           <a:p>
             <a:r>
-              <a:rPr lang="en-US" altLang="ko-KR" sz="3600" spc="-300" dirty="0" smtClean="0">
+              <a:rPr lang="en-US" altLang="ko-KR" sz="3600" spc="-300" dirty="0">
                 <a:solidFill>
                   <a:schemeClr val="bg1"/>
                 </a:solidFill>
@@ -4420,7 +4392,7 @@
               <a:t>DB </a:t>
             </a:r>
             <a:r>
-              <a:rPr lang="ko-KR" altLang="en-US" sz="3600" spc="-300" dirty="0" smtClean="0">
+              <a:rPr lang="ko-KR" altLang="en-US" sz="3600" spc="-300" dirty="0">
                 <a:solidFill>
                   <a:schemeClr val="bg1"/>
                 </a:solidFill>
@@ -4429,13 +4401,6 @@
               </a:rPr>
               <a:t>연결</a:t>
             </a:r>
-            <a:endParaRPr lang="ko-KR" altLang="en-US" sz="3600" spc="-300" dirty="0">
-              <a:solidFill>
-                <a:schemeClr val="bg1"/>
-              </a:solidFill>
-              <a:latin typeface="HY헤드라인M" panose="02030600000101010101" pitchFamily="18" charset="-127"/>
-              <a:ea typeface="HY헤드라인M" panose="02030600000101010101" pitchFamily="18" charset="-127"/>
-            </a:endParaRPr>
           </a:p>
         </p:txBody>
       </p:sp>
@@ -4444,7 +4409,7 @@
           <p:cNvPr id="4" name="TextBox 3">
             <a:extLst>
               <a:ext uri="{FF2B5EF4-FFF2-40B4-BE49-F238E27FC236}">
-                <a16:creationId xmlns:a16="http://schemas.microsoft.com/office/drawing/2014/main" xmlns="" id="{583141B7-5F35-43CF-8319-4DAC989EB771}"/>
+                <a16:creationId xmlns:a16="http://schemas.microsoft.com/office/drawing/2014/main" id="{583141B7-5F35-43CF-8319-4DAC989EB771}"/>
               </a:ext>
             </a:extLst>
           </p:cNvPr>
@@ -4473,15 +4438,7 @@
                   <a:schemeClr val="bg1"/>
                 </a:solidFill>
               </a:rPr>
-              <a:t>Part </a:t>
-            </a:r>
-            <a:r>
-              <a:rPr lang="en-US" altLang="ko-KR" sz="3600" dirty="0" smtClean="0">
-                <a:solidFill>
-                  <a:schemeClr val="bg1"/>
-                </a:solidFill>
-              </a:rPr>
-              <a:t>3 </a:t>
+              <a:t>Part 3 </a:t>
             </a:r>
             <a:endParaRPr lang="ko-KR" altLang="en-US" sz="3600" dirty="0">
               <a:solidFill>
@@ -4496,7 +4453,7 @@
           <p:cNvPr id="268" name="직사각형 267">
             <a:extLst>
               <a:ext uri="{FF2B5EF4-FFF2-40B4-BE49-F238E27FC236}">
-                <a16:creationId xmlns:a16="http://schemas.microsoft.com/office/drawing/2014/main" xmlns="" id="{228820A1-F69B-4983-A6A2-0ACF8C8535EE}"/>
+                <a16:creationId xmlns:a16="http://schemas.microsoft.com/office/drawing/2014/main" id="{228820A1-F69B-4983-A6A2-0ACF8C8535EE}"/>
               </a:ext>
             </a:extLst>
           </p:cNvPr>
@@ -4540,7 +4497,7 @@
           <a:p>
             <a:pPr algn="ctr"/>
             <a:r>
-              <a:rPr lang="en-US" altLang="ko-KR" sz="2400" b="1" dirty="0" smtClean="0">
+              <a:rPr lang="en-US" altLang="ko-KR" sz="2400" b="1" dirty="0">
                 <a:solidFill>
                   <a:schemeClr val="bg1"/>
                 </a:solidFill>
@@ -4548,14 +4505,14 @@
               <a:t>DB</a:t>
             </a:r>
             <a:r>
-              <a:rPr lang="ko-KR" altLang="en-US" sz="2400" b="1" dirty="0" smtClean="0">
+              <a:rPr lang="ko-KR" altLang="en-US" sz="2400" b="1" dirty="0">
                 <a:solidFill>
                   <a:schemeClr val="bg1"/>
                 </a:solidFill>
               </a:rPr>
               <a:t>연결 역할을</a:t>
             </a:r>
-            <a:endParaRPr lang="en-US" altLang="ko-KR" sz="2400" b="1" dirty="0" smtClean="0">
+            <a:endParaRPr lang="en-US" altLang="ko-KR" sz="2400" b="1" dirty="0">
               <a:solidFill>
                 <a:schemeClr val="bg1"/>
               </a:solidFill>
@@ -4564,7 +4521,7 @@
           <a:p>
             <a:pPr algn="ctr"/>
             <a:r>
-              <a:rPr lang="ko-KR" altLang="en-US" sz="2400" b="1" dirty="0" smtClean="0">
+              <a:rPr lang="ko-KR" altLang="en-US" sz="2400" b="1" dirty="0">
                 <a:solidFill>
                   <a:schemeClr val="bg1"/>
                 </a:solidFill>
@@ -4572,7 +4529,7 @@
               <a:t>해주는 </a:t>
             </a:r>
             <a:r>
-              <a:rPr lang="en-US" altLang="ko-KR" sz="2400" b="1" dirty="0" smtClean="0">
+              <a:rPr lang="en-US" altLang="ko-KR" sz="2400" b="1" dirty="0">
                 <a:solidFill>
                   <a:schemeClr val="bg1"/>
                 </a:solidFill>
@@ -4580,18 +4537,13 @@
               <a:t>DAO </a:t>
             </a:r>
             <a:r>
-              <a:rPr lang="ko-KR" altLang="en-US" sz="2400" b="1" dirty="0" smtClean="0">
+              <a:rPr lang="ko-KR" altLang="en-US" sz="2400" b="1" dirty="0">
                 <a:solidFill>
                   <a:schemeClr val="bg1"/>
                 </a:solidFill>
               </a:rPr>
               <a:t>코드</a:t>
             </a:r>
-            <a:endParaRPr lang="ko-KR" altLang="en-US" sz="2400" b="1" dirty="0">
-              <a:solidFill>
-                <a:schemeClr val="bg1"/>
-              </a:solidFill>
-            </a:endParaRPr>
           </a:p>
         </p:txBody>
       </p:sp>
@@ -4770,14 +4722,13 @@
           <a:lstStyle/>
           <a:p>
             <a:r>
-              <a:rPr lang="en-US" altLang="ko-KR" dirty="0" smtClean="0"/>
+              <a:rPr lang="en-US" altLang="ko-KR" dirty="0"/>
               <a:t>DB </a:t>
             </a:r>
             <a:r>
-              <a:rPr lang="ko-KR" altLang="en-US" dirty="0" smtClean="0"/>
+              <a:rPr lang="ko-KR" altLang="en-US" dirty="0"/>
               <a:t>연결 코드</a:t>
             </a:r>
-            <a:endParaRPr lang="ko-KR" altLang="en-US" dirty="0"/>
           </a:p>
         </p:txBody>
       </p:sp>
@@ -4791,13 +4742,13 @@
   <p:clrMapOvr>
     <a:masterClrMapping/>
   </p:clrMapOvr>
-  <mc:AlternateContent xmlns:mc="http://schemas.openxmlformats.org/markup-compatibility/2006">
-    <mc:Choice xmlns:p159="http://schemas.microsoft.com/office/powerpoint/2015/09/main" xmlns="" Requires="p159">
+  <mc:AlternateContent xmlns:mc="http://schemas.openxmlformats.org/markup-compatibility/2006" xmlns:p159="http://schemas.microsoft.com/office/powerpoint/2015/09/main">
+    <mc:Choice Requires="p159">
       <p:transition xmlns:p14="http://schemas.microsoft.com/office/powerpoint/2010/main" spd="slow" p14:dur="2000">
         <p159:morph option="byObject"/>
       </p:transition>
     </mc:Choice>
-    <mc:Fallback>
+    <mc:Fallback xmlns="">
       <p:transition spd="slow">
         <p:fade/>
       </p:transition>
@@ -5194,7 +5145,7 @@
           <p:cNvPr id="5" name="직사각형 4">
             <a:extLst>
               <a:ext uri="{FF2B5EF4-FFF2-40B4-BE49-F238E27FC236}">
-                <a16:creationId xmlns:a16="http://schemas.microsoft.com/office/drawing/2014/main" xmlns="" id="{41D38B16-140D-43D2-97DF-A3A63699995D}"/>
+                <a16:creationId xmlns:a16="http://schemas.microsoft.com/office/drawing/2014/main" id="{41D38B16-140D-43D2-97DF-A3A63699995D}"/>
               </a:ext>
             </a:extLst>
           </p:cNvPr>
@@ -5246,7 +5197,7 @@
           <p:cNvPr id="2" name="직선 연결선 1">
             <a:extLst>
               <a:ext uri="{FF2B5EF4-FFF2-40B4-BE49-F238E27FC236}">
-                <a16:creationId xmlns:a16="http://schemas.microsoft.com/office/drawing/2014/main" xmlns="" id="{4B62E7D8-2355-44BA-A245-B5774C0B2832}"/>
+                <a16:creationId xmlns:a16="http://schemas.microsoft.com/office/drawing/2014/main" id="{4B62E7D8-2355-44BA-A245-B5774C0B2832}"/>
               </a:ext>
             </a:extLst>
           </p:cNvPr>
@@ -5291,7 +5242,7 @@
           <p:cNvPr id="4" name="TextBox 3">
             <a:extLst>
               <a:ext uri="{FF2B5EF4-FFF2-40B4-BE49-F238E27FC236}">
-                <a16:creationId xmlns:a16="http://schemas.microsoft.com/office/drawing/2014/main" xmlns="" id="{583141B7-5F35-43CF-8319-4DAC989EB771}"/>
+                <a16:creationId xmlns:a16="http://schemas.microsoft.com/office/drawing/2014/main" id="{583141B7-5F35-43CF-8319-4DAC989EB771}"/>
               </a:ext>
             </a:extLst>
           </p:cNvPr>
@@ -5320,15 +5271,7 @@
                   <a:schemeClr val="bg1"/>
                 </a:solidFill>
               </a:rPr>
-              <a:t>Part </a:t>
-            </a:r>
-            <a:r>
-              <a:rPr lang="en-US" altLang="ko-KR" sz="3600" dirty="0" smtClean="0">
-                <a:solidFill>
-                  <a:schemeClr val="bg1"/>
-                </a:solidFill>
-              </a:rPr>
-              <a:t>3 </a:t>
+              <a:t>Part 3 </a:t>
             </a:r>
             <a:endParaRPr lang="ko-KR" altLang="en-US" sz="3600" dirty="0">
               <a:solidFill>
@@ -5343,7 +5286,7 @@
           <p:cNvPr id="13" name="그래픽 12" descr="기어가는">
             <a:extLst>
               <a:ext uri="{FF2B5EF4-FFF2-40B4-BE49-F238E27FC236}">
-                <a16:creationId xmlns:a16="http://schemas.microsoft.com/office/drawing/2014/main" xmlns="" id="{2AB1D530-320B-4AC5-8304-C9C2F90D7046}"/>
+                <a16:creationId xmlns:a16="http://schemas.microsoft.com/office/drawing/2014/main" id="{2AB1D530-320B-4AC5-8304-C9C2F90D7046}"/>
               </a:ext>
             </a:extLst>
           </p:cNvPr>
@@ -5359,7 +5302,7 @@
                 <a14:useLocalDpi xmlns:a14="http://schemas.microsoft.com/office/drawing/2010/main" val="0"/>
               </a:ext>
               <a:ext uri="{96DAC541-7B7A-43D3-8B79-37D633B846F1}">
-                <asvg:svgBlip xmlns:asvg="http://schemas.microsoft.com/office/drawing/2016/SVG/main" xmlns="" r:embed="rId3"/>
+                <asvg:svgBlip xmlns:asvg="http://schemas.microsoft.com/office/drawing/2016/SVG/main" r:embed="rId3"/>
               </a:ext>
             </a:extLst>
           </a:blip>
@@ -5382,7 +5325,7 @@
           <p:cNvPr id="15" name="TextBox 14">
             <a:extLst>
               <a:ext uri="{FF2B5EF4-FFF2-40B4-BE49-F238E27FC236}">
-                <a16:creationId xmlns:a16="http://schemas.microsoft.com/office/drawing/2014/main" xmlns="" id="{2D596F80-1369-418D-B79C-C48A2C2E6E06}"/>
+                <a16:creationId xmlns:a16="http://schemas.microsoft.com/office/drawing/2014/main" id="{2D596F80-1369-418D-B79C-C48A2C2E6E06}"/>
               </a:ext>
             </a:extLst>
           </p:cNvPr>
@@ -5406,7 +5349,7 @@
           <a:lstStyle/>
           <a:p>
             <a:r>
-              <a:rPr lang="en-US" altLang="ko-KR" sz="3600" spc="400" dirty="0" smtClean="0">
+              <a:rPr lang="en-US" altLang="ko-KR" sz="3600" spc="400" dirty="0">
                 <a:solidFill>
                   <a:schemeClr val="bg1"/>
                 </a:solidFill>
@@ -5570,10 +5513,9 @@
           <a:lstStyle/>
           <a:p>
             <a:r>
-              <a:rPr lang="ko-KR" altLang="en-US" dirty="0" smtClean="0"/>
+              <a:rPr lang="ko-KR" altLang="en-US" dirty="0"/>
               <a:t>객체 초기화</a:t>
             </a:r>
-            <a:endParaRPr lang="ko-KR" altLang="en-US" dirty="0"/>
           </a:p>
         </p:txBody>
       </p:sp>
@@ -5587,13 +5529,13 @@
   <p:clrMapOvr>
     <a:masterClrMapping/>
   </p:clrMapOvr>
-  <mc:AlternateContent xmlns:mc="http://schemas.openxmlformats.org/markup-compatibility/2006">
-    <mc:Choice xmlns:p159="http://schemas.microsoft.com/office/powerpoint/2015/09/main" xmlns="" Requires="p159">
+  <mc:AlternateContent xmlns:mc="http://schemas.openxmlformats.org/markup-compatibility/2006" xmlns:p159="http://schemas.microsoft.com/office/powerpoint/2015/09/main">
+    <mc:Choice Requires="p159">
       <p:transition xmlns:p14="http://schemas.microsoft.com/office/powerpoint/2010/main" spd="slow" p14:dur="2000">
         <p159:morph option="byObject"/>
       </p:transition>
     </mc:Choice>
-    <mc:Fallback>
+    <mc:Fallback xmlns="">
       <p:transition spd="slow">
         <p:fade/>
       </p:transition>
@@ -5945,7 +5887,7 @@
           <p:cNvPr id="5" name="직사각형 4">
             <a:extLst>
               <a:ext uri="{FF2B5EF4-FFF2-40B4-BE49-F238E27FC236}">
-                <a16:creationId xmlns:a16="http://schemas.microsoft.com/office/drawing/2014/main" xmlns="" id="{41D38B16-140D-43D2-97DF-A3A63699995D}"/>
+                <a16:creationId xmlns:a16="http://schemas.microsoft.com/office/drawing/2014/main" id="{41D38B16-140D-43D2-97DF-A3A63699995D}"/>
               </a:ext>
             </a:extLst>
           </p:cNvPr>
@@ -5997,7 +5939,7 @@
           <p:cNvPr id="2" name="직선 연결선 1">
             <a:extLst>
               <a:ext uri="{FF2B5EF4-FFF2-40B4-BE49-F238E27FC236}">
-                <a16:creationId xmlns:a16="http://schemas.microsoft.com/office/drawing/2014/main" xmlns="" id="{4B62E7D8-2355-44BA-A245-B5774C0B2832}"/>
+                <a16:creationId xmlns:a16="http://schemas.microsoft.com/office/drawing/2014/main" id="{4B62E7D8-2355-44BA-A245-B5774C0B2832}"/>
               </a:ext>
             </a:extLst>
           </p:cNvPr>
@@ -6042,7 +5984,7 @@
           <p:cNvPr id="4" name="TextBox 3">
             <a:extLst>
               <a:ext uri="{FF2B5EF4-FFF2-40B4-BE49-F238E27FC236}">
-                <a16:creationId xmlns:a16="http://schemas.microsoft.com/office/drawing/2014/main" xmlns="" id="{583141B7-5F35-43CF-8319-4DAC989EB771}"/>
+                <a16:creationId xmlns:a16="http://schemas.microsoft.com/office/drawing/2014/main" id="{583141B7-5F35-43CF-8319-4DAC989EB771}"/>
               </a:ext>
             </a:extLst>
           </p:cNvPr>
@@ -6071,15 +6013,7 @@
                   <a:schemeClr val="bg1"/>
                 </a:solidFill>
               </a:rPr>
-              <a:t>Part </a:t>
-            </a:r>
-            <a:r>
-              <a:rPr lang="en-US" altLang="ko-KR" sz="3600" dirty="0" smtClean="0">
-                <a:solidFill>
-                  <a:schemeClr val="bg1"/>
-                </a:solidFill>
-              </a:rPr>
-              <a:t>3 </a:t>
+              <a:t>Part 3 </a:t>
             </a:r>
             <a:endParaRPr lang="ko-KR" altLang="en-US" sz="3600" dirty="0">
               <a:solidFill>
@@ -6094,7 +6028,7 @@
           <p:cNvPr id="13" name="그래픽 12" descr="기어가는">
             <a:extLst>
               <a:ext uri="{FF2B5EF4-FFF2-40B4-BE49-F238E27FC236}">
-                <a16:creationId xmlns:a16="http://schemas.microsoft.com/office/drawing/2014/main" xmlns="" id="{2AB1D530-320B-4AC5-8304-C9C2F90D7046}"/>
+                <a16:creationId xmlns:a16="http://schemas.microsoft.com/office/drawing/2014/main" id="{2AB1D530-320B-4AC5-8304-C9C2F90D7046}"/>
               </a:ext>
             </a:extLst>
           </p:cNvPr>
@@ -6110,7 +6044,7 @@
                 <a14:useLocalDpi xmlns:a14="http://schemas.microsoft.com/office/drawing/2010/main" val="0"/>
               </a:ext>
               <a:ext uri="{96DAC541-7B7A-43D3-8B79-37D633B846F1}">
-                <asvg:svgBlip xmlns:asvg="http://schemas.microsoft.com/office/drawing/2016/SVG/main" xmlns="" r:embed="rId3"/>
+                <asvg:svgBlip xmlns:asvg="http://schemas.microsoft.com/office/drawing/2016/SVG/main" r:embed="rId3"/>
               </a:ext>
             </a:extLst>
           </a:blip>
@@ -6133,7 +6067,7 @@
           <p:cNvPr id="15" name="TextBox 14">
             <a:extLst>
               <a:ext uri="{FF2B5EF4-FFF2-40B4-BE49-F238E27FC236}">
-                <a16:creationId xmlns:a16="http://schemas.microsoft.com/office/drawing/2014/main" xmlns="" id="{2D596F80-1369-418D-B79C-C48A2C2E6E06}"/>
+                <a16:creationId xmlns:a16="http://schemas.microsoft.com/office/drawing/2014/main" id="{2D596F80-1369-418D-B79C-C48A2C2E6E06}"/>
               </a:ext>
             </a:extLst>
           </p:cNvPr>
@@ -6157,7 +6091,7 @@
           <a:lstStyle/>
           <a:p>
             <a:r>
-              <a:rPr lang="en-US" altLang="ko-KR" sz="3600" spc="400" dirty="0" smtClean="0">
+              <a:rPr lang="en-US" altLang="ko-KR" sz="3600" spc="400" dirty="0">
                 <a:solidFill>
                   <a:schemeClr val="bg1"/>
                 </a:solidFill>
@@ -6167,7 +6101,7 @@
               <a:t>Movie </a:t>
             </a:r>
             <a:r>
-              <a:rPr lang="ko-KR" altLang="en-US" sz="3600" spc="400" dirty="0" smtClean="0">
+              <a:rPr lang="ko-KR" altLang="en-US" sz="3600" spc="400" dirty="0">
                 <a:solidFill>
                   <a:schemeClr val="bg1"/>
                 </a:solidFill>
@@ -6177,7 +6111,7 @@
               <a:t>레이블</a:t>
             </a:r>
             <a:r>
-              <a:rPr lang="en-US" altLang="ko-KR" sz="3600" spc="400" dirty="0" smtClean="0">
+              <a:rPr lang="en-US" altLang="ko-KR" sz="3600" spc="400" dirty="0">
                 <a:solidFill>
                   <a:schemeClr val="bg1"/>
                 </a:solidFill>
@@ -6187,32 +6121,15 @@
               <a:t>, </a:t>
             </a:r>
             <a:r>
-              <a:rPr lang="ko-KR" altLang="en-US" sz="3600" spc="400" dirty="0" smtClean="0">
+              <a:rPr lang="ko-KR" altLang="en-US" sz="3600" spc="400" dirty="0">
                 <a:solidFill>
                   <a:schemeClr val="bg1"/>
                 </a:solidFill>
                 <a:latin typeface="HY헤드라인M" panose="02030600000101010101" pitchFamily="18" charset="-127"/>
                 <a:ea typeface="HY헤드라인M" panose="02030600000101010101" pitchFamily="18" charset="-127"/>
               </a:rPr>
-              <a:t>버튼</a:t>
-            </a:r>
-            <a:r>
-              <a:rPr lang="ko-KR" altLang="en-US" sz="3600" spc="400" dirty="0" smtClean="0">
-                <a:solidFill>
-                  <a:schemeClr val="bg1"/>
-                </a:solidFill>
-                <a:latin typeface="HY헤드라인M" panose="02030600000101010101" pitchFamily="18" charset="-127"/>
-                <a:ea typeface="HY헤드라인M" panose="02030600000101010101" pitchFamily="18" charset="-127"/>
-              </a:rPr>
-              <a:t> 추가</a:t>
-            </a:r>
-            <a:endParaRPr lang="ko-KR" altLang="en-US" sz="3600" spc="400" dirty="0">
-              <a:solidFill>
-                <a:schemeClr val="bg1"/>
-              </a:solidFill>
-              <a:latin typeface="HY헤드라인M" panose="02030600000101010101" pitchFamily="18" charset="-127"/>
-              <a:ea typeface="HY헤드라인M" panose="02030600000101010101" pitchFamily="18" charset="-127"/>
-            </a:endParaRPr>
+              <a:t>버튼 추가</a:t>
+            </a:r>
           </a:p>
         </p:txBody>
       </p:sp>
@@ -6545,10 +6462,9 @@
           <a:lstStyle/>
           <a:p>
             <a:r>
-              <a:rPr lang="ko-KR" altLang="en-US" dirty="0" smtClean="0"/>
+              <a:rPr lang="ko-KR" altLang="en-US" dirty="0"/>
               <a:t>버튼 생성</a:t>
             </a:r>
-            <a:endParaRPr lang="ko-KR" altLang="en-US" dirty="0"/>
           </a:p>
         </p:txBody>
       </p:sp>
@@ -6575,10 +6491,9 @@
           <a:lstStyle/>
           <a:p>
             <a:r>
-              <a:rPr lang="ko-KR" altLang="en-US" dirty="0" smtClean="0"/>
+              <a:rPr lang="ko-KR" altLang="en-US" dirty="0"/>
               <a:t>레이블 추가</a:t>
             </a:r>
-            <a:endParaRPr lang="ko-KR" altLang="en-US" dirty="0"/>
           </a:p>
         </p:txBody>
       </p:sp>
@@ -6605,10 +6520,9 @@
           <a:lstStyle/>
           <a:p>
             <a:r>
-              <a:rPr lang="ko-KR" altLang="en-US" dirty="0" smtClean="0"/>
+              <a:rPr lang="ko-KR" altLang="en-US" dirty="0"/>
               <a:t>버튼 추가</a:t>
             </a:r>
-            <a:endParaRPr lang="ko-KR" altLang="en-US" dirty="0"/>
           </a:p>
         </p:txBody>
       </p:sp>
@@ -6622,13 +6536,13 @@
   <p:clrMapOvr>
     <a:masterClrMapping/>
   </p:clrMapOvr>
-  <mc:AlternateContent xmlns:mc="http://schemas.openxmlformats.org/markup-compatibility/2006">
-    <mc:Choice xmlns:p159="http://schemas.microsoft.com/office/powerpoint/2015/09/main" xmlns="" Requires="p159">
+  <mc:AlternateContent xmlns:mc="http://schemas.openxmlformats.org/markup-compatibility/2006" xmlns:p159="http://schemas.microsoft.com/office/powerpoint/2015/09/main">
+    <mc:Choice Requires="p159">
       <p:transition xmlns:p14="http://schemas.microsoft.com/office/powerpoint/2010/main" spd="slow" p14:dur="2000">
         <p159:morph option="byObject"/>
       </p:transition>
     </mc:Choice>
-    <mc:Fallback>
+    <mc:Fallback xmlns="">
       <p:transition spd="slow">
         <p:fade/>
       </p:transition>
@@ -7452,7 +7366,7 @@
           <p:cNvPr id="5" name="직사각형 4">
             <a:extLst>
               <a:ext uri="{FF2B5EF4-FFF2-40B4-BE49-F238E27FC236}">
-                <a16:creationId xmlns:a16="http://schemas.microsoft.com/office/drawing/2014/main" xmlns="" id="{41D38B16-140D-43D2-97DF-A3A63699995D}"/>
+                <a16:creationId xmlns:a16="http://schemas.microsoft.com/office/drawing/2014/main" id="{41D38B16-140D-43D2-97DF-A3A63699995D}"/>
               </a:ext>
             </a:extLst>
           </p:cNvPr>
@@ -7504,7 +7418,7 @@
           <p:cNvPr id="2" name="직선 연결선 1">
             <a:extLst>
               <a:ext uri="{FF2B5EF4-FFF2-40B4-BE49-F238E27FC236}">
-                <a16:creationId xmlns:a16="http://schemas.microsoft.com/office/drawing/2014/main" xmlns="" id="{4B62E7D8-2355-44BA-A245-B5774C0B2832}"/>
+                <a16:creationId xmlns:a16="http://schemas.microsoft.com/office/drawing/2014/main" id="{4B62E7D8-2355-44BA-A245-B5774C0B2832}"/>
               </a:ext>
             </a:extLst>
           </p:cNvPr>
@@ -7549,7 +7463,7 @@
           <p:cNvPr id="4" name="TextBox 3">
             <a:extLst>
               <a:ext uri="{FF2B5EF4-FFF2-40B4-BE49-F238E27FC236}">
-                <a16:creationId xmlns:a16="http://schemas.microsoft.com/office/drawing/2014/main" xmlns="" id="{583141B7-5F35-43CF-8319-4DAC989EB771}"/>
+                <a16:creationId xmlns:a16="http://schemas.microsoft.com/office/drawing/2014/main" id="{583141B7-5F35-43CF-8319-4DAC989EB771}"/>
               </a:ext>
             </a:extLst>
           </p:cNvPr>
@@ -7578,15 +7492,7 @@
                   <a:schemeClr val="bg1"/>
                 </a:solidFill>
               </a:rPr>
-              <a:t>Part </a:t>
-            </a:r>
-            <a:r>
-              <a:rPr lang="en-US" altLang="ko-KR" sz="3600" dirty="0" smtClean="0">
-                <a:solidFill>
-                  <a:schemeClr val="bg1"/>
-                </a:solidFill>
-              </a:rPr>
-              <a:t>3 </a:t>
+              <a:t>Part 3 </a:t>
             </a:r>
             <a:endParaRPr lang="ko-KR" altLang="en-US" sz="3600" dirty="0">
               <a:solidFill>
@@ -7601,7 +7507,7 @@
           <p:cNvPr id="13" name="그래픽 12" descr="기어가는">
             <a:extLst>
               <a:ext uri="{FF2B5EF4-FFF2-40B4-BE49-F238E27FC236}">
-                <a16:creationId xmlns:a16="http://schemas.microsoft.com/office/drawing/2014/main" xmlns="" id="{2AB1D530-320B-4AC5-8304-C9C2F90D7046}"/>
+                <a16:creationId xmlns:a16="http://schemas.microsoft.com/office/drawing/2014/main" id="{2AB1D530-320B-4AC5-8304-C9C2F90D7046}"/>
               </a:ext>
             </a:extLst>
           </p:cNvPr>
@@ -7617,7 +7523,7 @@
                 <a14:useLocalDpi xmlns:a14="http://schemas.microsoft.com/office/drawing/2010/main" val="0"/>
               </a:ext>
               <a:ext uri="{96DAC541-7B7A-43D3-8B79-37D633B846F1}">
-                <asvg:svgBlip xmlns:asvg="http://schemas.microsoft.com/office/drawing/2016/SVG/main" xmlns="" r:embed="rId3"/>
+                <asvg:svgBlip xmlns:asvg="http://schemas.microsoft.com/office/drawing/2016/SVG/main" r:embed="rId3"/>
               </a:ext>
             </a:extLst>
           </a:blip>
@@ -7640,7 +7546,7 @@
           <p:cNvPr id="15" name="TextBox 14">
             <a:extLst>
               <a:ext uri="{FF2B5EF4-FFF2-40B4-BE49-F238E27FC236}">
-                <a16:creationId xmlns:a16="http://schemas.microsoft.com/office/drawing/2014/main" xmlns="" id="{2D596F80-1369-418D-B79C-C48A2C2E6E06}"/>
+                <a16:creationId xmlns:a16="http://schemas.microsoft.com/office/drawing/2014/main" id="{2D596F80-1369-418D-B79C-C48A2C2E6E06}"/>
               </a:ext>
             </a:extLst>
           </p:cNvPr>
@@ -7664,7 +7570,7 @@
           <a:lstStyle/>
           <a:p>
             <a:r>
-              <a:rPr lang="en-US" altLang="ko-KR" sz="3600" spc="400" smtClean="0">
+              <a:rPr lang="en-US" altLang="ko-KR" sz="3600" spc="400">
                 <a:solidFill>
                   <a:schemeClr val="bg1"/>
                 </a:solidFill>
@@ -7674,7 +7580,7 @@
               <a:t>Movie </a:t>
             </a:r>
             <a:r>
-              <a:rPr lang="ko-KR" altLang="en-US" sz="3600" spc="400" dirty="0" smtClean="0">
+              <a:rPr lang="ko-KR" altLang="en-US" sz="3600" spc="400" dirty="0">
                 <a:solidFill>
                   <a:schemeClr val="bg1"/>
                 </a:solidFill>
@@ -7683,13 +7589,6 @@
               </a:rPr>
               <a:t>검색기능</a:t>
             </a:r>
-            <a:endParaRPr lang="ko-KR" altLang="en-US" sz="3600" spc="400" dirty="0">
-              <a:solidFill>
-                <a:schemeClr val="bg1"/>
-              </a:solidFill>
-              <a:latin typeface="HY헤드라인M" panose="02030600000101010101" pitchFamily="18" charset="-127"/>
-              <a:ea typeface="HY헤드라인M" panose="02030600000101010101" pitchFamily="18" charset="-127"/>
-            </a:endParaRPr>
           </a:p>
         </p:txBody>
       </p:sp>
@@ -7838,14 +7737,13 @@
           <a:lstStyle/>
           <a:p>
             <a:r>
-              <a:rPr lang="en-US" altLang="ko-KR" dirty="0" smtClean="0"/>
+              <a:rPr lang="en-US" altLang="ko-KR" dirty="0"/>
               <a:t>DB</a:t>
             </a:r>
             <a:r>
-              <a:rPr lang="ko-KR" altLang="en-US" dirty="0" smtClean="0"/>
+              <a:rPr lang="ko-KR" altLang="en-US" dirty="0"/>
               <a:t>에 있는 값을 받아옴</a:t>
             </a:r>
-            <a:endParaRPr lang="ko-KR" altLang="en-US" dirty="0"/>
           </a:p>
         </p:txBody>
       </p:sp>
@@ -7859,13 +7757,13 @@
   <p:clrMapOvr>
     <a:masterClrMapping/>
   </p:clrMapOvr>
-  <mc:AlternateContent xmlns:mc="http://schemas.openxmlformats.org/markup-compatibility/2006">
-    <mc:Choice xmlns:p159="http://schemas.microsoft.com/office/powerpoint/2015/09/main" xmlns="" Requires="p159">
+  <mc:AlternateContent xmlns:mc="http://schemas.openxmlformats.org/markup-compatibility/2006" xmlns:p159="http://schemas.microsoft.com/office/powerpoint/2015/09/main">
+    <mc:Choice Requires="p159">
       <p:transition xmlns:p14="http://schemas.microsoft.com/office/powerpoint/2010/main" spd="slow" p14:dur="2000">
         <p159:morph option="byObject"/>
       </p:transition>
     </mc:Choice>
-    <mc:Fallback>
+    <mc:Fallback xmlns="">
       <p:transition spd="slow">
         <p:fade/>
       </p:transition>
@@ -8217,7 +8115,7 @@
           <p:cNvPr id="5" name="직사각형 4">
             <a:extLst>
               <a:ext uri="{FF2B5EF4-FFF2-40B4-BE49-F238E27FC236}">
-                <a16:creationId xmlns:a16="http://schemas.microsoft.com/office/drawing/2014/main" xmlns="" id="{41D38B16-140D-43D2-97DF-A3A63699995D}"/>
+                <a16:creationId xmlns:a16="http://schemas.microsoft.com/office/drawing/2014/main" id="{41D38B16-140D-43D2-97DF-A3A63699995D}"/>
               </a:ext>
             </a:extLst>
           </p:cNvPr>
@@ -8269,7 +8167,7 @@
           <p:cNvPr id="2" name="직선 연결선 1">
             <a:extLst>
               <a:ext uri="{FF2B5EF4-FFF2-40B4-BE49-F238E27FC236}">
-                <a16:creationId xmlns:a16="http://schemas.microsoft.com/office/drawing/2014/main" xmlns="" id="{4B62E7D8-2355-44BA-A245-B5774C0B2832}"/>
+                <a16:creationId xmlns:a16="http://schemas.microsoft.com/office/drawing/2014/main" id="{4B62E7D8-2355-44BA-A245-B5774C0B2832}"/>
               </a:ext>
             </a:extLst>
           </p:cNvPr>
@@ -8314,7 +8212,7 @@
           <p:cNvPr id="4" name="TextBox 3">
             <a:extLst>
               <a:ext uri="{FF2B5EF4-FFF2-40B4-BE49-F238E27FC236}">
-                <a16:creationId xmlns:a16="http://schemas.microsoft.com/office/drawing/2014/main" xmlns="" id="{583141B7-5F35-43CF-8319-4DAC989EB771}"/>
+                <a16:creationId xmlns:a16="http://schemas.microsoft.com/office/drawing/2014/main" id="{583141B7-5F35-43CF-8319-4DAC989EB771}"/>
               </a:ext>
             </a:extLst>
           </p:cNvPr>
@@ -8343,15 +8241,7 @@
                   <a:schemeClr val="bg1"/>
                 </a:solidFill>
               </a:rPr>
-              <a:t>Part </a:t>
-            </a:r>
-            <a:r>
-              <a:rPr lang="en-US" altLang="ko-KR" sz="3600" dirty="0" smtClean="0">
-                <a:solidFill>
-                  <a:schemeClr val="bg1"/>
-                </a:solidFill>
-              </a:rPr>
-              <a:t>3 </a:t>
+              <a:t>Part 3 </a:t>
             </a:r>
             <a:endParaRPr lang="ko-KR" altLang="en-US" sz="3600" dirty="0">
               <a:solidFill>
@@ -8366,7 +8256,7 @@
           <p:cNvPr id="13" name="그래픽 12" descr="기어가는">
             <a:extLst>
               <a:ext uri="{FF2B5EF4-FFF2-40B4-BE49-F238E27FC236}">
-                <a16:creationId xmlns:a16="http://schemas.microsoft.com/office/drawing/2014/main" xmlns="" id="{2AB1D530-320B-4AC5-8304-C9C2F90D7046}"/>
+                <a16:creationId xmlns:a16="http://schemas.microsoft.com/office/drawing/2014/main" id="{2AB1D530-320B-4AC5-8304-C9C2F90D7046}"/>
               </a:ext>
             </a:extLst>
           </p:cNvPr>
@@ -8382,7 +8272,7 @@
                 <a14:useLocalDpi xmlns:a14="http://schemas.microsoft.com/office/drawing/2010/main" val="0"/>
               </a:ext>
               <a:ext uri="{96DAC541-7B7A-43D3-8B79-37D633B846F1}">
-                <asvg:svgBlip xmlns:asvg="http://schemas.microsoft.com/office/drawing/2016/SVG/main" xmlns="" r:embed="rId3"/>
+                <asvg:svgBlip xmlns:asvg="http://schemas.microsoft.com/office/drawing/2016/SVG/main" r:embed="rId3"/>
               </a:ext>
             </a:extLst>
           </a:blip>
@@ -8405,7 +8295,7 @@
           <p:cNvPr id="15" name="TextBox 14">
             <a:extLst>
               <a:ext uri="{FF2B5EF4-FFF2-40B4-BE49-F238E27FC236}">
-                <a16:creationId xmlns:a16="http://schemas.microsoft.com/office/drawing/2014/main" xmlns="" id="{2D596F80-1369-418D-B79C-C48A2C2E6E06}"/>
+                <a16:creationId xmlns:a16="http://schemas.microsoft.com/office/drawing/2014/main" id="{2D596F80-1369-418D-B79C-C48A2C2E6E06}"/>
               </a:ext>
             </a:extLst>
           </p:cNvPr>
@@ -8429,7 +8319,7 @@
           <a:lstStyle/>
           <a:p>
             <a:r>
-              <a:rPr lang="en-US" altLang="ko-KR" sz="3600" spc="400" smtClean="0">
+              <a:rPr lang="en-US" altLang="ko-KR" sz="3600" spc="400">
                 <a:solidFill>
                   <a:schemeClr val="bg1"/>
                 </a:solidFill>
@@ -8439,7 +8329,7 @@
               <a:t>Movie </a:t>
             </a:r>
             <a:r>
-              <a:rPr lang="ko-KR" altLang="en-US" sz="3600" spc="400" dirty="0" smtClean="0">
+              <a:rPr lang="ko-KR" altLang="en-US" sz="3600" spc="400" dirty="0">
                 <a:solidFill>
                   <a:schemeClr val="bg1"/>
                 </a:solidFill>
@@ -8448,13 +8338,6 @@
               </a:rPr>
               <a:t>추가기능</a:t>
             </a:r>
-            <a:endParaRPr lang="ko-KR" altLang="en-US" sz="3600" spc="400" dirty="0">
-              <a:solidFill>
-                <a:schemeClr val="bg1"/>
-              </a:solidFill>
-              <a:latin typeface="HY헤드라인M" panose="02030600000101010101" pitchFamily="18" charset="-127"/>
-              <a:ea typeface="HY헤드라인M" panose="02030600000101010101" pitchFamily="18" charset="-127"/>
-            </a:endParaRPr>
           </a:p>
         </p:txBody>
       </p:sp>
@@ -8695,14 +8578,13 @@
           <a:lstStyle/>
           <a:p>
             <a:r>
-              <a:rPr lang="en-US" altLang="ko-KR" dirty="0" smtClean="0"/>
+              <a:rPr lang="en-US" altLang="ko-KR" dirty="0"/>
               <a:t>DTO</a:t>
             </a:r>
             <a:r>
-              <a:rPr lang="ko-KR" altLang="en-US" dirty="0" smtClean="0"/>
+              <a:rPr lang="ko-KR" altLang="en-US" dirty="0"/>
               <a:t>를 통해 값 저장</a:t>
             </a:r>
-            <a:endParaRPr lang="ko-KR" altLang="en-US" dirty="0"/>
           </a:p>
         </p:txBody>
       </p:sp>
@@ -8729,22 +8611,21 @@
           <a:lstStyle/>
           <a:p>
             <a:r>
-              <a:rPr lang="en-US" altLang="ko-KR" dirty="0" smtClean="0"/>
+              <a:rPr lang="en-US" altLang="ko-KR" dirty="0"/>
               <a:t>DAO</a:t>
             </a:r>
             <a:r>
-              <a:rPr lang="ko-KR" altLang="en-US" dirty="0" smtClean="0"/>
+              <a:rPr lang="ko-KR" altLang="en-US" dirty="0"/>
               <a:t>를 이용해 </a:t>
             </a:r>
             <a:r>
-              <a:rPr lang="en-US" altLang="ko-KR" dirty="0" smtClean="0"/>
+              <a:rPr lang="en-US" altLang="ko-KR" dirty="0"/>
               <a:t>DB</a:t>
             </a:r>
             <a:r>
-              <a:rPr lang="ko-KR" altLang="en-US" dirty="0" smtClean="0"/>
+              <a:rPr lang="ko-KR" altLang="en-US" dirty="0"/>
               <a:t>에 값 추가</a:t>
             </a:r>
-            <a:endParaRPr lang="ko-KR" altLang="en-US" dirty="0"/>
           </a:p>
         </p:txBody>
       </p:sp>
@@ -8758,13 +8639,13 @@
   <p:clrMapOvr>
     <a:masterClrMapping/>
   </p:clrMapOvr>
-  <mc:AlternateContent xmlns:mc="http://schemas.openxmlformats.org/markup-compatibility/2006">
-    <mc:Choice xmlns:p159="http://schemas.microsoft.com/office/powerpoint/2015/09/main" xmlns="" Requires="p159">
+  <mc:AlternateContent xmlns:mc="http://schemas.openxmlformats.org/markup-compatibility/2006" xmlns:p159="http://schemas.microsoft.com/office/powerpoint/2015/09/main">
+    <mc:Choice Requires="p159">
       <p:transition xmlns:p14="http://schemas.microsoft.com/office/powerpoint/2010/main" spd="slow" p14:dur="2000">
         <p159:morph option="byObject"/>
       </p:transition>
     </mc:Choice>
-    <mc:Fallback>
+    <mc:Fallback xmlns="">
       <p:transition spd="slow">
         <p:fade/>
       </p:transition>
@@ -9352,7 +9233,7 @@
           <p:cNvPr id="5" name="직사각형 4">
             <a:extLst>
               <a:ext uri="{FF2B5EF4-FFF2-40B4-BE49-F238E27FC236}">
-                <a16:creationId xmlns:a16="http://schemas.microsoft.com/office/drawing/2014/main" xmlns="" id="{41D38B16-140D-43D2-97DF-A3A63699995D}"/>
+                <a16:creationId xmlns:a16="http://schemas.microsoft.com/office/drawing/2014/main" id="{41D38B16-140D-43D2-97DF-A3A63699995D}"/>
               </a:ext>
             </a:extLst>
           </p:cNvPr>
@@ -9404,7 +9285,7 @@
           <p:cNvPr id="2" name="직선 연결선 1">
             <a:extLst>
               <a:ext uri="{FF2B5EF4-FFF2-40B4-BE49-F238E27FC236}">
-                <a16:creationId xmlns:a16="http://schemas.microsoft.com/office/drawing/2014/main" xmlns="" id="{4B62E7D8-2355-44BA-A245-B5774C0B2832}"/>
+                <a16:creationId xmlns:a16="http://schemas.microsoft.com/office/drawing/2014/main" id="{4B62E7D8-2355-44BA-A245-B5774C0B2832}"/>
               </a:ext>
             </a:extLst>
           </p:cNvPr>
@@ -9449,7 +9330,7 @@
           <p:cNvPr id="4" name="TextBox 3">
             <a:extLst>
               <a:ext uri="{FF2B5EF4-FFF2-40B4-BE49-F238E27FC236}">
-                <a16:creationId xmlns:a16="http://schemas.microsoft.com/office/drawing/2014/main" xmlns="" id="{583141B7-5F35-43CF-8319-4DAC989EB771}"/>
+                <a16:creationId xmlns:a16="http://schemas.microsoft.com/office/drawing/2014/main" id="{583141B7-5F35-43CF-8319-4DAC989EB771}"/>
               </a:ext>
             </a:extLst>
           </p:cNvPr>
@@ -9478,15 +9359,7 @@
                   <a:schemeClr val="bg1"/>
                 </a:solidFill>
               </a:rPr>
-              <a:t>Part </a:t>
-            </a:r>
-            <a:r>
-              <a:rPr lang="en-US" altLang="ko-KR" sz="3600" dirty="0" smtClean="0">
-                <a:solidFill>
-                  <a:schemeClr val="bg1"/>
-                </a:solidFill>
-              </a:rPr>
-              <a:t>3 </a:t>
+              <a:t>Part 3 </a:t>
             </a:r>
             <a:endParaRPr lang="ko-KR" altLang="en-US" sz="3600" dirty="0">
               <a:solidFill>
@@ -9501,7 +9374,7 @@
           <p:cNvPr id="13" name="그래픽 12" descr="기어가는">
             <a:extLst>
               <a:ext uri="{FF2B5EF4-FFF2-40B4-BE49-F238E27FC236}">
-                <a16:creationId xmlns:a16="http://schemas.microsoft.com/office/drawing/2014/main" xmlns="" id="{2AB1D530-320B-4AC5-8304-C9C2F90D7046}"/>
+                <a16:creationId xmlns:a16="http://schemas.microsoft.com/office/drawing/2014/main" id="{2AB1D530-320B-4AC5-8304-C9C2F90D7046}"/>
               </a:ext>
             </a:extLst>
           </p:cNvPr>
@@ -9517,7 +9390,7 @@
                 <a14:useLocalDpi xmlns:a14="http://schemas.microsoft.com/office/drawing/2010/main" val="0"/>
               </a:ext>
               <a:ext uri="{96DAC541-7B7A-43D3-8B79-37D633B846F1}">
-                <asvg:svgBlip xmlns:asvg="http://schemas.microsoft.com/office/drawing/2016/SVG/main" xmlns="" r:embed="rId3"/>
+                <asvg:svgBlip xmlns:asvg="http://schemas.microsoft.com/office/drawing/2016/SVG/main" r:embed="rId3"/>
               </a:ext>
             </a:extLst>
           </a:blip>
@@ -9540,7 +9413,7 @@
           <p:cNvPr id="15" name="TextBox 14">
             <a:extLst>
               <a:ext uri="{FF2B5EF4-FFF2-40B4-BE49-F238E27FC236}">
-                <a16:creationId xmlns:a16="http://schemas.microsoft.com/office/drawing/2014/main" xmlns="" id="{2D596F80-1369-418D-B79C-C48A2C2E6E06}"/>
+                <a16:creationId xmlns:a16="http://schemas.microsoft.com/office/drawing/2014/main" id="{2D596F80-1369-418D-B79C-C48A2C2E6E06}"/>
               </a:ext>
             </a:extLst>
           </p:cNvPr>
@@ -9564,7 +9437,7 @@
           <a:lstStyle/>
           <a:p>
             <a:r>
-              <a:rPr lang="en-US" altLang="ko-KR" sz="3600" spc="400" smtClean="0">
+              <a:rPr lang="en-US" altLang="ko-KR" sz="3600" spc="400">
                 <a:solidFill>
                   <a:schemeClr val="bg1"/>
                 </a:solidFill>
@@ -9574,7 +9447,7 @@
               <a:t>Movie </a:t>
             </a:r>
             <a:r>
-              <a:rPr lang="ko-KR" altLang="en-US" sz="3600" spc="400" dirty="0" smtClean="0">
+              <a:rPr lang="ko-KR" altLang="en-US" sz="3600" spc="400" dirty="0">
                 <a:solidFill>
                   <a:schemeClr val="bg1"/>
                 </a:solidFill>
@@ -9583,13 +9456,6 @@
               </a:rPr>
               <a:t>삭제기능</a:t>
             </a:r>
-            <a:endParaRPr lang="ko-KR" altLang="en-US" sz="3600" spc="400" dirty="0">
-              <a:solidFill>
-                <a:schemeClr val="bg1"/>
-              </a:solidFill>
-              <a:latin typeface="HY헤드라인M" panose="02030600000101010101" pitchFamily="18" charset="-127"/>
-              <a:ea typeface="HY헤드라인M" panose="02030600000101010101" pitchFamily="18" charset="-127"/>
-            </a:endParaRPr>
           </a:p>
         </p:txBody>
       </p:sp>
@@ -9738,14 +9604,13 @@
           <a:lstStyle/>
           <a:p>
             <a:r>
-              <a:rPr lang="en-US" altLang="ko-KR" dirty="0" smtClean="0"/>
+              <a:rPr lang="en-US" altLang="ko-KR" dirty="0"/>
               <a:t>DAO</a:t>
             </a:r>
             <a:r>
-              <a:rPr lang="ko-KR" altLang="en-US" dirty="0" smtClean="0"/>
+              <a:rPr lang="ko-KR" altLang="en-US" dirty="0"/>
               <a:t>를 통해 데이터 삭제</a:t>
             </a:r>
-            <a:endParaRPr lang="ko-KR" altLang="en-US" dirty="0"/>
           </a:p>
         </p:txBody>
       </p:sp>
@@ -9759,13 +9624,13 @@
   <p:clrMapOvr>
     <a:masterClrMapping/>
   </p:clrMapOvr>
-  <mc:AlternateContent xmlns:mc="http://schemas.openxmlformats.org/markup-compatibility/2006">
-    <mc:Choice xmlns:p159="http://schemas.microsoft.com/office/powerpoint/2015/09/main" xmlns="" Requires="p159">
+  <mc:AlternateContent xmlns:mc="http://schemas.openxmlformats.org/markup-compatibility/2006" xmlns:p159="http://schemas.microsoft.com/office/powerpoint/2015/09/main">
+    <mc:Choice Requires="p159">
       <p:transition xmlns:p14="http://schemas.microsoft.com/office/powerpoint/2010/main" spd="slow" p14:dur="2000">
         <p159:morph option="byObject"/>
       </p:transition>
     </mc:Choice>
-    <mc:Fallback>
+    <mc:Fallback xmlns="">
       <p:transition spd="slow">
         <p:fade/>
       </p:transition>
@@ -10117,7 +9982,7 @@
           <p:cNvPr id="5" name="직사각형 4">
             <a:extLst>
               <a:ext uri="{FF2B5EF4-FFF2-40B4-BE49-F238E27FC236}">
-                <a16:creationId xmlns:a16="http://schemas.microsoft.com/office/drawing/2014/main" xmlns="" id="{41D38B16-140D-43D2-97DF-A3A63699995D}"/>
+                <a16:creationId xmlns:a16="http://schemas.microsoft.com/office/drawing/2014/main" id="{41D38B16-140D-43D2-97DF-A3A63699995D}"/>
               </a:ext>
             </a:extLst>
           </p:cNvPr>
@@ -10169,7 +10034,7 @@
           <p:cNvPr id="2" name="직선 연결선 1">
             <a:extLst>
               <a:ext uri="{FF2B5EF4-FFF2-40B4-BE49-F238E27FC236}">
-                <a16:creationId xmlns:a16="http://schemas.microsoft.com/office/drawing/2014/main" xmlns="" id="{4B62E7D8-2355-44BA-A245-B5774C0B2832}"/>
+                <a16:creationId xmlns:a16="http://schemas.microsoft.com/office/drawing/2014/main" id="{4B62E7D8-2355-44BA-A245-B5774C0B2832}"/>
               </a:ext>
             </a:extLst>
           </p:cNvPr>
@@ -10214,7 +10079,7 @@
           <p:cNvPr id="4" name="TextBox 3">
             <a:extLst>
               <a:ext uri="{FF2B5EF4-FFF2-40B4-BE49-F238E27FC236}">
-                <a16:creationId xmlns:a16="http://schemas.microsoft.com/office/drawing/2014/main" xmlns="" id="{583141B7-5F35-43CF-8319-4DAC989EB771}"/>
+                <a16:creationId xmlns:a16="http://schemas.microsoft.com/office/drawing/2014/main" id="{583141B7-5F35-43CF-8319-4DAC989EB771}"/>
               </a:ext>
             </a:extLst>
           </p:cNvPr>
@@ -10243,15 +10108,7 @@
                   <a:schemeClr val="bg1"/>
                 </a:solidFill>
               </a:rPr>
-              <a:t>Part </a:t>
-            </a:r>
-            <a:r>
-              <a:rPr lang="en-US" altLang="ko-KR" sz="3600" dirty="0" smtClean="0">
-                <a:solidFill>
-                  <a:schemeClr val="bg1"/>
-                </a:solidFill>
-              </a:rPr>
-              <a:t>3 </a:t>
+              <a:t>Part 3 </a:t>
             </a:r>
             <a:endParaRPr lang="ko-KR" altLang="en-US" sz="3600" dirty="0">
               <a:solidFill>
@@ -10266,7 +10123,7 @@
           <p:cNvPr id="13" name="그래픽 12" descr="기어가는">
             <a:extLst>
               <a:ext uri="{FF2B5EF4-FFF2-40B4-BE49-F238E27FC236}">
-                <a16:creationId xmlns:a16="http://schemas.microsoft.com/office/drawing/2014/main" xmlns="" id="{2AB1D530-320B-4AC5-8304-C9C2F90D7046}"/>
+                <a16:creationId xmlns:a16="http://schemas.microsoft.com/office/drawing/2014/main" id="{2AB1D530-320B-4AC5-8304-C9C2F90D7046}"/>
               </a:ext>
             </a:extLst>
           </p:cNvPr>
@@ -10282,7 +10139,7 @@
                 <a14:useLocalDpi xmlns:a14="http://schemas.microsoft.com/office/drawing/2010/main" val="0"/>
               </a:ext>
               <a:ext uri="{96DAC541-7B7A-43D3-8B79-37D633B846F1}">
-                <asvg:svgBlip xmlns:asvg="http://schemas.microsoft.com/office/drawing/2016/SVG/main" xmlns="" r:embed="rId3"/>
+                <asvg:svgBlip xmlns:asvg="http://schemas.microsoft.com/office/drawing/2016/SVG/main" r:embed="rId3"/>
               </a:ext>
             </a:extLst>
           </a:blip>
@@ -10305,7 +10162,7 @@
           <p:cNvPr id="15" name="TextBox 14">
             <a:extLst>
               <a:ext uri="{FF2B5EF4-FFF2-40B4-BE49-F238E27FC236}">
-                <a16:creationId xmlns:a16="http://schemas.microsoft.com/office/drawing/2014/main" xmlns="" id="{2D596F80-1369-418D-B79C-C48A2C2E6E06}"/>
+                <a16:creationId xmlns:a16="http://schemas.microsoft.com/office/drawing/2014/main" id="{2D596F80-1369-418D-B79C-C48A2C2E6E06}"/>
               </a:ext>
             </a:extLst>
           </p:cNvPr>
@@ -10329,7 +10186,7 @@
           <a:lstStyle/>
           <a:p>
             <a:r>
-              <a:rPr lang="en-US" altLang="ko-KR" sz="3600" spc="400" dirty="0" smtClean="0">
+              <a:rPr lang="en-US" altLang="ko-KR" sz="3600" spc="400" dirty="0">
                 <a:solidFill>
                   <a:schemeClr val="bg1"/>
                 </a:solidFill>
@@ -10339,7 +10196,7 @@
               <a:t>Movie </a:t>
             </a:r>
             <a:r>
-              <a:rPr lang="ko-KR" altLang="en-US" sz="3600" spc="400" dirty="0" smtClean="0">
+              <a:rPr lang="ko-KR" altLang="en-US" sz="3600" spc="400" dirty="0">
                 <a:solidFill>
                   <a:schemeClr val="bg1"/>
                 </a:solidFill>
@@ -10348,13 +10205,6 @@
               </a:rPr>
               <a:t>이미지 입력기능</a:t>
             </a:r>
-            <a:endParaRPr lang="ko-KR" altLang="en-US" sz="3600" spc="400" dirty="0">
-              <a:solidFill>
-                <a:schemeClr val="bg1"/>
-              </a:solidFill>
-              <a:latin typeface="HY헤드라인M" panose="02030600000101010101" pitchFamily="18" charset="-127"/>
-              <a:ea typeface="HY헤드라인M" panose="02030600000101010101" pitchFamily="18" charset="-127"/>
-            </a:endParaRPr>
           </a:p>
         </p:txBody>
       </p:sp>
@@ -10396,8 +10246,8 @@
         </p:nvSpPr>
         <p:spPr>
           <a:xfrm>
-            <a:off x="1219200" y="4110681"/>
-            <a:ext cx="6738551" cy="560173"/>
+            <a:off x="1058779" y="2783306"/>
+            <a:ext cx="6738551" cy="1305516"/>
           </a:xfrm>
           <a:prstGeom prst="rect">
             <a:avLst/>
@@ -10442,7 +10292,7 @@
         </p:nvSpPr>
         <p:spPr>
           <a:xfrm>
-            <a:off x="8266670" y="4252783"/>
+            <a:off x="8202025" y="3373308"/>
             <a:ext cx="502508" cy="275967"/>
           </a:xfrm>
           <a:prstGeom prst="rightArrow">
@@ -10489,7 +10339,7 @@
         <p:spPr>
           <a:xfrm>
             <a:off x="8921579" y="4206101"/>
-            <a:ext cx="1954381" cy="369332"/>
+            <a:ext cx="2390398" cy="369332"/>
           </a:xfrm>
           <a:prstGeom prst="rect">
             <a:avLst/>
@@ -10503,9 +10353,117 @@
           <a:lstStyle/>
           <a:p>
             <a:r>
-              <a:rPr lang="ko-KR" altLang="en-US" smtClean="0"/>
-              <a:t>이미지 입력 코드</a:t>
-            </a:r>
+              <a:rPr lang="ko-KR" altLang="en-US" dirty="0"/>
+              <a:t>이미지 경로를 보여줌</a:t>
+            </a:r>
+          </a:p>
+        </p:txBody>
+      </p:sp>
+      <p:sp>
+        <p:nvSpPr>
+          <p:cNvPr id="11" name="TextBox 10">
+            <a:extLst>
+              <a:ext uri="{FF2B5EF4-FFF2-40B4-BE49-F238E27FC236}">
+                <a16:creationId xmlns:a16="http://schemas.microsoft.com/office/drawing/2014/main" id="{90A96B08-B516-4C68-972D-55E14F0CE633}"/>
+              </a:ext>
+            </a:extLst>
+          </p:cNvPr>
+          <p:cNvSpPr txBox="1"/>
+          <p:nvPr/>
+        </p:nvSpPr>
+        <p:spPr>
+          <a:xfrm>
+            <a:off x="8921579" y="2911643"/>
+            <a:ext cx="2949910" cy="923330"/>
+          </a:xfrm>
+          <a:prstGeom prst="rect">
+            <a:avLst/>
+          </a:prstGeom>
+          <a:noFill/>
+        </p:spPr>
+        <p:txBody>
+          <a:bodyPr wrap="none" rtlCol="0">
+            <a:spAutoFit/>
+          </a:bodyPr>
+          <a:lstStyle/>
+          <a:p>
+            <a:r>
+              <a:rPr lang="ko-KR" altLang="en-US" dirty="0"/>
+              <a:t>이미지 선택 창이 나오고</a:t>
+            </a:r>
+            <a:endParaRPr lang="en-US" altLang="ko-KR" dirty="0"/>
+          </a:p>
+          <a:p>
+            <a:r>
+              <a:rPr lang="en-US" altLang="ko-KR" dirty="0" err="1"/>
+              <a:t>SelectedFile</a:t>
+            </a:r>
+            <a:r>
+              <a:rPr lang="en-US" altLang="ko-KR" dirty="0"/>
+              <a:t> </a:t>
+            </a:r>
+            <a:r>
+              <a:rPr lang="ko-KR" altLang="en-US" dirty="0"/>
+              <a:t>변수에 선택한</a:t>
+            </a:r>
+            <a:endParaRPr lang="en-US" altLang="ko-KR" dirty="0"/>
+          </a:p>
+          <a:p>
+            <a:r>
+              <a:rPr lang="ko-KR" altLang="en-US" dirty="0"/>
+              <a:t>파일을 저장함</a:t>
+            </a:r>
+          </a:p>
+        </p:txBody>
+      </p:sp>
+      <p:sp>
+        <p:nvSpPr>
+          <p:cNvPr id="12" name="오른쪽 화살표 9">
+            <a:extLst>
+              <a:ext uri="{FF2B5EF4-FFF2-40B4-BE49-F238E27FC236}">
+                <a16:creationId xmlns:a16="http://schemas.microsoft.com/office/drawing/2014/main" id="{E1C46238-9FA0-4A75-B563-26517EEF3F09}"/>
+              </a:ext>
+            </a:extLst>
+          </p:cNvPr>
+          <p:cNvSpPr/>
+          <p:nvPr/>
+        </p:nvSpPr>
+        <p:spPr>
+          <a:xfrm>
+            <a:off x="8202025" y="4252783"/>
+            <a:ext cx="502508" cy="275967"/>
+          </a:xfrm>
+          <a:prstGeom prst="rightArrow">
+            <a:avLst/>
+          </a:prstGeom>
+          <a:solidFill>
+            <a:schemeClr val="tx1"/>
+          </a:solidFill>
+          <a:ln>
+            <a:noFill/>
+          </a:ln>
+        </p:spPr>
+        <p:style>
+          <a:lnRef idx="2">
+            <a:schemeClr val="accent1">
+              <a:shade val="50000"/>
+            </a:schemeClr>
+          </a:lnRef>
+          <a:fillRef idx="1">
+            <a:schemeClr val="accent1"/>
+          </a:fillRef>
+          <a:effectRef idx="0">
+            <a:schemeClr val="accent1"/>
+          </a:effectRef>
+          <a:fontRef idx="minor">
+            <a:schemeClr val="lt1"/>
+          </a:fontRef>
+        </p:style>
+        <p:txBody>
+          <a:bodyPr rtlCol="0" anchor="ctr"/>
+          <a:lstStyle/>
+          <a:p>
+            <a:pPr algn="ctr"/>
             <a:endParaRPr lang="ko-KR" altLang="en-US"/>
           </a:p>
         </p:txBody>
@@ -10520,13 +10478,13 @@
   <p:clrMapOvr>
     <a:masterClrMapping/>
   </p:clrMapOvr>
-  <mc:AlternateContent xmlns:mc="http://schemas.openxmlformats.org/markup-compatibility/2006">
-    <mc:Choice xmlns:p159="http://schemas.microsoft.com/office/powerpoint/2015/09/main" xmlns="" Requires="p159">
+  <mc:AlternateContent xmlns:mc="http://schemas.openxmlformats.org/markup-compatibility/2006" xmlns:p159="http://schemas.microsoft.com/office/powerpoint/2015/09/main">
+    <mc:Choice Requires="p159">
       <p:transition xmlns:p14="http://schemas.microsoft.com/office/powerpoint/2010/main" spd="slow" p14:dur="2000">
         <p159:morph option="byObject"/>
       </p:transition>
     </mc:Choice>
-    <mc:Fallback>
+    <mc:Fallback xmlns="">
       <p:transition spd="slow">
         <p:fade/>
       </p:transition>
@@ -10799,6 +10757,186 @@
                                         <p:cTn id="24" dur="1000" fill="hold"/>
                                         <p:tgtEl>
                                           <p:spTgt spid="8"/>
+                                        </p:tgtEl>
+                                        <p:attrNameLst>
+                                          <p:attrName>ppt_y</p:attrName>
+                                        </p:attrNameLst>
+                                      </p:cBhvr>
+                                      <p:tavLst>
+                                        <p:tav tm="0">
+                                          <p:val>
+                                            <p:strVal val="#ppt_y+.1"/>
+                                          </p:val>
+                                        </p:tav>
+                                        <p:tav tm="100000">
+                                          <p:val>
+                                            <p:strVal val="#ppt_y"/>
+                                          </p:val>
+                                        </p:tav>
+                                      </p:tavLst>
+                                    </p:anim>
+                                  </p:childTnLst>
+                                </p:cTn>
+                              </p:par>
+                              <p:par>
+                                <p:cTn id="25" presetID="42" presetClass="entr" presetSubtype="0" fill="hold" grpId="0" nodeType="withEffect">
+                                  <p:stCondLst>
+                                    <p:cond delay="0"/>
+                                  </p:stCondLst>
+                                  <p:childTnLst>
+                                    <p:set>
+                                      <p:cBhvr>
+                                        <p:cTn id="26" dur="1" fill="hold">
+                                          <p:stCondLst>
+                                            <p:cond delay="0"/>
+                                          </p:stCondLst>
+                                        </p:cTn>
+                                        <p:tgtEl>
+                                          <p:spTgt spid="11"/>
+                                        </p:tgtEl>
+                                        <p:attrNameLst>
+                                          <p:attrName>style.visibility</p:attrName>
+                                        </p:attrNameLst>
+                                      </p:cBhvr>
+                                      <p:to>
+                                        <p:strVal val="visible"/>
+                                      </p:to>
+                                    </p:set>
+                                    <p:animEffect transition="in" filter="fade">
+                                      <p:cBhvr>
+                                        <p:cTn id="27" dur="1000"/>
+                                        <p:tgtEl>
+                                          <p:spTgt spid="11"/>
+                                        </p:tgtEl>
+                                      </p:cBhvr>
+                                    </p:animEffect>
+                                    <p:anim calcmode="lin" valueType="num">
+                                      <p:cBhvr>
+                                        <p:cTn id="28" dur="1000" fill="hold"/>
+                                        <p:tgtEl>
+                                          <p:spTgt spid="11"/>
+                                        </p:tgtEl>
+                                        <p:attrNameLst>
+                                          <p:attrName>ppt_x</p:attrName>
+                                        </p:attrNameLst>
+                                      </p:cBhvr>
+                                      <p:tavLst>
+                                        <p:tav tm="0">
+                                          <p:val>
+                                            <p:strVal val="#ppt_x"/>
+                                          </p:val>
+                                        </p:tav>
+                                        <p:tav tm="100000">
+                                          <p:val>
+                                            <p:strVal val="#ppt_x"/>
+                                          </p:val>
+                                        </p:tav>
+                                      </p:tavLst>
+                                    </p:anim>
+                                    <p:anim calcmode="lin" valueType="num">
+                                      <p:cBhvr>
+                                        <p:cTn id="29" dur="1000" fill="hold"/>
+                                        <p:tgtEl>
+                                          <p:spTgt spid="11"/>
+                                        </p:tgtEl>
+                                        <p:attrNameLst>
+                                          <p:attrName>ppt_y</p:attrName>
+                                        </p:attrNameLst>
+                                      </p:cBhvr>
+                                      <p:tavLst>
+                                        <p:tav tm="0">
+                                          <p:val>
+                                            <p:strVal val="#ppt_y+.1"/>
+                                          </p:val>
+                                        </p:tav>
+                                        <p:tav tm="100000">
+                                          <p:val>
+                                            <p:strVal val="#ppt_y"/>
+                                          </p:val>
+                                        </p:tav>
+                                      </p:tavLst>
+                                    </p:anim>
+                                  </p:childTnLst>
+                                </p:cTn>
+                              </p:par>
+                            </p:childTnLst>
+                          </p:cTn>
+                        </p:par>
+                      </p:childTnLst>
+                    </p:cTn>
+                  </p:par>
+                  <p:par>
+                    <p:cTn id="30" fill="hold">
+                      <p:stCondLst>
+                        <p:cond delay="indefinite"/>
+                      </p:stCondLst>
+                      <p:childTnLst>
+                        <p:par>
+                          <p:cTn id="31" fill="hold">
+                            <p:stCondLst>
+                              <p:cond delay="0"/>
+                            </p:stCondLst>
+                            <p:childTnLst>
+                              <p:par>
+                                <p:cTn id="32" presetID="42" presetClass="entr" presetSubtype="0" fill="hold" grpId="0" nodeType="clickEffect">
+                                  <p:stCondLst>
+                                    <p:cond delay="0"/>
+                                  </p:stCondLst>
+                                  <p:childTnLst>
+                                    <p:set>
+                                      <p:cBhvr>
+                                        <p:cTn id="33" dur="1" fill="hold">
+                                          <p:stCondLst>
+                                            <p:cond delay="0"/>
+                                          </p:stCondLst>
+                                        </p:cTn>
+                                        <p:tgtEl>
+                                          <p:spTgt spid="12"/>
+                                        </p:tgtEl>
+                                        <p:attrNameLst>
+                                          <p:attrName>style.visibility</p:attrName>
+                                        </p:attrNameLst>
+                                      </p:cBhvr>
+                                      <p:to>
+                                        <p:strVal val="visible"/>
+                                      </p:to>
+                                    </p:set>
+                                    <p:animEffect transition="in" filter="fade">
+                                      <p:cBhvr>
+                                        <p:cTn id="34" dur="1000"/>
+                                        <p:tgtEl>
+                                          <p:spTgt spid="12"/>
+                                        </p:tgtEl>
+                                      </p:cBhvr>
+                                    </p:animEffect>
+                                    <p:anim calcmode="lin" valueType="num">
+                                      <p:cBhvr>
+                                        <p:cTn id="35" dur="1000" fill="hold"/>
+                                        <p:tgtEl>
+                                          <p:spTgt spid="12"/>
+                                        </p:tgtEl>
+                                        <p:attrNameLst>
+                                          <p:attrName>ppt_x</p:attrName>
+                                        </p:attrNameLst>
+                                      </p:cBhvr>
+                                      <p:tavLst>
+                                        <p:tav tm="0">
+                                          <p:val>
+                                            <p:strVal val="#ppt_x"/>
+                                          </p:val>
+                                        </p:tav>
+                                        <p:tav tm="100000">
+                                          <p:val>
+                                            <p:strVal val="#ppt_x"/>
+                                          </p:val>
+                                        </p:tav>
+                                      </p:tavLst>
+                                    </p:anim>
+                                    <p:anim calcmode="lin" valueType="num">
+                                      <p:cBhvr>
+                                        <p:cTn id="36" dur="1000" fill="hold"/>
+                                        <p:tgtEl>
+                                          <p:spTgt spid="12"/>
                                         </p:tgtEl>
                                         <p:attrNameLst>
                                           <p:attrName>ppt_y</p:attrName>
@@ -10851,6 +10989,8 @@
       <p:bldP spid="7" grpId="0" animBg="1"/>
       <p:bldP spid="10" grpId="0" animBg="1"/>
       <p:bldP spid="8" grpId="0"/>
+      <p:bldP spid="11" grpId="0"/>
+      <p:bldP spid="12" grpId="0" animBg="1"/>
     </p:bldLst>
   </p:timing>
 </p:sld>
@@ -10878,7 +11018,7 @@
           <p:cNvPr id="5" name="직사각형 4">
             <a:extLst>
               <a:ext uri="{FF2B5EF4-FFF2-40B4-BE49-F238E27FC236}">
-                <a16:creationId xmlns:a16="http://schemas.microsoft.com/office/drawing/2014/main" xmlns="" id="{41D38B16-140D-43D2-97DF-A3A63699995D}"/>
+                <a16:creationId xmlns:a16="http://schemas.microsoft.com/office/drawing/2014/main" id="{41D38B16-140D-43D2-97DF-A3A63699995D}"/>
               </a:ext>
             </a:extLst>
           </p:cNvPr>
@@ -10930,7 +11070,7 @@
           <p:cNvPr id="2" name="직선 연결선 1">
             <a:extLst>
               <a:ext uri="{FF2B5EF4-FFF2-40B4-BE49-F238E27FC236}">
-                <a16:creationId xmlns:a16="http://schemas.microsoft.com/office/drawing/2014/main" xmlns="" id="{4B62E7D8-2355-44BA-A245-B5774C0B2832}"/>
+                <a16:creationId xmlns:a16="http://schemas.microsoft.com/office/drawing/2014/main" id="{4B62E7D8-2355-44BA-A245-B5774C0B2832}"/>
               </a:ext>
             </a:extLst>
           </p:cNvPr>
@@ -10975,7 +11115,7 @@
           <p:cNvPr id="4" name="TextBox 3">
             <a:extLst>
               <a:ext uri="{FF2B5EF4-FFF2-40B4-BE49-F238E27FC236}">
-                <a16:creationId xmlns:a16="http://schemas.microsoft.com/office/drawing/2014/main" xmlns="" id="{583141B7-5F35-43CF-8319-4DAC989EB771}"/>
+                <a16:creationId xmlns:a16="http://schemas.microsoft.com/office/drawing/2014/main" id="{583141B7-5F35-43CF-8319-4DAC989EB771}"/>
               </a:ext>
             </a:extLst>
           </p:cNvPr>
@@ -11004,15 +11144,7 @@
                   <a:schemeClr val="bg1"/>
                 </a:solidFill>
               </a:rPr>
-              <a:t>Part </a:t>
-            </a:r>
-            <a:r>
-              <a:rPr lang="en-US" altLang="ko-KR" sz="3600" dirty="0" smtClean="0">
-                <a:solidFill>
-                  <a:schemeClr val="bg1"/>
-                </a:solidFill>
-              </a:rPr>
-              <a:t>3 </a:t>
+              <a:t>Part 3 </a:t>
             </a:r>
             <a:endParaRPr lang="ko-KR" altLang="en-US" sz="3600" dirty="0">
               <a:solidFill>
@@ -11027,7 +11159,7 @@
           <p:cNvPr id="13" name="그래픽 12" descr="기어가는">
             <a:extLst>
               <a:ext uri="{FF2B5EF4-FFF2-40B4-BE49-F238E27FC236}">
-                <a16:creationId xmlns:a16="http://schemas.microsoft.com/office/drawing/2014/main" xmlns="" id="{2AB1D530-320B-4AC5-8304-C9C2F90D7046}"/>
+                <a16:creationId xmlns:a16="http://schemas.microsoft.com/office/drawing/2014/main" id="{2AB1D530-320B-4AC5-8304-C9C2F90D7046}"/>
               </a:ext>
             </a:extLst>
           </p:cNvPr>
@@ -11043,7 +11175,7 @@
                 <a14:useLocalDpi xmlns:a14="http://schemas.microsoft.com/office/drawing/2010/main" val="0"/>
               </a:ext>
               <a:ext uri="{96DAC541-7B7A-43D3-8B79-37D633B846F1}">
-                <asvg:svgBlip xmlns:asvg="http://schemas.microsoft.com/office/drawing/2016/SVG/main" xmlns="" r:embed="rId3"/>
+                <asvg:svgBlip xmlns:asvg="http://schemas.microsoft.com/office/drawing/2016/SVG/main" r:embed="rId3"/>
               </a:ext>
             </a:extLst>
           </a:blip>
@@ -11066,7 +11198,7 @@
           <p:cNvPr id="15" name="TextBox 14">
             <a:extLst>
               <a:ext uri="{FF2B5EF4-FFF2-40B4-BE49-F238E27FC236}">
-                <a16:creationId xmlns:a16="http://schemas.microsoft.com/office/drawing/2014/main" xmlns="" id="{2D596F80-1369-418D-B79C-C48A2C2E6E06}"/>
+                <a16:creationId xmlns:a16="http://schemas.microsoft.com/office/drawing/2014/main" id="{2D596F80-1369-418D-B79C-C48A2C2E6E06}"/>
               </a:ext>
             </a:extLst>
           </p:cNvPr>
@@ -11090,7 +11222,7 @@
           <a:lstStyle/>
           <a:p>
             <a:r>
-              <a:rPr lang="en-US" altLang="ko-KR" sz="3600" spc="400" smtClean="0">
+              <a:rPr lang="en-US" altLang="ko-KR" sz="3600" spc="400">
                 <a:solidFill>
                   <a:schemeClr val="bg1"/>
                 </a:solidFill>
@@ -11100,7 +11232,7 @@
               <a:t>Movie </a:t>
             </a:r>
             <a:r>
-              <a:rPr lang="ko-KR" altLang="en-US" sz="3600" spc="400" dirty="0" smtClean="0">
+              <a:rPr lang="ko-KR" altLang="en-US" sz="3600" spc="400" dirty="0">
                 <a:solidFill>
                   <a:schemeClr val="bg1"/>
                 </a:solidFill>
@@ -11109,13 +11241,6 @@
               </a:rPr>
               <a:t>수정기능</a:t>
             </a:r>
-            <a:endParaRPr lang="ko-KR" altLang="en-US" sz="3600" spc="400" dirty="0">
-              <a:solidFill>
-                <a:schemeClr val="bg1"/>
-              </a:solidFill>
-              <a:latin typeface="HY헤드라인M" panose="02030600000101010101" pitchFamily="18" charset="-127"/>
-              <a:ea typeface="HY헤드라인M" panose="02030600000101010101" pitchFamily="18" charset="-127"/>
-            </a:endParaRPr>
           </a:p>
         </p:txBody>
       </p:sp>
@@ -11662,14 +11787,13 @@
           <a:lstStyle/>
           <a:p>
             <a:r>
-              <a:rPr lang="en-US" altLang="ko-KR" dirty="0" smtClean="0"/>
+              <a:rPr lang="en-US" altLang="ko-KR" dirty="0"/>
               <a:t>DAO</a:t>
             </a:r>
             <a:r>
-              <a:rPr lang="ko-KR" altLang="en-US" dirty="0" smtClean="0"/>
+              <a:rPr lang="ko-KR" altLang="en-US" dirty="0"/>
               <a:t>를 통해 데이터 업데이트</a:t>
             </a:r>
-            <a:endParaRPr lang="ko-KR" altLang="en-US" dirty="0"/>
           </a:p>
         </p:txBody>
       </p:sp>
@@ -11683,13 +11807,13 @@
   <p:clrMapOvr>
     <a:masterClrMapping/>
   </p:clrMapOvr>
-  <mc:AlternateContent xmlns:mc="http://schemas.openxmlformats.org/markup-compatibility/2006">
-    <mc:Choice xmlns:p159="http://schemas.microsoft.com/office/powerpoint/2015/09/main" xmlns="" Requires="p159">
+  <mc:AlternateContent xmlns:mc="http://schemas.openxmlformats.org/markup-compatibility/2006" xmlns:p159="http://schemas.microsoft.com/office/powerpoint/2015/09/main">
+    <mc:Choice Requires="p159">
       <p:transition xmlns:p14="http://schemas.microsoft.com/office/powerpoint/2010/main" spd="slow" p14:dur="2000">
         <p159:morph option="byObject"/>
       </p:transition>
     </mc:Choice>
-    <mc:Fallback>
+    <mc:Fallback xmlns="">
       <p:transition spd="slow">
         <p:fade/>
       </p:transition>
@@ -12435,7 +12559,7 @@
           <p:cNvPr id="5" name="직사각형 4">
             <a:extLst>
               <a:ext uri="{FF2B5EF4-FFF2-40B4-BE49-F238E27FC236}">
-                <a16:creationId xmlns:a16="http://schemas.microsoft.com/office/drawing/2014/main" xmlns="" id="{41D38B16-140D-43D2-97DF-A3A63699995D}"/>
+                <a16:creationId xmlns:a16="http://schemas.microsoft.com/office/drawing/2014/main" id="{41D38B16-140D-43D2-97DF-A3A63699995D}"/>
               </a:ext>
             </a:extLst>
           </p:cNvPr>
@@ -12487,7 +12611,7 @@
           <p:cNvPr id="2" name="직선 연결선 1">
             <a:extLst>
               <a:ext uri="{FF2B5EF4-FFF2-40B4-BE49-F238E27FC236}">
-                <a16:creationId xmlns:a16="http://schemas.microsoft.com/office/drawing/2014/main" xmlns="" id="{4B62E7D8-2355-44BA-A245-B5774C0B2832}"/>
+                <a16:creationId xmlns:a16="http://schemas.microsoft.com/office/drawing/2014/main" id="{4B62E7D8-2355-44BA-A245-B5774C0B2832}"/>
               </a:ext>
             </a:extLst>
           </p:cNvPr>
@@ -12532,7 +12656,7 @@
           <p:cNvPr id="4" name="TextBox 3">
             <a:extLst>
               <a:ext uri="{FF2B5EF4-FFF2-40B4-BE49-F238E27FC236}">
-                <a16:creationId xmlns:a16="http://schemas.microsoft.com/office/drawing/2014/main" xmlns="" id="{583141B7-5F35-43CF-8319-4DAC989EB771}"/>
+                <a16:creationId xmlns:a16="http://schemas.microsoft.com/office/drawing/2014/main" id="{583141B7-5F35-43CF-8319-4DAC989EB771}"/>
               </a:ext>
             </a:extLst>
           </p:cNvPr>
@@ -12561,15 +12685,7 @@
                   <a:schemeClr val="bg1"/>
                 </a:solidFill>
               </a:rPr>
-              <a:t>Part </a:t>
-            </a:r>
-            <a:r>
-              <a:rPr lang="en-US" altLang="ko-KR" sz="3600" dirty="0" smtClean="0">
-                <a:solidFill>
-                  <a:schemeClr val="bg1"/>
-                </a:solidFill>
-              </a:rPr>
-              <a:t>3 </a:t>
+              <a:t>Part 3 </a:t>
             </a:r>
             <a:endParaRPr lang="ko-KR" altLang="en-US" sz="3600" dirty="0">
               <a:solidFill>
@@ -12584,7 +12700,7 @@
           <p:cNvPr id="13" name="그래픽 12" descr="기어가는">
             <a:extLst>
               <a:ext uri="{FF2B5EF4-FFF2-40B4-BE49-F238E27FC236}">
-                <a16:creationId xmlns:a16="http://schemas.microsoft.com/office/drawing/2014/main" xmlns="" id="{2AB1D530-320B-4AC5-8304-C9C2F90D7046}"/>
+                <a16:creationId xmlns:a16="http://schemas.microsoft.com/office/drawing/2014/main" id="{2AB1D530-320B-4AC5-8304-C9C2F90D7046}"/>
               </a:ext>
             </a:extLst>
           </p:cNvPr>
@@ -12600,7 +12716,7 @@
                 <a14:useLocalDpi xmlns:a14="http://schemas.microsoft.com/office/drawing/2010/main" val="0"/>
               </a:ext>
               <a:ext uri="{96DAC541-7B7A-43D3-8B79-37D633B846F1}">
-                <asvg:svgBlip xmlns:asvg="http://schemas.microsoft.com/office/drawing/2016/SVG/main" xmlns="" r:embed="rId3"/>
+                <asvg:svgBlip xmlns:asvg="http://schemas.microsoft.com/office/drawing/2016/SVG/main" r:embed="rId3"/>
               </a:ext>
             </a:extLst>
           </a:blip>
@@ -12623,7 +12739,7 @@
           <p:cNvPr id="15" name="TextBox 14">
             <a:extLst>
               <a:ext uri="{FF2B5EF4-FFF2-40B4-BE49-F238E27FC236}">
-                <a16:creationId xmlns:a16="http://schemas.microsoft.com/office/drawing/2014/main" xmlns="" id="{2D596F80-1369-418D-B79C-C48A2C2E6E06}"/>
+                <a16:creationId xmlns:a16="http://schemas.microsoft.com/office/drawing/2014/main" id="{2D596F80-1369-418D-B79C-C48A2C2E6E06}"/>
               </a:ext>
             </a:extLst>
           </p:cNvPr>
@@ -12647,7 +12763,7 @@
           <a:lstStyle/>
           <a:p>
             <a:r>
-              <a:rPr lang="en-US" altLang="ko-KR" sz="3600" spc="400" dirty="0" smtClean="0">
+              <a:rPr lang="en-US" altLang="ko-KR" sz="3600" spc="400" dirty="0">
                 <a:solidFill>
                   <a:schemeClr val="bg1"/>
                 </a:solidFill>
@@ -12657,7 +12773,7 @@
               <a:t>Movie </a:t>
             </a:r>
             <a:r>
-              <a:rPr lang="ko-KR" altLang="en-US" sz="3600" spc="400" dirty="0" smtClean="0">
+              <a:rPr lang="ko-KR" altLang="en-US" sz="3600" spc="400" dirty="0">
                 <a:solidFill>
                   <a:schemeClr val="bg1"/>
                 </a:solidFill>
@@ -12666,13 +12782,6 @@
               </a:rPr>
               <a:t>값 가져오는 부분</a:t>
             </a:r>
-            <a:endParaRPr lang="ko-KR" altLang="en-US" sz="3600" spc="400" dirty="0">
-              <a:solidFill>
-                <a:schemeClr val="bg1"/>
-              </a:solidFill>
-              <a:latin typeface="HY헤드라인M" panose="02030600000101010101" pitchFamily="18" charset="-127"/>
-              <a:ea typeface="HY헤드라인M" panose="02030600000101010101" pitchFamily="18" charset="-127"/>
-            </a:endParaRPr>
           </a:p>
         </p:txBody>
       </p:sp>
@@ -12821,10 +12930,9 @@
           <a:lstStyle/>
           <a:p>
             <a:r>
-              <a:rPr lang="ko-KR" altLang="en-US" smtClean="0"/>
+              <a:rPr lang="ko-KR" altLang="en-US"/>
               <a:t>값을 가져오는 코드</a:t>
             </a:r>
-            <a:endParaRPr lang="ko-KR" altLang="en-US"/>
           </a:p>
         </p:txBody>
       </p:sp>
@@ -12838,13 +12946,13 @@
   <p:clrMapOvr>
     <a:masterClrMapping/>
   </p:clrMapOvr>
-  <mc:AlternateContent xmlns:mc="http://schemas.openxmlformats.org/markup-compatibility/2006">
-    <mc:Choice xmlns:p159="http://schemas.microsoft.com/office/powerpoint/2015/09/main" xmlns="" Requires="p159">
+  <mc:AlternateContent xmlns:mc="http://schemas.openxmlformats.org/markup-compatibility/2006" xmlns:p159="http://schemas.microsoft.com/office/powerpoint/2015/09/main">
+    <mc:Choice Requires="p159">
       <p:transition xmlns:p14="http://schemas.microsoft.com/office/powerpoint/2010/main" spd="slow" p14:dur="2000">
         <p159:morph option="byObject"/>
       </p:transition>
     </mc:Choice>
-    <mc:Fallback>
+    <mc:Fallback xmlns="">
       <p:transition spd="slow">
         <p:fade/>
       </p:transition>
@@ -13196,7 +13304,7 @@
           <p:cNvPr id="3" name="그림 2">
             <a:extLst>
               <a:ext uri="{FF2B5EF4-FFF2-40B4-BE49-F238E27FC236}">
-                <a16:creationId xmlns:a16="http://schemas.microsoft.com/office/drawing/2014/main" xmlns="" id="{28294A4A-6388-4C27-92CB-25A10A52EDF4}"/>
+                <a16:creationId xmlns:a16="http://schemas.microsoft.com/office/drawing/2014/main" id="{28294A4A-6388-4C27-92CB-25A10A52EDF4}"/>
               </a:ext>
             </a:extLst>
           </p:cNvPr>
@@ -13231,7 +13339,7 @@
           <p:cNvPr id="7" name="직선 연결선 6">
             <a:extLst>
               <a:ext uri="{FF2B5EF4-FFF2-40B4-BE49-F238E27FC236}">
-                <a16:creationId xmlns:a16="http://schemas.microsoft.com/office/drawing/2014/main" xmlns="" id="{395803E7-3B03-49DF-B5F9-6049921AABC9}"/>
+                <a16:creationId xmlns:a16="http://schemas.microsoft.com/office/drawing/2014/main" id="{395803E7-3B03-49DF-B5F9-6049921AABC9}"/>
               </a:ext>
             </a:extLst>
           </p:cNvPr>
@@ -13268,7 +13376,7 @@
           <p:cNvPr id="8" name="TextBox 7">
             <a:extLst>
               <a:ext uri="{FF2B5EF4-FFF2-40B4-BE49-F238E27FC236}">
-                <a16:creationId xmlns:a16="http://schemas.microsoft.com/office/drawing/2014/main" xmlns="" id="{45E6A35B-CC85-4426-B13F-ED23AB6EC147}"/>
+                <a16:creationId xmlns:a16="http://schemas.microsoft.com/office/drawing/2014/main" id="{45E6A35B-CC85-4426-B13F-ED23AB6EC147}"/>
               </a:ext>
             </a:extLst>
           </p:cNvPr>
@@ -13316,7 +13424,7 @@
           <p:cNvPr id="11" name="그룹 10">
             <a:extLst>
               <a:ext uri="{FF2B5EF4-FFF2-40B4-BE49-F238E27FC236}">
-                <a16:creationId xmlns:a16="http://schemas.microsoft.com/office/drawing/2014/main" xmlns="" id="{A1ED4328-07C5-4785-A581-EABD1EBA0E54}"/>
+                <a16:creationId xmlns:a16="http://schemas.microsoft.com/office/drawing/2014/main" id="{A1ED4328-07C5-4785-A581-EABD1EBA0E54}"/>
               </a:ext>
             </a:extLst>
           </p:cNvPr>
@@ -13336,7 +13444,7 @@
             <p:cNvPr id="9" name="TextBox 8">
               <a:extLst>
                 <a:ext uri="{FF2B5EF4-FFF2-40B4-BE49-F238E27FC236}">
-                  <a16:creationId xmlns:a16="http://schemas.microsoft.com/office/drawing/2014/main" xmlns="" id="{9A1FC572-723F-4B25-9A45-0BC6BED1A0C6}"/>
+                  <a16:creationId xmlns:a16="http://schemas.microsoft.com/office/drawing/2014/main" id="{9A1FC572-723F-4B25-9A45-0BC6BED1A0C6}"/>
                 </a:ext>
               </a:extLst>
             </p:cNvPr>
@@ -13388,7 +13496,7 @@
             <p:cNvPr id="10" name="TextBox 9">
               <a:extLst>
                 <a:ext uri="{FF2B5EF4-FFF2-40B4-BE49-F238E27FC236}">
-                  <a16:creationId xmlns:a16="http://schemas.microsoft.com/office/drawing/2014/main" xmlns="" id="{05B4DCA3-A481-4D37-A89E-D0CA184D86B1}"/>
+                  <a16:creationId xmlns:a16="http://schemas.microsoft.com/office/drawing/2014/main" id="{05B4DCA3-A481-4D37-A89E-D0CA184D86B1}"/>
                 </a:ext>
               </a:extLst>
             </p:cNvPr>
@@ -13412,16 +13520,12 @@
             <a:lstStyle/>
             <a:p>
               <a:r>
-                <a:rPr lang="ko-KR" altLang="en-US" sz="2800" spc="-300" dirty="0" smtClean="0">
+                <a:rPr lang="ko-KR" altLang="en-US" sz="2800" spc="-300" dirty="0">
                   <a:latin typeface="HY헤드라인M" panose="02030600000101010101" pitchFamily="18" charset="-127"/>
                   <a:ea typeface="HY헤드라인M" panose="02030600000101010101" pitchFamily="18" charset="-127"/>
                 </a:rPr>
                 <a:t>문제 및 구현 환경 소개</a:t>
               </a:r>
-              <a:endParaRPr lang="ko-KR" altLang="en-US" sz="2800" spc="-300" dirty="0">
-                <a:latin typeface="HY헤드라인M" panose="02030600000101010101" pitchFamily="18" charset="-127"/>
-                <a:ea typeface="HY헤드라인M" panose="02030600000101010101" pitchFamily="18" charset="-127"/>
-              </a:endParaRPr>
             </a:p>
           </p:txBody>
         </p:sp>
@@ -13431,7 +13535,7 @@
           <p:cNvPr id="12" name="그룹 11">
             <a:extLst>
               <a:ext uri="{FF2B5EF4-FFF2-40B4-BE49-F238E27FC236}">
-                <a16:creationId xmlns:a16="http://schemas.microsoft.com/office/drawing/2014/main" xmlns="" id="{22A050DD-EA3D-4E3C-818A-9905FF604D11}"/>
+                <a16:creationId xmlns:a16="http://schemas.microsoft.com/office/drawing/2014/main" id="{22A050DD-EA3D-4E3C-818A-9905FF604D11}"/>
               </a:ext>
             </a:extLst>
           </p:cNvPr>
@@ -13451,7 +13555,7 @@
             <p:cNvPr id="13" name="TextBox 12">
               <a:extLst>
                 <a:ext uri="{FF2B5EF4-FFF2-40B4-BE49-F238E27FC236}">
-                  <a16:creationId xmlns:a16="http://schemas.microsoft.com/office/drawing/2014/main" xmlns="" id="{CEF97653-83A5-402B-9F2B-3B83FC7CDFF8}"/>
+                  <a16:creationId xmlns:a16="http://schemas.microsoft.com/office/drawing/2014/main" id="{CEF97653-83A5-402B-9F2B-3B83FC7CDFF8}"/>
                 </a:ext>
               </a:extLst>
             </p:cNvPr>
@@ -13503,7 +13607,7 @@
             <p:cNvPr id="14" name="TextBox 13">
               <a:extLst>
                 <a:ext uri="{FF2B5EF4-FFF2-40B4-BE49-F238E27FC236}">
-                  <a16:creationId xmlns:a16="http://schemas.microsoft.com/office/drawing/2014/main" xmlns="" id="{EA19AF51-6E76-4F66-A2B5-9DADF5CCD1DE}"/>
+                  <a16:creationId xmlns:a16="http://schemas.microsoft.com/office/drawing/2014/main" id="{EA19AF51-6E76-4F66-A2B5-9DADF5CCD1DE}"/>
                 </a:ext>
               </a:extLst>
             </p:cNvPr>
@@ -13527,16 +13631,12 @@
             <a:lstStyle/>
             <a:p>
               <a:r>
-                <a:rPr lang="ko-KR" altLang="en-US" sz="2800" spc="-300" dirty="0" smtClean="0">
+                <a:rPr lang="ko-KR" altLang="en-US" sz="2800" spc="-300" dirty="0">
                   <a:latin typeface="HY헤드라인M" panose="02030600000101010101" pitchFamily="18" charset="-127"/>
                   <a:ea typeface="HY헤드라인M" panose="02030600000101010101" pitchFamily="18" charset="-127"/>
                 </a:rPr>
                 <a:t>구현 알고리즘 소개</a:t>
               </a:r>
-              <a:endParaRPr lang="ko-KR" altLang="en-US" sz="2800" spc="-300" dirty="0">
-                <a:latin typeface="HY헤드라인M" panose="02030600000101010101" pitchFamily="18" charset="-127"/>
-                <a:ea typeface="HY헤드라인M" panose="02030600000101010101" pitchFamily="18" charset="-127"/>
-              </a:endParaRPr>
             </a:p>
           </p:txBody>
         </p:sp>
@@ -13546,7 +13646,7 @@
           <p:cNvPr id="15" name="그룹 14">
             <a:extLst>
               <a:ext uri="{FF2B5EF4-FFF2-40B4-BE49-F238E27FC236}">
-                <a16:creationId xmlns:a16="http://schemas.microsoft.com/office/drawing/2014/main" xmlns="" id="{14F24966-B1AB-4691-B041-A9786E6A72D8}"/>
+                <a16:creationId xmlns:a16="http://schemas.microsoft.com/office/drawing/2014/main" id="{14F24966-B1AB-4691-B041-A9786E6A72D8}"/>
               </a:ext>
             </a:extLst>
           </p:cNvPr>
@@ -13566,7 +13666,7 @@
             <p:cNvPr id="16" name="TextBox 15">
               <a:extLst>
                 <a:ext uri="{FF2B5EF4-FFF2-40B4-BE49-F238E27FC236}">
-                  <a16:creationId xmlns:a16="http://schemas.microsoft.com/office/drawing/2014/main" xmlns="" id="{7C74DC56-20F5-4AFB-A210-14B67853BA83}"/>
+                  <a16:creationId xmlns:a16="http://schemas.microsoft.com/office/drawing/2014/main" id="{7C74DC56-20F5-4AFB-A210-14B67853BA83}"/>
                 </a:ext>
               </a:extLst>
             </p:cNvPr>
@@ -13618,7 +13718,7 @@
             <p:cNvPr id="17" name="TextBox 16">
               <a:extLst>
                 <a:ext uri="{FF2B5EF4-FFF2-40B4-BE49-F238E27FC236}">
-                  <a16:creationId xmlns:a16="http://schemas.microsoft.com/office/drawing/2014/main" xmlns="" id="{671666E2-257E-4050-BFB2-29EA59E47798}"/>
+                  <a16:creationId xmlns:a16="http://schemas.microsoft.com/office/drawing/2014/main" id="{671666E2-257E-4050-BFB2-29EA59E47798}"/>
                 </a:ext>
               </a:extLst>
             </p:cNvPr>
@@ -13642,16 +13742,12 @@
             <a:lstStyle/>
             <a:p>
               <a:r>
-                <a:rPr lang="ko-KR" altLang="en-US" sz="2800" spc="-300" dirty="0" smtClean="0">
+                <a:rPr lang="ko-KR" altLang="en-US" sz="2800" spc="-300" dirty="0">
                   <a:latin typeface="HY헤드라인M" panose="02030600000101010101" pitchFamily="18" charset="-127"/>
                   <a:ea typeface="HY헤드라인M" panose="02030600000101010101" pitchFamily="18" charset="-127"/>
                 </a:rPr>
                 <a:t>주요 코드</a:t>
               </a:r>
-              <a:endParaRPr lang="ko-KR" altLang="en-US" sz="2800" spc="-300" dirty="0">
-                <a:latin typeface="HY헤드라인M" panose="02030600000101010101" pitchFamily="18" charset="-127"/>
-                <a:ea typeface="HY헤드라인M" panose="02030600000101010101" pitchFamily="18" charset="-127"/>
-              </a:endParaRPr>
             </a:p>
           </p:txBody>
         </p:sp>
@@ -13661,7 +13757,7 @@
           <p:cNvPr id="19" name="TextBox 18">
             <a:extLst>
               <a:ext uri="{FF2B5EF4-FFF2-40B4-BE49-F238E27FC236}">
-                <a16:creationId xmlns:a16="http://schemas.microsoft.com/office/drawing/2014/main" xmlns="" id="{B3739FF4-DF64-4F33-8C1D-3E3A028575DD}"/>
+                <a16:creationId xmlns:a16="http://schemas.microsoft.com/office/drawing/2014/main" id="{B3739FF4-DF64-4F33-8C1D-3E3A028575DD}"/>
               </a:ext>
             </a:extLst>
           </p:cNvPr>
@@ -13738,7 +13834,7 @@
           <p:cNvPr id="18" name="그룹 17">
             <a:extLst>
               <a:ext uri="{FF2B5EF4-FFF2-40B4-BE49-F238E27FC236}">
-                <a16:creationId xmlns:a16="http://schemas.microsoft.com/office/drawing/2014/main" xmlns="" id="{14F24966-B1AB-4691-B041-A9786E6A72D8}"/>
+                <a16:creationId xmlns:a16="http://schemas.microsoft.com/office/drawing/2014/main" id="{14F24966-B1AB-4691-B041-A9786E6A72D8}"/>
               </a:ext>
             </a:extLst>
           </p:cNvPr>
@@ -13758,7 +13854,7 @@
             <p:cNvPr id="20" name="TextBox 19">
               <a:extLst>
                 <a:ext uri="{FF2B5EF4-FFF2-40B4-BE49-F238E27FC236}">
-                  <a16:creationId xmlns:a16="http://schemas.microsoft.com/office/drawing/2014/main" xmlns="" id="{7C74DC56-20F5-4AFB-A210-14B67853BA83}"/>
+                  <a16:creationId xmlns:a16="http://schemas.microsoft.com/office/drawing/2014/main" id="{7C74DC56-20F5-4AFB-A210-14B67853BA83}"/>
                 </a:ext>
               </a:extLst>
             </p:cNvPr>
@@ -13810,7 +13906,7 @@
             <p:cNvPr id="21" name="TextBox 20">
               <a:extLst>
                 <a:ext uri="{FF2B5EF4-FFF2-40B4-BE49-F238E27FC236}">
-                  <a16:creationId xmlns:a16="http://schemas.microsoft.com/office/drawing/2014/main" xmlns="" id="{671666E2-257E-4050-BFB2-29EA59E47798}"/>
+                  <a16:creationId xmlns:a16="http://schemas.microsoft.com/office/drawing/2014/main" id="{671666E2-257E-4050-BFB2-29EA59E47798}"/>
                 </a:ext>
               </a:extLst>
             </p:cNvPr>
@@ -13834,16 +13930,12 @@
             <a:lstStyle/>
             <a:p>
               <a:r>
-                <a:rPr lang="ko-KR" altLang="en-US" sz="2800" spc="-300" dirty="0" smtClean="0">
+                <a:rPr lang="ko-KR" altLang="en-US" sz="2800" spc="-300" dirty="0">
                   <a:latin typeface="HY헤드라인M" panose="02030600000101010101" pitchFamily="18" charset="-127"/>
                   <a:ea typeface="HY헤드라인M" panose="02030600000101010101" pitchFamily="18" charset="-127"/>
                 </a:rPr>
                 <a:t>시연</a:t>
               </a:r>
-              <a:endParaRPr lang="ko-KR" altLang="en-US" sz="2800" spc="-300" dirty="0">
-                <a:latin typeface="HY헤드라인M" panose="02030600000101010101" pitchFamily="18" charset="-127"/>
-                <a:ea typeface="HY헤드라인M" panose="02030600000101010101" pitchFamily="18" charset="-127"/>
-              </a:endParaRPr>
             </a:p>
           </p:txBody>
         </p:sp>
@@ -13858,25 +13950,18 @@
   <p:clrMapOvr>
     <a:masterClrMapping/>
   </p:clrMapOvr>
-  <mc:AlternateContent xmlns:mc="http://schemas.openxmlformats.org/markup-compatibility/2006">
-    <mc:Choice xmlns:p159="http://schemas.microsoft.com/office/powerpoint/2015/09/main" xmlns="" Requires="p159">
+  <mc:AlternateContent xmlns:mc="http://schemas.openxmlformats.org/markup-compatibility/2006" xmlns:p159="http://schemas.microsoft.com/office/powerpoint/2015/09/main">
+    <mc:Choice Requires="p159">
       <p:transition xmlns:p14="http://schemas.microsoft.com/office/powerpoint/2010/main" spd="slow" p14:dur="2000">
         <p159:morph option="byObject"/>
       </p:transition>
     </mc:Choice>
-    <mc:Fallback>
+    <mc:Fallback xmlns="">
       <p:transition spd="slow">
         <p:fade/>
       </p:transition>
     </mc:Fallback>
   </mc:AlternateContent>
-  <p:timing>
-    <p:tnLst>
-      <p:par>
-        <p:cTn id="1" dur="indefinite" restart="never" nodeType="tmRoot"/>
-      </p:par>
-    </p:tnLst>
-  </p:timing>
 </p:sld>
 </file>
 
@@ -13902,7 +13987,7 @@
           <p:cNvPr id="5" name="직사각형 4">
             <a:extLst>
               <a:ext uri="{FF2B5EF4-FFF2-40B4-BE49-F238E27FC236}">
-                <a16:creationId xmlns:a16="http://schemas.microsoft.com/office/drawing/2014/main" xmlns="" id="{41D38B16-140D-43D2-97DF-A3A63699995D}"/>
+                <a16:creationId xmlns:a16="http://schemas.microsoft.com/office/drawing/2014/main" id="{41D38B16-140D-43D2-97DF-A3A63699995D}"/>
               </a:ext>
             </a:extLst>
           </p:cNvPr>
@@ -13954,7 +14039,7 @@
           <p:cNvPr id="2" name="직선 연결선 1">
             <a:extLst>
               <a:ext uri="{FF2B5EF4-FFF2-40B4-BE49-F238E27FC236}">
-                <a16:creationId xmlns:a16="http://schemas.microsoft.com/office/drawing/2014/main" xmlns="" id="{4B62E7D8-2355-44BA-A245-B5774C0B2832}"/>
+                <a16:creationId xmlns:a16="http://schemas.microsoft.com/office/drawing/2014/main" id="{4B62E7D8-2355-44BA-A245-B5774C0B2832}"/>
               </a:ext>
             </a:extLst>
           </p:cNvPr>
@@ -13999,7 +14084,7 @@
           <p:cNvPr id="3" name="TextBox 2">
             <a:extLst>
               <a:ext uri="{FF2B5EF4-FFF2-40B4-BE49-F238E27FC236}">
-                <a16:creationId xmlns:a16="http://schemas.microsoft.com/office/drawing/2014/main" xmlns="" id="{2D596F80-1369-418D-B79C-C48A2C2E6E06}"/>
+                <a16:creationId xmlns:a16="http://schemas.microsoft.com/office/drawing/2014/main" id="{2D596F80-1369-418D-B79C-C48A2C2E6E06}"/>
               </a:ext>
             </a:extLst>
           </p:cNvPr>
@@ -14023,7 +14108,7 @@
           <a:lstStyle/>
           <a:p>
             <a:r>
-              <a:rPr lang="ko-KR" altLang="en-US" sz="3600" spc="-300" dirty="0" smtClean="0">
+              <a:rPr lang="ko-KR" altLang="en-US" sz="3600" spc="-300" dirty="0">
                 <a:solidFill>
                   <a:schemeClr val="bg1"/>
                 </a:solidFill>
@@ -14032,13 +14117,6 @@
               </a:rPr>
               <a:t>데이터 추가</a:t>
             </a:r>
-            <a:endParaRPr lang="ko-KR" altLang="en-US" sz="3600" spc="-300" dirty="0">
-              <a:solidFill>
-                <a:schemeClr val="bg1"/>
-              </a:solidFill>
-              <a:latin typeface="HY헤드라인M" panose="02030600000101010101" pitchFamily="18" charset="-127"/>
-              <a:ea typeface="HY헤드라인M" panose="02030600000101010101" pitchFamily="18" charset="-127"/>
-            </a:endParaRPr>
           </a:p>
         </p:txBody>
       </p:sp>
@@ -14047,7 +14125,7 @@
           <p:cNvPr id="4" name="TextBox 3">
             <a:extLst>
               <a:ext uri="{FF2B5EF4-FFF2-40B4-BE49-F238E27FC236}">
-                <a16:creationId xmlns:a16="http://schemas.microsoft.com/office/drawing/2014/main" xmlns="" id="{583141B7-5F35-43CF-8319-4DAC989EB771}"/>
+                <a16:creationId xmlns:a16="http://schemas.microsoft.com/office/drawing/2014/main" id="{583141B7-5F35-43CF-8319-4DAC989EB771}"/>
               </a:ext>
             </a:extLst>
           </p:cNvPr>
@@ -14076,15 +14154,7 @@
                   <a:schemeClr val="bg1"/>
                 </a:solidFill>
               </a:rPr>
-              <a:t>Part </a:t>
-            </a:r>
-            <a:r>
-              <a:rPr lang="en-US" altLang="ko-KR" sz="3600" dirty="0" smtClean="0">
-                <a:solidFill>
-                  <a:schemeClr val="bg1"/>
-                </a:solidFill>
-              </a:rPr>
-              <a:t>3</a:t>
+              <a:t>Part 3</a:t>
             </a:r>
             <a:endParaRPr lang="ko-KR" altLang="en-US" sz="3600" dirty="0">
               <a:solidFill>
@@ -14253,14 +14323,13 @@
           <a:lstStyle/>
           <a:p>
             <a:r>
-              <a:rPr lang="en-US" altLang="ko-KR" dirty="0" smtClean="0"/>
+              <a:rPr lang="en-US" altLang="ko-KR" dirty="0"/>
               <a:t>Insert </a:t>
             </a:r>
             <a:r>
-              <a:rPr lang="ko-KR" altLang="en-US" dirty="0" smtClean="0"/>
+              <a:rPr lang="ko-KR" altLang="en-US" dirty="0"/>
               <a:t>쿼리문</a:t>
             </a:r>
-            <a:endParaRPr lang="ko-KR" altLang="en-US" dirty="0"/>
           </a:p>
         </p:txBody>
       </p:sp>
@@ -14274,13 +14343,13 @@
   <p:clrMapOvr>
     <a:masterClrMapping/>
   </p:clrMapOvr>
-  <mc:AlternateContent xmlns:mc="http://schemas.openxmlformats.org/markup-compatibility/2006">
-    <mc:Choice xmlns:p159="http://schemas.microsoft.com/office/powerpoint/2015/09/main" xmlns="" Requires="p159">
+  <mc:AlternateContent xmlns:mc="http://schemas.openxmlformats.org/markup-compatibility/2006" xmlns:p159="http://schemas.microsoft.com/office/powerpoint/2015/09/main">
+    <mc:Choice Requires="p159">
       <p:transition xmlns:p14="http://schemas.microsoft.com/office/powerpoint/2010/main" spd="slow" p14:dur="2000">
         <p159:morph option="byObject"/>
       </p:transition>
     </mc:Choice>
-    <mc:Fallback>
+    <mc:Fallback xmlns="">
       <p:transition spd="slow">
         <p:fade/>
       </p:transition>
@@ -14619,7 +14688,7 @@
           <p:cNvPr id="5" name="직사각형 4">
             <a:extLst>
               <a:ext uri="{FF2B5EF4-FFF2-40B4-BE49-F238E27FC236}">
-                <a16:creationId xmlns:a16="http://schemas.microsoft.com/office/drawing/2014/main" xmlns="" id="{41D38B16-140D-43D2-97DF-A3A63699995D}"/>
+                <a16:creationId xmlns:a16="http://schemas.microsoft.com/office/drawing/2014/main" id="{41D38B16-140D-43D2-97DF-A3A63699995D}"/>
               </a:ext>
             </a:extLst>
           </p:cNvPr>
@@ -14671,7 +14740,7 @@
           <p:cNvPr id="2" name="직선 연결선 1">
             <a:extLst>
               <a:ext uri="{FF2B5EF4-FFF2-40B4-BE49-F238E27FC236}">
-                <a16:creationId xmlns:a16="http://schemas.microsoft.com/office/drawing/2014/main" xmlns="" id="{4B62E7D8-2355-44BA-A245-B5774C0B2832}"/>
+                <a16:creationId xmlns:a16="http://schemas.microsoft.com/office/drawing/2014/main" id="{4B62E7D8-2355-44BA-A245-B5774C0B2832}"/>
               </a:ext>
             </a:extLst>
           </p:cNvPr>
@@ -14716,7 +14785,7 @@
           <p:cNvPr id="4" name="TextBox 3">
             <a:extLst>
               <a:ext uri="{FF2B5EF4-FFF2-40B4-BE49-F238E27FC236}">
-                <a16:creationId xmlns:a16="http://schemas.microsoft.com/office/drawing/2014/main" xmlns="" id="{583141B7-5F35-43CF-8319-4DAC989EB771}"/>
+                <a16:creationId xmlns:a16="http://schemas.microsoft.com/office/drawing/2014/main" id="{583141B7-5F35-43CF-8319-4DAC989EB771}"/>
               </a:ext>
             </a:extLst>
           </p:cNvPr>
@@ -14745,15 +14814,7 @@
                   <a:schemeClr val="bg1"/>
                 </a:solidFill>
               </a:rPr>
-              <a:t>Part </a:t>
-            </a:r>
-            <a:r>
-              <a:rPr lang="en-US" altLang="ko-KR" sz="3600" dirty="0" smtClean="0">
-                <a:solidFill>
-                  <a:schemeClr val="bg1"/>
-                </a:solidFill>
-              </a:rPr>
-              <a:t>3 </a:t>
+              <a:t>Part 3 </a:t>
             </a:r>
             <a:endParaRPr lang="ko-KR" altLang="en-US" sz="3600" dirty="0">
               <a:solidFill>
@@ -14768,7 +14829,7 @@
           <p:cNvPr id="13" name="그래픽 12" descr="기어가는">
             <a:extLst>
               <a:ext uri="{FF2B5EF4-FFF2-40B4-BE49-F238E27FC236}">
-                <a16:creationId xmlns:a16="http://schemas.microsoft.com/office/drawing/2014/main" xmlns="" id="{2AB1D530-320B-4AC5-8304-C9C2F90D7046}"/>
+                <a16:creationId xmlns:a16="http://schemas.microsoft.com/office/drawing/2014/main" id="{2AB1D530-320B-4AC5-8304-C9C2F90D7046}"/>
               </a:ext>
             </a:extLst>
           </p:cNvPr>
@@ -14784,7 +14845,7 @@
                 <a14:useLocalDpi xmlns:a14="http://schemas.microsoft.com/office/drawing/2010/main" val="0"/>
               </a:ext>
               <a:ext uri="{96DAC541-7B7A-43D3-8B79-37D633B846F1}">
-                <asvg:svgBlip xmlns:asvg="http://schemas.microsoft.com/office/drawing/2016/SVG/main" xmlns="" r:embed="rId3"/>
+                <asvg:svgBlip xmlns:asvg="http://schemas.microsoft.com/office/drawing/2016/SVG/main" r:embed="rId3"/>
               </a:ext>
             </a:extLst>
           </a:blip>
@@ -14807,7 +14868,7 @@
           <p:cNvPr id="15" name="TextBox 14">
             <a:extLst>
               <a:ext uri="{FF2B5EF4-FFF2-40B4-BE49-F238E27FC236}">
-                <a16:creationId xmlns:a16="http://schemas.microsoft.com/office/drawing/2014/main" xmlns="" id="{2D596F80-1369-418D-B79C-C48A2C2E6E06}"/>
+                <a16:creationId xmlns:a16="http://schemas.microsoft.com/office/drawing/2014/main" id="{2D596F80-1369-418D-B79C-C48A2C2E6E06}"/>
               </a:ext>
             </a:extLst>
           </p:cNvPr>
@@ -14831,7 +14892,7 @@
           <a:lstStyle/>
           <a:p>
             <a:r>
-              <a:rPr lang="ko-KR" altLang="en-US" sz="3600" spc="400" smtClean="0">
+              <a:rPr lang="ko-KR" altLang="en-US" sz="3600" spc="400">
                 <a:solidFill>
                   <a:schemeClr val="bg1"/>
                 </a:solidFill>
@@ -14985,25 +15046,20 @@
           <a:p>
             <a:r>
               <a:rPr lang="en-US" altLang="ko-KR" dirty="0"/>
-              <a:t>s</a:t>
-            </a:r>
-            <a:r>
-              <a:rPr lang="en-US" altLang="ko-KR" dirty="0" smtClean="0"/>
-              <a:t>elect</a:t>
-            </a:r>
-            <a:r>
-              <a:rPr lang="ko-KR" altLang="en-US" dirty="0" smtClean="0"/>
+              <a:t>select</a:t>
+            </a:r>
+            <a:r>
+              <a:rPr lang="ko-KR" altLang="en-US" dirty="0"/>
               <a:t>를 통해 </a:t>
             </a:r>
             <a:r>
-              <a:rPr lang="en-US" altLang="ko-KR" dirty="0" smtClean="0"/>
+              <a:rPr lang="en-US" altLang="ko-KR" dirty="0"/>
               <a:t>movie </a:t>
             </a:r>
             <a:r>
-              <a:rPr lang="ko-KR" altLang="en-US" dirty="0" smtClean="0"/>
+              <a:rPr lang="ko-KR" altLang="en-US" dirty="0"/>
               <a:t>테이블 안에 있는 데이터 검색</a:t>
             </a:r>
-            <a:endParaRPr lang="ko-KR" altLang="en-US" dirty="0"/>
           </a:p>
         </p:txBody>
       </p:sp>
@@ -15017,13 +15073,13 @@
   <p:clrMapOvr>
     <a:masterClrMapping/>
   </p:clrMapOvr>
-  <mc:AlternateContent xmlns:mc="http://schemas.openxmlformats.org/markup-compatibility/2006">
-    <mc:Choice xmlns:p159="http://schemas.microsoft.com/office/powerpoint/2015/09/main" xmlns="" Requires="p159">
+  <mc:AlternateContent xmlns:mc="http://schemas.openxmlformats.org/markup-compatibility/2006" xmlns:p159="http://schemas.microsoft.com/office/powerpoint/2015/09/main">
+    <mc:Choice Requires="p159">
       <p:transition xmlns:p14="http://schemas.microsoft.com/office/powerpoint/2010/main" spd="slow" p14:dur="2000">
         <p159:morph option="byObject"/>
       </p:transition>
     </mc:Choice>
-    <mc:Fallback>
+    <mc:Fallback xmlns="">
       <p:transition spd="slow">
         <p:fade/>
       </p:transition>
@@ -15328,7 +15384,7 @@
           <p:cNvPr id="5" name="직사각형 4">
             <a:extLst>
               <a:ext uri="{FF2B5EF4-FFF2-40B4-BE49-F238E27FC236}">
-                <a16:creationId xmlns:a16="http://schemas.microsoft.com/office/drawing/2014/main" xmlns="" id="{41D38B16-140D-43D2-97DF-A3A63699995D}"/>
+                <a16:creationId xmlns:a16="http://schemas.microsoft.com/office/drawing/2014/main" id="{41D38B16-140D-43D2-97DF-A3A63699995D}"/>
               </a:ext>
             </a:extLst>
           </p:cNvPr>
@@ -15380,7 +15436,7 @@
           <p:cNvPr id="2" name="직선 연결선 1">
             <a:extLst>
               <a:ext uri="{FF2B5EF4-FFF2-40B4-BE49-F238E27FC236}">
-                <a16:creationId xmlns:a16="http://schemas.microsoft.com/office/drawing/2014/main" xmlns="" id="{4B62E7D8-2355-44BA-A245-B5774C0B2832}"/>
+                <a16:creationId xmlns:a16="http://schemas.microsoft.com/office/drawing/2014/main" id="{4B62E7D8-2355-44BA-A245-B5774C0B2832}"/>
               </a:ext>
             </a:extLst>
           </p:cNvPr>
@@ -15425,7 +15481,7 @@
           <p:cNvPr id="4" name="TextBox 3">
             <a:extLst>
               <a:ext uri="{FF2B5EF4-FFF2-40B4-BE49-F238E27FC236}">
-                <a16:creationId xmlns:a16="http://schemas.microsoft.com/office/drawing/2014/main" xmlns="" id="{583141B7-5F35-43CF-8319-4DAC989EB771}"/>
+                <a16:creationId xmlns:a16="http://schemas.microsoft.com/office/drawing/2014/main" id="{583141B7-5F35-43CF-8319-4DAC989EB771}"/>
               </a:ext>
             </a:extLst>
           </p:cNvPr>
@@ -15454,15 +15510,7 @@
                   <a:schemeClr val="bg1"/>
                 </a:solidFill>
               </a:rPr>
-              <a:t>Part </a:t>
-            </a:r>
-            <a:r>
-              <a:rPr lang="en-US" altLang="ko-KR" sz="3600" dirty="0" smtClean="0">
-                <a:solidFill>
-                  <a:schemeClr val="bg1"/>
-                </a:solidFill>
-              </a:rPr>
-              <a:t>3 </a:t>
+              <a:t>Part 3 </a:t>
             </a:r>
             <a:endParaRPr lang="ko-KR" altLang="en-US" sz="3600" dirty="0">
               <a:solidFill>
@@ -15477,7 +15525,7 @@
           <p:cNvPr id="13" name="그래픽 12" descr="기어가는">
             <a:extLst>
               <a:ext uri="{FF2B5EF4-FFF2-40B4-BE49-F238E27FC236}">
-                <a16:creationId xmlns:a16="http://schemas.microsoft.com/office/drawing/2014/main" xmlns="" id="{2AB1D530-320B-4AC5-8304-C9C2F90D7046}"/>
+                <a16:creationId xmlns:a16="http://schemas.microsoft.com/office/drawing/2014/main" id="{2AB1D530-320B-4AC5-8304-C9C2F90D7046}"/>
               </a:ext>
             </a:extLst>
           </p:cNvPr>
@@ -15493,7 +15541,7 @@
                 <a14:useLocalDpi xmlns:a14="http://schemas.microsoft.com/office/drawing/2010/main" val="0"/>
               </a:ext>
               <a:ext uri="{96DAC541-7B7A-43D3-8B79-37D633B846F1}">
-                <asvg:svgBlip xmlns:asvg="http://schemas.microsoft.com/office/drawing/2016/SVG/main" xmlns="" r:embed="rId3"/>
+                <asvg:svgBlip xmlns:asvg="http://schemas.microsoft.com/office/drawing/2016/SVG/main" r:embed="rId3"/>
               </a:ext>
             </a:extLst>
           </a:blip>
@@ -15516,7 +15564,7 @@
           <p:cNvPr id="15" name="TextBox 14">
             <a:extLst>
               <a:ext uri="{FF2B5EF4-FFF2-40B4-BE49-F238E27FC236}">
-                <a16:creationId xmlns:a16="http://schemas.microsoft.com/office/drawing/2014/main" xmlns="" id="{2D596F80-1369-418D-B79C-C48A2C2E6E06}"/>
+                <a16:creationId xmlns:a16="http://schemas.microsoft.com/office/drawing/2014/main" id="{2D596F80-1369-418D-B79C-C48A2C2E6E06}"/>
               </a:ext>
             </a:extLst>
           </p:cNvPr>
@@ -15540,7 +15588,7 @@
           <a:lstStyle/>
           <a:p>
             <a:r>
-              <a:rPr lang="ko-KR" altLang="en-US" sz="3600" spc="400" dirty="0" smtClean="0">
+              <a:rPr lang="ko-KR" altLang="en-US" sz="3600" spc="400" dirty="0">
                 <a:solidFill>
                   <a:schemeClr val="bg1"/>
                 </a:solidFill>
@@ -15549,13 +15597,6 @@
               </a:rPr>
               <a:t>데이터 수정</a:t>
             </a:r>
-            <a:endParaRPr lang="ko-KR" altLang="en-US" sz="3600" spc="400" dirty="0">
-              <a:solidFill>
-                <a:schemeClr val="bg1"/>
-              </a:solidFill>
-              <a:latin typeface="HY헤드라인M" panose="02030600000101010101" pitchFamily="18" charset="-127"/>
-              <a:ea typeface="HY헤드라인M" panose="02030600000101010101" pitchFamily="18" charset="-127"/>
-            </a:endParaRPr>
           </a:p>
         </p:txBody>
       </p:sp>
@@ -15717,99 +15758,75 @@
           </a:bodyPr>
           <a:lstStyle/>
           <a:p>
-            <a:endParaRPr lang="en-US" altLang="ko-KR" dirty="0" smtClean="0"/>
-          </a:p>
-          <a:p>
-            <a:r>
-              <a:rPr lang="ko-KR" altLang="en-US" dirty="0" smtClean="0"/>
+            <a:endParaRPr lang="en-US" altLang="ko-KR" dirty="0"/>
+          </a:p>
+          <a:p>
+            <a:r>
+              <a:rPr lang="ko-KR" altLang="en-US" dirty="0"/>
               <a:t>감독 </a:t>
             </a:r>
             <a:r>
-              <a:rPr lang="en-US" altLang="ko-KR" dirty="0" smtClean="0"/>
+              <a:rPr lang="en-US" altLang="ko-KR" dirty="0"/>
               <a:t>: updateDirect , director</a:t>
             </a:r>
           </a:p>
           <a:p>
             <a:r>
-              <a:rPr lang="ko-KR" altLang="en-US" dirty="0" smtClean="0"/>
+              <a:rPr lang="ko-KR" altLang="en-US" dirty="0"/>
               <a:t>장르 </a:t>
             </a:r>
             <a:r>
-              <a:rPr lang="en-US" altLang="ko-KR" dirty="0" smtClean="0"/>
-              <a:t>: updateSummary</a:t>
-            </a:r>
-            <a:r>
               <a:rPr lang="en-US" altLang="ko-KR" dirty="0"/>
-              <a:t> </a:t>
-            </a:r>
-            <a:r>
-              <a:rPr lang="en-US" altLang="ko-KR" dirty="0" smtClean="0"/>
-              <a:t>, summary</a:t>
-            </a:r>
-          </a:p>
-          <a:p>
-            <a:r>
-              <a:rPr lang="ko-KR" altLang="en-US" dirty="0" smtClean="0"/>
+              <a:t>: updateSummary , summary</a:t>
+            </a:r>
+          </a:p>
+          <a:p>
+            <a:r>
+              <a:rPr lang="ko-KR" altLang="en-US" dirty="0"/>
               <a:t>상영시간 </a:t>
             </a:r>
             <a:r>
-              <a:rPr lang="en-US" altLang="ko-KR" dirty="0" smtClean="0"/>
-              <a:t>: updateTime</a:t>
-            </a:r>
-            <a:r>
               <a:rPr lang="en-US" altLang="ko-KR" dirty="0"/>
-              <a:t> </a:t>
-            </a:r>
-            <a:r>
-              <a:rPr lang="en-US" altLang="ko-KR" dirty="0" smtClean="0"/>
-              <a:t>, time</a:t>
-            </a:r>
-          </a:p>
-          <a:p>
-            <a:r>
-              <a:rPr lang="ko-KR" altLang="en-US" dirty="0" smtClean="0"/>
+              <a:t>: updateTime , time</a:t>
+            </a:r>
+          </a:p>
+          <a:p>
+            <a:r>
+              <a:rPr lang="ko-KR" altLang="en-US" dirty="0"/>
               <a:t>배우 </a:t>
             </a:r>
             <a:r>
-              <a:rPr lang="en-US" altLang="ko-KR" dirty="0" smtClean="0"/>
-              <a:t>: updateActor</a:t>
-            </a:r>
-            <a:r>
               <a:rPr lang="en-US" altLang="ko-KR" dirty="0"/>
-              <a:t> </a:t>
-            </a:r>
-            <a:r>
-              <a:rPr lang="en-US" altLang="ko-KR" dirty="0" smtClean="0"/>
-              <a:t>, performer</a:t>
-            </a:r>
-          </a:p>
-          <a:p>
-            <a:r>
-              <a:rPr lang="ko-KR" altLang="en-US" dirty="0" smtClean="0"/>
+              <a:t>: updateActor , performer</a:t>
+            </a:r>
+          </a:p>
+          <a:p>
+            <a:r>
+              <a:rPr lang="ko-KR" altLang="en-US" dirty="0"/>
               <a:t>평점 </a:t>
             </a:r>
             <a:r>
-              <a:rPr lang="en-US" altLang="ko-KR" dirty="0" smtClean="0"/>
+              <a:rPr lang="en-US" altLang="ko-KR" dirty="0"/>
               <a:t>: updateScore , score</a:t>
             </a:r>
           </a:p>
           <a:p>
             <a:r>
-              <a:rPr lang="ko-KR" altLang="en-US" dirty="0" smtClean="0"/>
+              <a:rPr lang="ko-KR" altLang="en-US" dirty="0"/>
               <a:t>개봉일 </a:t>
             </a:r>
             <a:r>
-              <a:rPr lang="en-US" altLang="ko-KR" dirty="0" smtClean="0"/>
+              <a:rPr lang="en-US" altLang="ko-KR" dirty="0"/>
               <a:t>: updateDate , date</a:t>
             </a:r>
           </a:p>
           <a:p>
             <a:r>
-              <a:rPr lang="ko-KR" altLang="en-US" dirty="0" smtClean="0"/>
+              <a:rPr lang="ko-KR" altLang="en-US" dirty="0"/>
               <a:t>상영등급 </a:t>
             </a:r>
             <a:r>
-              <a:rPr lang="en-US" altLang="ko-KR" dirty="0" smtClean="0"/>
+              <a:rPr lang="en-US" altLang="ko-KR" dirty="0"/>
               <a:t>: updateRate , rate</a:t>
             </a:r>
             <a:endParaRPr lang="ko-KR" altLang="en-US" dirty="0"/>
@@ -16048,11 +16065,7 @@
           <a:p>
             <a:r>
               <a:rPr lang="ko-KR" altLang="en-US" dirty="0"/>
-              <a:t>데이터 업데이트 </a:t>
-            </a:r>
-            <a:r>
-              <a:rPr lang="ko-KR" altLang="en-US" dirty="0" smtClean="0"/>
-              <a:t>쿼리문</a:t>
+              <a:t>데이터 업데이트 쿼리문</a:t>
             </a:r>
             <a:endParaRPr lang="en-US" altLang="ko-KR" dirty="0"/>
           </a:p>
@@ -16068,13 +16081,13 @@
   <p:clrMapOvr>
     <a:masterClrMapping/>
   </p:clrMapOvr>
-  <mc:AlternateContent xmlns:mc="http://schemas.openxmlformats.org/markup-compatibility/2006">
-    <mc:Choice xmlns:p159="http://schemas.microsoft.com/office/powerpoint/2015/09/main" xmlns="" Requires="p159">
+  <mc:AlternateContent xmlns:mc="http://schemas.openxmlformats.org/markup-compatibility/2006" xmlns:p159="http://schemas.microsoft.com/office/powerpoint/2015/09/main">
+    <mc:Choice Requires="p159">
       <p:transition xmlns:p14="http://schemas.microsoft.com/office/powerpoint/2010/main" spd="slow" p14:dur="2000">
         <p159:morph option="byObject"/>
       </p:transition>
     </mc:Choice>
-    <mc:Fallback>
+    <mc:Fallback xmlns="">
       <p:transition spd="slow">
         <p:fade/>
       </p:transition>
@@ -16739,7 +16752,7 @@
           <p:cNvPr id="5" name="직사각형 4">
             <a:extLst>
               <a:ext uri="{FF2B5EF4-FFF2-40B4-BE49-F238E27FC236}">
-                <a16:creationId xmlns:a16="http://schemas.microsoft.com/office/drawing/2014/main" xmlns="" id="{41D38B16-140D-43D2-97DF-A3A63699995D}"/>
+                <a16:creationId xmlns:a16="http://schemas.microsoft.com/office/drawing/2014/main" id="{41D38B16-140D-43D2-97DF-A3A63699995D}"/>
               </a:ext>
             </a:extLst>
           </p:cNvPr>
@@ -16791,7 +16804,7 @@
           <p:cNvPr id="2" name="직선 연결선 1">
             <a:extLst>
               <a:ext uri="{FF2B5EF4-FFF2-40B4-BE49-F238E27FC236}">
-                <a16:creationId xmlns:a16="http://schemas.microsoft.com/office/drawing/2014/main" xmlns="" id="{4B62E7D8-2355-44BA-A245-B5774C0B2832}"/>
+                <a16:creationId xmlns:a16="http://schemas.microsoft.com/office/drawing/2014/main" id="{4B62E7D8-2355-44BA-A245-B5774C0B2832}"/>
               </a:ext>
             </a:extLst>
           </p:cNvPr>
@@ -16836,7 +16849,7 @@
           <p:cNvPr id="4" name="TextBox 3">
             <a:extLst>
               <a:ext uri="{FF2B5EF4-FFF2-40B4-BE49-F238E27FC236}">
-                <a16:creationId xmlns:a16="http://schemas.microsoft.com/office/drawing/2014/main" xmlns="" id="{583141B7-5F35-43CF-8319-4DAC989EB771}"/>
+                <a16:creationId xmlns:a16="http://schemas.microsoft.com/office/drawing/2014/main" id="{583141B7-5F35-43CF-8319-4DAC989EB771}"/>
               </a:ext>
             </a:extLst>
           </p:cNvPr>
@@ -16865,15 +16878,7 @@
                   <a:schemeClr val="bg1"/>
                 </a:solidFill>
               </a:rPr>
-              <a:t>Part </a:t>
-            </a:r>
-            <a:r>
-              <a:rPr lang="en-US" altLang="ko-KR" sz="3600" dirty="0" smtClean="0">
-                <a:solidFill>
-                  <a:schemeClr val="bg1"/>
-                </a:solidFill>
-              </a:rPr>
-              <a:t>3 </a:t>
+              <a:t>Part 3 </a:t>
             </a:r>
             <a:endParaRPr lang="ko-KR" altLang="en-US" sz="3600" dirty="0">
               <a:solidFill>
@@ -16888,7 +16893,7 @@
           <p:cNvPr id="13" name="그래픽 12" descr="기어가는">
             <a:extLst>
               <a:ext uri="{FF2B5EF4-FFF2-40B4-BE49-F238E27FC236}">
-                <a16:creationId xmlns:a16="http://schemas.microsoft.com/office/drawing/2014/main" xmlns="" id="{2AB1D530-320B-4AC5-8304-C9C2F90D7046}"/>
+                <a16:creationId xmlns:a16="http://schemas.microsoft.com/office/drawing/2014/main" id="{2AB1D530-320B-4AC5-8304-C9C2F90D7046}"/>
               </a:ext>
             </a:extLst>
           </p:cNvPr>
@@ -16904,7 +16909,7 @@
                 <a14:useLocalDpi xmlns:a14="http://schemas.microsoft.com/office/drawing/2010/main" val="0"/>
               </a:ext>
               <a:ext uri="{96DAC541-7B7A-43D3-8B79-37D633B846F1}">
-                <asvg:svgBlip xmlns:asvg="http://schemas.microsoft.com/office/drawing/2016/SVG/main" xmlns="" r:embed="rId3"/>
+                <asvg:svgBlip xmlns:asvg="http://schemas.microsoft.com/office/drawing/2016/SVG/main" r:embed="rId3"/>
               </a:ext>
             </a:extLst>
           </a:blip>
@@ -16927,7 +16932,7 @@
           <p:cNvPr id="15" name="TextBox 14">
             <a:extLst>
               <a:ext uri="{FF2B5EF4-FFF2-40B4-BE49-F238E27FC236}">
-                <a16:creationId xmlns:a16="http://schemas.microsoft.com/office/drawing/2014/main" xmlns="" id="{2D596F80-1369-418D-B79C-C48A2C2E6E06}"/>
+                <a16:creationId xmlns:a16="http://schemas.microsoft.com/office/drawing/2014/main" id="{2D596F80-1369-418D-B79C-C48A2C2E6E06}"/>
               </a:ext>
             </a:extLst>
           </p:cNvPr>
@@ -16950,16 +16955,6 @@
           </a:bodyPr>
           <a:lstStyle/>
           <a:p>
-            <a:r>
-              <a:rPr lang="ko-KR" altLang="en-US" sz="3600" spc="400" dirty="0" smtClean="0">
-                <a:solidFill>
-                  <a:schemeClr val="bg1"/>
-                </a:solidFill>
-                <a:latin typeface="HY헤드라인M" panose="02030600000101010101" pitchFamily="18" charset="-127"/>
-                <a:ea typeface="HY헤드라인M" panose="02030600000101010101" pitchFamily="18" charset="-127"/>
-              </a:rPr>
-              <a:t>데이터 삭</a:t>
-            </a:r>
             <a:r>
               <a:rPr lang="ko-KR" altLang="en-US" sz="3600" spc="400" dirty="0">
                 <a:solidFill>
@@ -16968,7 +16963,7 @@
                 <a:latin typeface="HY헤드라인M" panose="02030600000101010101" pitchFamily="18" charset="-127"/>
                 <a:ea typeface="HY헤드라인M" panose="02030600000101010101" pitchFamily="18" charset="-127"/>
               </a:rPr>
-              <a:t>제</a:t>
+              <a:t>데이터 삭제</a:t>
             </a:r>
           </a:p>
         </p:txBody>
@@ -17179,17 +17174,12 @@
           <a:p>
             <a:r>
               <a:rPr lang="en-US" altLang="ko-KR" dirty="0"/>
-              <a:t>m</a:t>
-            </a:r>
-            <a:r>
-              <a:rPr lang="en-US" altLang="ko-KR" dirty="0" smtClean="0"/>
-              <a:t>ovie_id </a:t>
-            </a:r>
-            <a:r>
-              <a:rPr lang="ko-KR" altLang="en-US" dirty="0" smtClean="0"/>
+              <a:t>movie_id </a:t>
+            </a:r>
+            <a:r>
+              <a:rPr lang="ko-KR" altLang="en-US" dirty="0"/>
               <a:t>를 비교하여 데이터 삭제</a:t>
             </a:r>
-            <a:endParaRPr lang="ko-KR" altLang="en-US" dirty="0"/>
           </a:p>
         </p:txBody>
       </p:sp>
@@ -17203,13 +17193,13 @@
   <p:clrMapOvr>
     <a:masterClrMapping/>
   </p:clrMapOvr>
-  <mc:AlternateContent xmlns:mc="http://schemas.openxmlformats.org/markup-compatibility/2006">
-    <mc:Choice xmlns:p159="http://schemas.microsoft.com/office/powerpoint/2015/09/main" xmlns="" Requires="p159">
+  <mc:AlternateContent xmlns:mc="http://schemas.openxmlformats.org/markup-compatibility/2006" xmlns:p159="http://schemas.microsoft.com/office/powerpoint/2015/09/main">
+    <mc:Choice Requires="p159">
       <p:transition xmlns:p14="http://schemas.microsoft.com/office/powerpoint/2010/main" spd="slow" p14:dur="2000">
         <p159:morph option="byObject"/>
       </p:transition>
     </mc:Choice>
-    <mc:Fallback>
+    <mc:Fallback xmlns="">
       <p:transition spd="slow">
         <p:fade/>
       </p:transition>
@@ -17740,7 +17730,7 @@
           <p:cNvPr id="3" name="그림 2">
             <a:extLst>
               <a:ext uri="{FF2B5EF4-FFF2-40B4-BE49-F238E27FC236}">
-                <a16:creationId xmlns:a16="http://schemas.microsoft.com/office/drawing/2014/main" xmlns="" id="{331E3328-7827-40DC-A98E-27099393F654}"/>
+                <a16:creationId xmlns:a16="http://schemas.microsoft.com/office/drawing/2014/main" id="{331E3328-7827-40DC-A98E-27099393F654}"/>
               </a:ext>
             </a:extLst>
           </p:cNvPr>
@@ -17775,7 +17765,7 @@
           <p:cNvPr id="4" name="직사각형 3">
             <a:extLst>
               <a:ext uri="{FF2B5EF4-FFF2-40B4-BE49-F238E27FC236}">
-                <a16:creationId xmlns:a16="http://schemas.microsoft.com/office/drawing/2014/main" xmlns="" id="{A2CB756C-AFE0-4A41-9345-C56D5B3BB162}"/>
+                <a16:creationId xmlns:a16="http://schemas.microsoft.com/office/drawing/2014/main" id="{A2CB756C-AFE0-4A41-9345-C56D5B3BB162}"/>
               </a:ext>
             </a:extLst>
           </p:cNvPr>
@@ -17824,7 +17814,7 @@
           <p:cNvPr id="5" name="TextBox 4">
             <a:extLst>
               <a:ext uri="{FF2B5EF4-FFF2-40B4-BE49-F238E27FC236}">
-                <a16:creationId xmlns:a16="http://schemas.microsoft.com/office/drawing/2014/main" xmlns="" id="{63BB9625-5326-4AE0-B1B7-423C7954E7BE}"/>
+                <a16:creationId xmlns:a16="http://schemas.microsoft.com/office/drawing/2014/main" id="{63BB9625-5326-4AE0-B1B7-423C7954E7BE}"/>
               </a:ext>
             </a:extLst>
           </p:cNvPr>
@@ -17853,15 +17843,7 @@
                   <a:schemeClr val="bg1"/>
                 </a:solidFill>
               </a:rPr>
-              <a:t>Part </a:t>
-            </a:r>
-            <a:r>
-              <a:rPr lang="en-US" altLang="ko-KR" sz="5400" b="1" dirty="0" smtClean="0">
-                <a:solidFill>
-                  <a:schemeClr val="bg1"/>
-                </a:solidFill>
-              </a:rPr>
-              <a:t>4</a:t>
+              <a:t>Part 4</a:t>
             </a:r>
             <a:endParaRPr lang="ko-KR" altLang="en-US" sz="5400" b="1" dirty="0">
               <a:solidFill>
@@ -17876,7 +17858,7 @@
           <p:cNvPr id="8" name="TextBox 7">
             <a:extLst>
               <a:ext uri="{FF2B5EF4-FFF2-40B4-BE49-F238E27FC236}">
-                <a16:creationId xmlns:a16="http://schemas.microsoft.com/office/drawing/2014/main" xmlns="" id="{7AA86507-4D04-4762-9E20-1AA37506A84C}"/>
+                <a16:creationId xmlns:a16="http://schemas.microsoft.com/office/drawing/2014/main" id="{7AA86507-4D04-4762-9E20-1AA37506A84C}"/>
               </a:ext>
             </a:extLst>
           </p:cNvPr>
@@ -17953,7 +17935,7 @@
           <p:cNvPr id="9" name="TextBox 8">
             <a:extLst>
               <a:ext uri="{FF2B5EF4-FFF2-40B4-BE49-F238E27FC236}">
-                <a16:creationId xmlns:a16="http://schemas.microsoft.com/office/drawing/2014/main" xmlns="" id="{CE10D87E-0FC7-42DD-B63A-8F1C55EDC600}"/>
+                <a16:creationId xmlns:a16="http://schemas.microsoft.com/office/drawing/2014/main" id="{CE10D87E-0FC7-42DD-B63A-8F1C55EDC600}"/>
               </a:ext>
             </a:extLst>
           </p:cNvPr>
@@ -17978,7 +17960,7 @@
           <a:p>
             <a:pPr algn="ctr"/>
             <a:r>
-              <a:rPr lang="ko-KR" altLang="en-US" sz="6000" spc="-300" dirty="0" smtClean="0">
+              <a:rPr lang="ko-KR" altLang="en-US" sz="6000" spc="-300" dirty="0">
                 <a:solidFill>
                   <a:srgbClr val="02576C"/>
                 </a:solidFill>
@@ -17987,13 +17969,6 @@
               </a:rPr>
               <a:t>시연</a:t>
             </a:r>
-            <a:endParaRPr lang="ko-KR" altLang="en-US" sz="6000" spc="-300" dirty="0">
-              <a:solidFill>
-                <a:srgbClr val="02576C"/>
-              </a:solidFill>
-              <a:latin typeface="HY헤드라인M" panose="02030600000101010101" pitchFamily="18" charset="-127"/>
-              <a:ea typeface="HY헤드라인M" panose="02030600000101010101" pitchFamily="18" charset="-127"/>
-            </a:endParaRPr>
           </a:p>
         </p:txBody>
       </p:sp>
@@ -18007,25 +17982,18 @@
   <p:clrMapOvr>
     <a:masterClrMapping/>
   </p:clrMapOvr>
-  <mc:AlternateContent xmlns:mc="http://schemas.openxmlformats.org/markup-compatibility/2006">
-    <mc:Choice xmlns:p159="http://schemas.microsoft.com/office/powerpoint/2015/09/main" xmlns="" Requires="p159">
+  <mc:AlternateContent xmlns:mc="http://schemas.openxmlformats.org/markup-compatibility/2006" xmlns:p159="http://schemas.microsoft.com/office/powerpoint/2015/09/main">
+    <mc:Choice Requires="p159">
       <p:transition xmlns:p14="http://schemas.microsoft.com/office/powerpoint/2010/main" spd="slow" p14:dur="2000">
         <p159:morph option="byObject"/>
       </p:transition>
     </mc:Choice>
-    <mc:Fallback>
+    <mc:Fallback xmlns="">
       <p:transition spd="slow">
         <p:fade/>
       </p:transition>
     </mc:Fallback>
   </mc:AlternateContent>
-  <p:timing>
-    <p:tnLst>
-      <p:par>
-        <p:cTn id="1" dur="indefinite" restart="never" nodeType="tmRoot"/>
-      </p:par>
-    </p:tnLst>
-  </p:timing>
 </p:sld>
 </file>
 
@@ -18051,7 +18019,7 @@
           <p:cNvPr id="7" name="그림 6">
             <a:extLst>
               <a:ext uri="{FF2B5EF4-FFF2-40B4-BE49-F238E27FC236}">
-                <a16:creationId xmlns:a16="http://schemas.microsoft.com/office/drawing/2014/main" xmlns="" id="{695F8C0D-8C4A-4942-977F-0EA991A0C813}"/>
+                <a16:creationId xmlns:a16="http://schemas.microsoft.com/office/drawing/2014/main" id="{695F8C0D-8C4A-4942-977F-0EA991A0C813}"/>
               </a:ext>
             </a:extLst>
           </p:cNvPr>
@@ -18086,7 +18054,7 @@
           <p:cNvPr id="9" name="TextBox 8">
             <a:extLst>
               <a:ext uri="{FF2B5EF4-FFF2-40B4-BE49-F238E27FC236}">
-                <a16:creationId xmlns:a16="http://schemas.microsoft.com/office/drawing/2014/main" xmlns="" id="{8BFEFB14-5EAB-418E-BEB0-6E7D314AD966}"/>
+                <a16:creationId xmlns:a16="http://schemas.microsoft.com/office/drawing/2014/main" id="{8BFEFB14-5EAB-418E-BEB0-6E7D314AD966}"/>
               </a:ext>
             </a:extLst>
           </p:cNvPr>
@@ -18134,25 +18102,18 @@
   <p:clrMapOvr>
     <a:masterClrMapping/>
   </p:clrMapOvr>
-  <mc:AlternateContent xmlns:mc="http://schemas.openxmlformats.org/markup-compatibility/2006">
-    <mc:Choice xmlns:p159="http://schemas.microsoft.com/office/powerpoint/2015/09/main" xmlns="" Requires="p159">
+  <mc:AlternateContent xmlns:mc="http://schemas.openxmlformats.org/markup-compatibility/2006" xmlns:p159="http://schemas.microsoft.com/office/powerpoint/2015/09/main">
+    <mc:Choice Requires="p159">
       <p:transition xmlns:p14="http://schemas.microsoft.com/office/powerpoint/2010/main" spd="slow" p14:dur="2000">
         <p159:morph option="byObject"/>
       </p:transition>
     </mc:Choice>
-    <mc:Fallback>
+    <mc:Fallback xmlns="">
       <p:transition spd="slow">
         <p:fade/>
       </p:transition>
     </mc:Fallback>
   </mc:AlternateContent>
-  <p:timing>
-    <p:tnLst>
-      <p:par>
-        <p:cTn id="1" dur="indefinite" restart="never" nodeType="tmRoot"/>
-      </p:par>
-    </p:tnLst>
-  </p:timing>
 </p:sld>
 </file>
 
@@ -18178,7 +18139,7 @@
           <p:cNvPr id="3" name="그림 2">
             <a:extLst>
               <a:ext uri="{FF2B5EF4-FFF2-40B4-BE49-F238E27FC236}">
-                <a16:creationId xmlns:a16="http://schemas.microsoft.com/office/drawing/2014/main" xmlns="" id="{331E3328-7827-40DC-A98E-27099393F654}"/>
+                <a16:creationId xmlns:a16="http://schemas.microsoft.com/office/drawing/2014/main" id="{331E3328-7827-40DC-A98E-27099393F654}"/>
               </a:ext>
             </a:extLst>
           </p:cNvPr>
@@ -18213,7 +18174,7 @@
           <p:cNvPr id="4" name="직사각형 3">
             <a:extLst>
               <a:ext uri="{FF2B5EF4-FFF2-40B4-BE49-F238E27FC236}">
-                <a16:creationId xmlns:a16="http://schemas.microsoft.com/office/drawing/2014/main" xmlns="" id="{A2CB756C-AFE0-4A41-9345-C56D5B3BB162}"/>
+                <a16:creationId xmlns:a16="http://schemas.microsoft.com/office/drawing/2014/main" id="{A2CB756C-AFE0-4A41-9345-C56D5B3BB162}"/>
               </a:ext>
             </a:extLst>
           </p:cNvPr>
@@ -18262,7 +18223,7 @@
           <p:cNvPr id="5" name="TextBox 4">
             <a:extLst>
               <a:ext uri="{FF2B5EF4-FFF2-40B4-BE49-F238E27FC236}">
-                <a16:creationId xmlns:a16="http://schemas.microsoft.com/office/drawing/2014/main" xmlns="" id="{63BB9625-5326-4AE0-B1B7-423C7954E7BE}"/>
+                <a16:creationId xmlns:a16="http://schemas.microsoft.com/office/drawing/2014/main" id="{63BB9625-5326-4AE0-B1B7-423C7954E7BE}"/>
               </a:ext>
             </a:extLst>
           </p:cNvPr>
@@ -18306,7 +18267,7 @@
           <p:cNvPr id="6" name="TextBox 5">
             <a:extLst>
               <a:ext uri="{FF2B5EF4-FFF2-40B4-BE49-F238E27FC236}">
-                <a16:creationId xmlns:a16="http://schemas.microsoft.com/office/drawing/2014/main" xmlns="" id="{CE10D87E-0FC7-42DD-B63A-8F1C55EDC600}"/>
+                <a16:creationId xmlns:a16="http://schemas.microsoft.com/office/drawing/2014/main" id="{CE10D87E-0FC7-42DD-B63A-8F1C55EDC600}"/>
               </a:ext>
             </a:extLst>
           </p:cNvPr>
@@ -18331,7 +18292,7 @@
           <a:p>
             <a:pPr algn="ctr"/>
             <a:r>
-              <a:rPr lang="ko-KR" altLang="en-US" sz="6000" spc="-300" dirty="0" smtClean="0">
+              <a:rPr lang="ko-KR" altLang="en-US" sz="6000" spc="-300" dirty="0">
                 <a:solidFill>
                   <a:srgbClr val="02576C"/>
                 </a:solidFill>
@@ -18340,13 +18301,6 @@
               </a:rPr>
               <a:t>문제 및 구현 환경 소개</a:t>
             </a:r>
-            <a:endParaRPr lang="ko-KR" altLang="en-US" sz="6000" spc="-300" dirty="0">
-              <a:solidFill>
-                <a:srgbClr val="02576C"/>
-              </a:solidFill>
-              <a:latin typeface="HY헤드라인M" panose="02030600000101010101" pitchFamily="18" charset="-127"/>
-              <a:ea typeface="HY헤드라인M" panose="02030600000101010101" pitchFamily="18" charset="-127"/>
-            </a:endParaRPr>
           </a:p>
         </p:txBody>
       </p:sp>
@@ -18355,7 +18309,7 @@
           <p:cNvPr id="8" name="TextBox 7">
             <a:extLst>
               <a:ext uri="{FF2B5EF4-FFF2-40B4-BE49-F238E27FC236}">
-                <a16:creationId xmlns:a16="http://schemas.microsoft.com/office/drawing/2014/main" xmlns="" id="{7AA86507-4D04-4762-9E20-1AA37506A84C}"/>
+                <a16:creationId xmlns:a16="http://schemas.microsoft.com/office/drawing/2014/main" id="{7AA86507-4D04-4762-9E20-1AA37506A84C}"/>
               </a:ext>
             </a:extLst>
           </p:cNvPr>
@@ -18437,25 +18391,18 @@
   <p:clrMapOvr>
     <a:masterClrMapping/>
   </p:clrMapOvr>
-  <mc:AlternateContent xmlns:mc="http://schemas.openxmlformats.org/markup-compatibility/2006">
-    <mc:Choice xmlns:p159="http://schemas.microsoft.com/office/powerpoint/2015/09/main" xmlns="" Requires="p159">
+  <mc:AlternateContent xmlns:mc="http://schemas.openxmlformats.org/markup-compatibility/2006" xmlns:p159="http://schemas.microsoft.com/office/powerpoint/2015/09/main">
+    <mc:Choice Requires="p159">
       <p:transition xmlns:p14="http://schemas.microsoft.com/office/powerpoint/2010/main" spd="slow" p14:dur="2000">
         <p159:morph option="byObject"/>
       </p:transition>
     </mc:Choice>
-    <mc:Fallback>
+    <mc:Fallback xmlns="">
       <p:transition spd="slow">
         <p:fade/>
       </p:transition>
     </mc:Fallback>
   </mc:AlternateContent>
-  <p:timing>
-    <p:tnLst>
-      <p:par>
-        <p:cTn id="1" dur="indefinite" restart="never" nodeType="tmRoot"/>
-      </p:par>
-    </p:tnLst>
-  </p:timing>
 </p:sld>
 </file>
 
@@ -18481,7 +18428,7 @@
           <p:cNvPr id="5" name="직사각형 4">
             <a:extLst>
               <a:ext uri="{FF2B5EF4-FFF2-40B4-BE49-F238E27FC236}">
-                <a16:creationId xmlns:a16="http://schemas.microsoft.com/office/drawing/2014/main" xmlns="" id="{41D38B16-140D-43D2-97DF-A3A63699995D}"/>
+                <a16:creationId xmlns:a16="http://schemas.microsoft.com/office/drawing/2014/main" id="{41D38B16-140D-43D2-97DF-A3A63699995D}"/>
               </a:ext>
             </a:extLst>
           </p:cNvPr>
@@ -18533,7 +18480,7 @@
           <p:cNvPr id="2" name="직선 연결선 1">
             <a:extLst>
               <a:ext uri="{FF2B5EF4-FFF2-40B4-BE49-F238E27FC236}">
-                <a16:creationId xmlns:a16="http://schemas.microsoft.com/office/drawing/2014/main" xmlns="" id="{4B62E7D8-2355-44BA-A245-B5774C0B2832}"/>
+                <a16:creationId xmlns:a16="http://schemas.microsoft.com/office/drawing/2014/main" id="{4B62E7D8-2355-44BA-A245-B5774C0B2832}"/>
               </a:ext>
             </a:extLst>
           </p:cNvPr>
@@ -18578,7 +18525,7 @@
           <p:cNvPr id="3" name="TextBox 2">
             <a:extLst>
               <a:ext uri="{FF2B5EF4-FFF2-40B4-BE49-F238E27FC236}">
-                <a16:creationId xmlns:a16="http://schemas.microsoft.com/office/drawing/2014/main" xmlns="" id="{2D596F80-1369-418D-B79C-C48A2C2E6E06}"/>
+                <a16:creationId xmlns:a16="http://schemas.microsoft.com/office/drawing/2014/main" id="{2D596F80-1369-418D-B79C-C48A2C2E6E06}"/>
               </a:ext>
             </a:extLst>
           </p:cNvPr>
@@ -18602,7 +18549,7 @@
           <a:lstStyle/>
           <a:p>
             <a:r>
-              <a:rPr lang="ko-KR" altLang="en-US" sz="3600" spc="-300" dirty="0" smtClean="0">
+              <a:rPr lang="ko-KR" altLang="en-US" sz="3600" spc="-300" dirty="0">
                 <a:solidFill>
                   <a:schemeClr val="bg1"/>
                 </a:solidFill>
@@ -18611,13 +18558,6 @@
               </a:rPr>
               <a:t>문제 및 구현 환경 소개 </a:t>
             </a:r>
-            <a:endParaRPr lang="ko-KR" altLang="en-US" sz="3600" spc="-300" dirty="0">
-              <a:solidFill>
-                <a:schemeClr val="bg1"/>
-              </a:solidFill>
-              <a:latin typeface="HY헤드라인M" panose="02030600000101010101" pitchFamily="18" charset="-127"/>
-              <a:ea typeface="HY헤드라인M" panose="02030600000101010101" pitchFamily="18" charset="-127"/>
-            </a:endParaRPr>
           </a:p>
         </p:txBody>
       </p:sp>
@@ -18626,7 +18566,7 @@
           <p:cNvPr id="4" name="TextBox 3">
             <a:extLst>
               <a:ext uri="{FF2B5EF4-FFF2-40B4-BE49-F238E27FC236}">
-                <a16:creationId xmlns:a16="http://schemas.microsoft.com/office/drawing/2014/main" xmlns="" id="{583141B7-5F35-43CF-8319-4DAC989EB771}"/>
+                <a16:creationId xmlns:a16="http://schemas.microsoft.com/office/drawing/2014/main" id="{583141B7-5F35-43CF-8319-4DAC989EB771}"/>
               </a:ext>
             </a:extLst>
           </p:cNvPr>
@@ -18655,15 +18595,7 @@
                   <a:schemeClr val="bg1"/>
                 </a:solidFill>
               </a:rPr>
-              <a:t>Part </a:t>
-            </a:r>
-            <a:r>
-              <a:rPr lang="en-US" altLang="ko-KR" sz="3600" dirty="0" smtClean="0">
-                <a:solidFill>
-                  <a:schemeClr val="bg1"/>
-                </a:solidFill>
-              </a:rPr>
-              <a:t>1 </a:t>
+              <a:t>Part 1 </a:t>
             </a:r>
             <a:endParaRPr lang="ko-KR" altLang="en-US" sz="3600" dirty="0">
               <a:solidFill>
@@ -18678,7 +18610,7 @@
           <p:cNvPr id="21" name="TextBox 20">
             <a:extLst>
               <a:ext uri="{FF2B5EF4-FFF2-40B4-BE49-F238E27FC236}">
-                <a16:creationId xmlns:a16="http://schemas.microsoft.com/office/drawing/2014/main" xmlns="" id="{8BAC2140-FCFB-49CA-9BC6-24C2B219AD9D}"/>
+                <a16:creationId xmlns:a16="http://schemas.microsoft.com/office/drawing/2014/main" id="{8BAC2140-FCFB-49CA-9BC6-24C2B219AD9D}"/>
               </a:ext>
             </a:extLst>
           </p:cNvPr>
@@ -18723,7 +18655,7 @@
           <p:cNvPr id="37" name="TextBox 36">
             <a:extLst>
               <a:ext uri="{FF2B5EF4-FFF2-40B4-BE49-F238E27FC236}">
-                <a16:creationId xmlns:a16="http://schemas.microsoft.com/office/drawing/2014/main" xmlns="" id="{D028A109-FC76-489A-88C9-338897D49A7A}"/>
+                <a16:creationId xmlns:a16="http://schemas.microsoft.com/office/drawing/2014/main" id="{D028A109-FC76-489A-88C9-338897D49A7A}"/>
               </a:ext>
             </a:extLst>
           </p:cNvPr>
@@ -18800,7 +18732,7 @@
           <a:p>
             <a:pPr algn="ctr"/>
             <a:r>
-              <a:rPr lang="ko-KR" altLang="en-US" sz="2800" dirty="0" smtClean="0">
+              <a:rPr lang="ko-KR" altLang="en-US" sz="2800" dirty="0">
                 <a:solidFill>
                   <a:srgbClr val="FFFF00"/>
                 </a:solidFill>
@@ -18808,7 +18740,7 @@
               <a:t>저희 </a:t>
             </a:r>
             <a:r>
-              <a:rPr lang="en-US" altLang="ko-KR" sz="2800" dirty="0" smtClean="0">
+              <a:rPr lang="en-US" altLang="ko-KR" sz="2800" dirty="0">
                 <a:solidFill>
                   <a:srgbClr val="FFFF00"/>
                 </a:solidFill>
@@ -18816,7 +18748,7 @@
               <a:t>team</a:t>
             </a:r>
             <a:r>
-              <a:rPr lang="ko-KR" altLang="en-US" sz="2800" dirty="0" smtClean="0">
+              <a:rPr lang="ko-KR" altLang="en-US" sz="2800" dirty="0">
                 <a:solidFill>
                   <a:srgbClr val="FFFF00"/>
                 </a:solidFill>
@@ -18824,7 +18756,7 @@
               <a:t>은 </a:t>
             </a:r>
             <a:r>
-              <a:rPr lang="en-US" altLang="ko-KR" sz="2800" dirty="0" smtClean="0">
+              <a:rPr lang="en-US" altLang="ko-KR" sz="2800" dirty="0">
                 <a:solidFill>
                   <a:srgbClr val="FFFF00"/>
                 </a:solidFill>
@@ -18832,7 +18764,7 @@
               <a:t>DAO</a:t>
             </a:r>
             <a:r>
-              <a:rPr lang="ko-KR" altLang="en-US" sz="2800" dirty="0" smtClean="0">
+              <a:rPr lang="ko-KR" altLang="en-US" sz="2800" dirty="0">
                 <a:solidFill>
                   <a:srgbClr val="FFFF00"/>
                 </a:solidFill>
@@ -18840,7 +18772,7 @@
               <a:t>와</a:t>
             </a:r>
             <a:r>
-              <a:rPr lang="en-US" altLang="ko-KR" sz="2800" dirty="0" smtClean="0">
+              <a:rPr lang="en-US" altLang="ko-KR" sz="2800" dirty="0">
                 <a:solidFill>
                   <a:srgbClr val="FFFF00"/>
                 </a:solidFill>
@@ -18848,14 +18780,14 @@
               <a:t>DTO</a:t>
             </a:r>
             <a:r>
-              <a:rPr lang="ko-KR" altLang="en-US" sz="2800" dirty="0" smtClean="0">
+              <a:rPr lang="ko-KR" altLang="en-US" sz="2800" dirty="0">
                 <a:solidFill>
                   <a:srgbClr val="FFFF00"/>
                 </a:solidFill>
               </a:rPr>
               <a:t>를 써서 영화 검색 프로그램을</a:t>
             </a:r>
-            <a:endParaRPr lang="en-US" altLang="ko-KR" sz="2800" dirty="0" smtClean="0">
+            <a:endParaRPr lang="en-US" altLang="ko-KR" sz="2800" dirty="0">
               <a:solidFill>
                 <a:srgbClr val="FFFF00"/>
               </a:solidFill>
@@ -18864,7 +18796,7 @@
           <a:p>
             <a:pPr algn="ctr"/>
             <a:r>
-              <a:rPr lang="ko-KR" altLang="en-US" sz="2800" dirty="0" smtClean="0">
+              <a:rPr lang="ko-KR" altLang="en-US" sz="2800" dirty="0">
                 <a:solidFill>
                   <a:srgbClr val="FFFF00"/>
                 </a:solidFill>
@@ -18872,7 +18804,7 @@
               <a:t>만들었습니다</a:t>
             </a:r>
             <a:r>
-              <a:rPr lang="en-US" altLang="ko-KR" sz="2800" dirty="0" smtClean="0">
+              <a:rPr lang="en-US" altLang="ko-KR" sz="2800" dirty="0">
                 <a:solidFill>
                   <a:srgbClr val="FFFF00"/>
                 </a:solidFill>
@@ -19030,13 +18962,13 @@
   <p:clrMapOvr>
     <a:masterClrMapping/>
   </p:clrMapOvr>
-  <mc:AlternateContent xmlns:mc="http://schemas.openxmlformats.org/markup-compatibility/2006">
-    <mc:Choice xmlns:p159="http://schemas.microsoft.com/office/powerpoint/2015/09/main" xmlns="" Requires="p159">
+  <mc:AlternateContent xmlns:mc="http://schemas.openxmlformats.org/markup-compatibility/2006" xmlns:p159="http://schemas.microsoft.com/office/powerpoint/2015/09/main">
+    <mc:Choice Requires="p159">
       <p:transition xmlns:p14="http://schemas.microsoft.com/office/powerpoint/2010/main" spd="slow" p14:dur="2000">
         <p159:morph option="byObject"/>
       </p:transition>
     </mc:Choice>
-    <mc:Fallback>
+    <mc:Fallback xmlns="">
       <p:transition spd="slow">
         <p:fade/>
       </p:transition>
@@ -19374,7 +19306,7 @@
           <p:cNvPr id="5" name="직사각형 4">
             <a:extLst>
               <a:ext uri="{FF2B5EF4-FFF2-40B4-BE49-F238E27FC236}">
-                <a16:creationId xmlns:a16="http://schemas.microsoft.com/office/drawing/2014/main" xmlns="" id="{41D38B16-140D-43D2-97DF-A3A63699995D}"/>
+                <a16:creationId xmlns:a16="http://schemas.microsoft.com/office/drawing/2014/main" id="{41D38B16-140D-43D2-97DF-A3A63699995D}"/>
               </a:ext>
             </a:extLst>
           </p:cNvPr>
@@ -19426,7 +19358,7 @@
           <p:cNvPr id="2" name="직선 연결선 1">
             <a:extLst>
               <a:ext uri="{FF2B5EF4-FFF2-40B4-BE49-F238E27FC236}">
-                <a16:creationId xmlns:a16="http://schemas.microsoft.com/office/drawing/2014/main" xmlns="" id="{4B62E7D8-2355-44BA-A245-B5774C0B2832}"/>
+                <a16:creationId xmlns:a16="http://schemas.microsoft.com/office/drawing/2014/main" id="{4B62E7D8-2355-44BA-A245-B5774C0B2832}"/>
               </a:ext>
             </a:extLst>
           </p:cNvPr>
@@ -19471,7 +19403,7 @@
           <p:cNvPr id="3" name="TextBox 2">
             <a:extLst>
               <a:ext uri="{FF2B5EF4-FFF2-40B4-BE49-F238E27FC236}">
-                <a16:creationId xmlns:a16="http://schemas.microsoft.com/office/drawing/2014/main" xmlns="" id="{2D596F80-1369-418D-B79C-C48A2C2E6E06}"/>
+                <a16:creationId xmlns:a16="http://schemas.microsoft.com/office/drawing/2014/main" id="{2D596F80-1369-418D-B79C-C48A2C2E6E06}"/>
               </a:ext>
             </a:extLst>
           </p:cNvPr>
@@ -19495,7 +19427,7 @@
           <a:lstStyle/>
           <a:p>
             <a:r>
-              <a:rPr lang="ko-KR" altLang="en-US" sz="3600" spc="-300" dirty="0" smtClean="0">
+              <a:rPr lang="ko-KR" altLang="en-US" sz="3600" spc="-300" dirty="0">
                 <a:solidFill>
                   <a:schemeClr val="bg1"/>
                 </a:solidFill>
@@ -19504,13 +19436,6 @@
               </a:rPr>
               <a:t>문제 및 구현 환경 소개</a:t>
             </a:r>
-            <a:endParaRPr lang="ko-KR" altLang="en-US" sz="3600" spc="-300" dirty="0">
-              <a:solidFill>
-                <a:schemeClr val="bg1"/>
-              </a:solidFill>
-              <a:latin typeface="HY헤드라인M" panose="02030600000101010101" pitchFamily="18" charset="-127"/>
-              <a:ea typeface="HY헤드라인M" panose="02030600000101010101" pitchFamily="18" charset="-127"/>
-            </a:endParaRPr>
           </a:p>
         </p:txBody>
       </p:sp>
@@ -19519,7 +19444,7 @@
           <p:cNvPr id="4" name="TextBox 3">
             <a:extLst>
               <a:ext uri="{FF2B5EF4-FFF2-40B4-BE49-F238E27FC236}">
-                <a16:creationId xmlns:a16="http://schemas.microsoft.com/office/drawing/2014/main" xmlns="" id="{583141B7-5F35-43CF-8319-4DAC989EB771}"/>
+                <a16:creationId xmlns:a16="http://schemas.microsoft.com/office/drawing/2014/main" id="{583141B7-5F35-43CF-8319-4DAC989EB771}"/>
               </a:ext>
             </a:extLst>
           </p:cNvPr>
@@ -19548,15 +19473,7 @@
                   <a:schemeClr val="bg1"/>
                 </a:solidFill>
               </a:rPr>
-              <a:t>Part </a:t>
-            </a:r>
-            <a:r>
-              <a:rPr lang="en-US" altLang="ko-KR" sz="3600" dirty="0" smtClean="0">
-                <a:solidFill>
-                  <a:schemeClr val="bg1"/>
-                </a:solidFill>
-              </a:rPr>
-              <a:t>1 </a:t>
+              <a:t>Part 1 </a:t>
             </a:r>
             <a:endParaRPr lang="ko-KR" altLang="en-US" sz="3600" dirty="0">
               <a:solidFill>
@@ -19571,7 +19488,7 @@
           <p:cNvPr id="8" name="직사각형 7">
             <a:extLst>
               <a:ext uri="{FF2B5EF4-FFF2-40B4-BE49-F238E27FC236}">
-                <a16:creationId xmlns:a16="http://schemas.microsoft.com/office/drawing/2014/main" xmlns="" id="{38D0315C-8B0D-4F21-8CD5-BDE1A7BA7440}"/>
+                <a16:creationId xmlns:a16="http://schemas.microsoft.com/office/drawing/2014/main" id="{38D0315C-8B0D-4F21-8CD5-BDE1A7BA7440}"/>
               </a:ext>
             </a:extLst>
           </p:cNvPr>
@@ -19625,7 +19542,7 @@
           <p:cNvPr id="9" name="직사각형 8">
             <a:extLst>
               <a:ext uri="{FF2B5EF4-FFF2-40B4-BE49-F238E27FC236}">
-                <a16:creationId xmlns:a16="http://schemas.microsoft.com/office/drawing/2014/main" xmlns="" id="{3F6B490F-123B-4FC5-BFD2-94FFCBEFB4B1}"/>
+                <a16:creationId xmlns:a16="http://schemas.microsoft.com/office/drawing/2014/main" id="{3F6B490F-123B-4FC5-BFD2-94FFCBEFB4B1}"/>
               </a:ext>
             </a:extLst>
           </p:cNvPr>
@@ -19677,7 +19594,7 @@
           <p:cNvPr id="10" name="직사각형 9">
             <a:extLst>
               <a:ext uri="{FF2B5EF4-FFF2-40B4-BE49-F238E27FC236}">
-                <a16:creationId xmlns:a16="http://schemas.microsoft.com/office/drawing/2014/main" xmlns="" id="{61BEA0D4-1C42-47F9-B74F-12EDD6913E42}"/>
+                <a16:creationId xmlns:a16="http://schemas.microsoft.com/office/drawing/2014/main" id="{61BEA0D4-1C42-47F9-B74F-12EDD6913E42}"/>
               </a:ext>
             </a:extLst>
           </p:cNvPr>
@@ -19731,7 +19648,7 @@
           <p:cNvPr id="11" name="직사각형 10">
             <a:extLst>
               <a:ext uri="{FF2B5EF4-FFF2-40B4-BE49-F238E27FC236}">
-                <a16:creationId xmlns:a16="http://schemas.microsoft.com/office/drawing/2014/main" xmlns="" id="{C0EDF9CA-5531-476F-8E3E-97A437029385}"/>
+                <a16:creationId xmlns:a16="http://schemas.microsoft.com/office/drawing/2014/main" id="{C0EDF9CA-5531-476F-8E3E-97A437029385}"/>
               </a:ext>
             </a:extLst>
           </p:cNvPr>
@@ -19785,7 +19702,7 @@
           <p:cNvPr id="12" name="직사각형 11">
             <a:extLst>
               <a:ext uri="{FF2B5EF4-FFF2-40B4-BE49-F238E27FC236}">
-                <a16:creationId xmlns:a16="http://schemas.microsoft.com/office/drawing/2014/main" xmlns="" id="{B4D27E54-5989-4246-B276-FF81393B5961}"/>
+                <a16:creationId xmlns:a16="http://schemas.microsoft.com/office/drawing/2014/main" id="{B4D27E54-5989-4246-B276-FF81393B5961}"/>
               </a:ext>
             </a:extLst>
           </p:cNvPr>
@@ -19839,7 +19756,7 @@
           <p:cNvPr id="13" name="TextBox 12">
             <a:extLst>
               <a:ext uri="{FF2B5EF4-FFF2-40B4-BE49-F238E27FC236}">
-                <a16:creationId xmlns:a16="http://schemas.microsoft.com/office/drawing/2014/main" xmlns="" id="{57B92D07-A84D-4396-90BF-DE8BBB2988B7}"/>
+                <a16:creationId xmlns:a16="http://schemas.microsoft.com/office/drawing/2014/main" id="{57B92D07-A84D-4396-90BF-DE8BBB2988B7}"/>
               </a:ext>
             </a:extLst>
           </p:cNvPr>
@@ -19879,7 +19796,7 @@
           <p:cNvPr id="14" name="TextBox 13">
             <a:extLst>
               <a:ext uri="{FF2B5EF4-FFF2-40B4-BE49-F238E27FC236}">
-                <a16:creationId xmlns:a16="http://schemas.microsoft.com/office/drawing/2014/main" xmlns="" id="{7D4119D4-FE08-4E3B-A683-3840749441CF}"/>
+                <a16:creationId xmlns:a16="http://schemas.microsoft.com/office/drawing/2014/main" id="{7D4119D4-FE08-4E3B-A683-3840749441CF}"/>
               </a:ext>
             </a:extLst>
           </p:cNvPr>
@@ -19919,7 +19836,7 @@
           <p:cNvPr id="15" name="TextBox 14">
             <a:extLst>
               <a:ext uri="{FF2B5EF4-FFF2-40B4-BE49-F238E27FC236}">
-                <a16:creationId xmlns:a16="http://schemas.microsoft.com/office/drawing/2014/main" xmlns="" id="{70E22F69-62B7-4839-8555-25E3BED22EC3}"/>
+                <a16:creationId xmlns:a16="http://schemas.microsoft.com/office/drawing/2014/main" id="{70E22F69-62B7-4839-8555-25E3BED22EC3}"/>
               </a:ext>
             </a:extLst>
           </p:cNvPr>
@@ -19959,7 +19876,7 @@
           <p:cNvPr id="57" name="TextBox 56">
             <a:extLst>
               <a:ext uri="{FF2B5EF4-FFF2-40B4-BE49-F238E27FC236}">
-                <a16:creationId xmlns:a16="http://schemas.microsoft.com/office/drawing/2014/main" xmlns="" id="{5037A185-365E-4FF4-BC48-44C425CBF345}"/>
+                <a16:creationId xmlns:a16="http://schemas.microsoft.com/office/drawing/2014/main" id="{5037A185-365E-4FF4-BC48-44C425CBF345}"/>
               </a:ext>
             </a:extLst>
           </p:cNvPr>
@@ -19984,7 +19901,7 @@
           <a:p>
             <a:pPr algn="ctr"/>
             <a:r>
-              <a:rPr lang="ko-KR" altLang="en-US" dirty="0" smtClean="0">
+              <a:rPr lang="ko-KR" altLang="en-US" dirty="0">
                 <a:solidFill>
                   <a:schemeClr val="bg1">
                     <a:lumMod val="95000"/>
@@ -19993,13 +19910,6 @@
               </a:rPr>
               <a:t>추가</a:t>
             </a:r>
-            <a:endParaRPr lang="ko-KR" altLang="en-US" dirty="0">
-              <a:solidFill>
-                <a:schemeClr val="bg1">
-                  <a:lumMod val="95000"/>
-                </a:schemeClr>
-              </a:solidFill>
-            </a:endParaRPr>
           </a:p>
         </p:txBody>
       </p:sp>
@@ -20008,7 +19918,7 @@
           <p:cNvPr id="59" name="직사각형 58">
             <a:extLst>
               <a:ext uri="{FF2B5EF4-FFF2-40B4-BE49-F238E27FC236}">
-                <a16:creationId xmlns:a16="http://schemas.microsoft.com/office/drawing/2014/main" xmlns="" id="{1AC9FB45-1420-4969-B2C5-0A5F79C480A4}"/>
+                <a16:creationId xmlns:a16="http://schemas.microsoft.com/office/drawing/2014/main" id="{1AC9FB45-1420-4969-B2C5-0A5F79C480A4}"/>
               </a:ext>
             </a:extLst>
           </p:cNvPr>
@@ -20060,7 +19970,7 @@
           <p:cNvPr id="61" name="TextBox 60">
             <a:extLst>
               <a:ext uri="{FF2B5EF4-FFF2-40B4-BE49-F238E27FC236}">
-                <a16:creationId xmlns:a16="http://schemas.microsoft.com/office/drawing/2014/main" xmlns="" id="{5668A55B-5556-4F7B-99FB-AECA5F9E2F11}"/>
+                <a16:creationId xmlns:a16="http://schemas.microsoft.com/office/drawing/2014/main" id="{5668A55B-5556-4F7B-99FB-AECA5F9E2F11}"/>
               </a:ext>
             </a:extLst>
           </p:cNvPr>
@@ -20085,7 +19995,7 @@
           <a:p>
             <a:pPr algn="ctr"/>
             <a:r>
-              <a:rPr lang="ko-KR" altLang="en-US" dirty="0" smtClean="0">
+              <a:rPr lang="ko-KR" altLang="en-US" dirty="0">
                 <a:solidFill>
                   <a:schemeClr val="bg1">
                     <a:lumMod val="95000"/>
@@ -20094,13 +20004,6 @@
               </a:rPr>
               <a:t>검색</a:t>
             </a:r>
-            <a:endParaRPr lang="ko-KR" altLang="en-US" dirty="0">
-              <a:solidFill>
-                <a:schemeClr val="bg1">
-                  <a:lumMod val="95000"/>
-                </a:schemeClr>
-              </a:solidFill>
-            </a:endParaRPr>
           </a:p>
         </p:txBody>
       </p:sp>
@@ -20109,7 +20012,7 @@
           <p:cNvPr id="63" name="직사각형 62">
             <a:extLst>
               <a:ext uri="{FF2B5EF4-FFF2-40B4-BE49-F238E27FC236}">
-                <a16:creationId xmlns:a16="http://schemas.microsoft.com/office/drawing/2014/main" xmlns="" id="{A5BB8464-4D25-4C52-AD1A-B9B62287EBD2}"/>
+                <a16:creationId xmlns:a16="http://schemas.microsoft.com/office/drawing/2014/main" id="{A5BB8464-4D25-4C52-AD1A-B9B62287EBD2}"/>
               </a:ext>
             </a:extLst>
           </p:cNvPr>
@@ -20161,7 +20064,7 @@
           <p:cNvPr id="65" name="TextBox 64">
             <a:extLst>
               <a:ext uri="{FF2B5EF4-FFF2-40B4-BE49-F238E27FC236}">
-                <a16:creationId xmlns:a16="http://schemas.microsoft.com/office/drawing/2014/main" xmlns="" id="{001FB7D3-0FC5-4E41-8AD1-35380DF115FD}"/>
+                <a16:creationId xmlns:a16="http://schemas.microsoft.com/office/drawing/2014/main" id="{001FB7D3-0FC5-4E41-8AD1-35380DF115FD}"/>
               </a:ext>
             </a:extLst>
           </p:cNvPr>
@@ -20185,16 +20088,6 @@
           <a:lstStyle/>
           <a:p>
             <a:pPr algn="ctr"/>
-            <a:r>
-              <a:rPr lang="ko-KR" altLang="en-US" dirty="0" smtClean="0">
-                <a:solidFill>
-                  <a:schemeClr val="bg1">
-                    <a:lumMod val="95000"/>
-                  </a:schemeClr>
-                </a:solidFill>
-              </a:rPr>
-              <a:t>수</a:t>
-            </a:r>
             <a:r>
               <a:rPr lang="ko-KR" altLang="en-US" dirty="0">
                 <a:solidFill>
@@ -20203,7 +20096,7 @@
                   </a:schemeClr>
                 </a:solidFill>
               </a:rPr>
-              <a:t>정</a:t>
+              <a:t>수정</a:t>
             </a:r>
           </a:p>
         </p:txBody>
@@ -20213,7 +20106,7 @@
           <p:cNvPr id="67" name="직사각형 66">
             <a:extLst>
               <a:ext uri="{FF2B5EF4-FFF2-40B4-BE49-F238E27FC236}">
-                <a16:creationId xmlns:a16="http://schemas.microsoft.com/office/drawing/2014/main" xmlns="" id="{08F16EC6-AEB0-4C8F-AB61-11817E675273}"/>
+                <a16:creationId xmlns:a16="http://schemas.microsoft.com/office/drawing/2014/main" id="{08F16EC6-AEB0-4C8F-AB61-11817E675273}"/>
               </a:ext>
             </a:extLst>
           </p:cNvPr>
@@ -20265,7 +20158,7 @@
           <p:cNvPr id="69" name="TextBox 68">
             <a:extLst>
               <a:ext uri="{FF2B5EF4-FFF2-40B4-BE49-F238E27FC236}">
-                <a16:creationId xmlns:a16="http://schemas.microsoft.com/office/drawing/2014/main" xmlns="" id="{88F67BDE-B96B-4E3D-87D7-9560F1DEB157}"/>
+                <a16:creationId xmlns:a16="http://schemas.microsoft.com/office/drawing/2014/main" id="{88F67BDE-B96B-4E3D-87D7-9560F1DEB157}"/>
               </a:ext>
             </a:extLst>
           </p:cNvPr>
@@ -20289,16 +20182,6 @@
           <a:lstStyle/>
           <a:p>
             <a:pPr algn="ctr"/>
-            <a:r>
-              <a:rPr lang="ko-KR" altLang="en-US" dirty="0" smtClean="0">
-                <a:solidFill>
-                  <a:schemeClr val="bg1">
-                    <a:lumMod val="95000"/>
-                  </a:schemeClr>
-                </a:solidFill>
-              </a:rPr>
-              <a:t>삭</a:t>
-            </a:r>
             <a:r>
               <a:rPr lang="ko-KR" altLang="en-US" dirty="0">
                 <a:solidFill>
@@ -20307,7 +20190,7 @@
                   </a:schemeClr>
                 </a:solidFill>
               </a:rPr>
-              <a:t>제</a:t>
+              <a:t>삭제</a:t>
             </a:r>
           </a:p>
         </p:txBody>
@@ -20317,7 +20200,7 @@
           <p:cNvPr id="73" name="TextBox 72">
             <a:extLst>
               <a:ext uri="{FF2B5EF4-FFF2-40B4-BE49-F238E27FC236}">
-                <a16:creationId xmlns:a16="http://schemas.microsoft.com/office/drawing/2014/main" xmlns="" id="{DA16FFC6-40F8-4454-A815-B02380886173}"/>
+                <a16:creationId xmlns:a16="http://schemas.microsoft.com/office/drawing/2014/main" id="{DA16FFC6-40F8-4454-A815-B02380886173}"/>
               </a:ext>
             </a:extLst>
           </p:cNvPr>
@@ -20346,7 +20229,7 @@
               </a:lnSpc>
             </a:pPr>
             <a:r>
-              <a:rPr lang="ko-KR" altLang="en-US" spc="-150" dirty="0" smtClean="0">
+              <a:rPr lang="ko-KR" altLang="en-US" spc="-150" dirty="0">
                 <a:solidFill>
                   <a:schemeClr val="tx1">
                     <a:lumMod val="75000"/>
@@ -20359,7 +20242,7 @@
               <a:t>데이터베이스에 추가된 영화들을 검색버튼을 통해서 검색 할 수 있습니다</a:t>
             </a:r>
             <a:r>
-              <a:rPr lang="en-US" altLang="ko-KR" spc="-150" dirty="0" smtClean="0">
+              <a:rPr lang="en-US" altLang="ko-KR" spc="-150" dirty="0">
                 <a:solidFill>
                   <a:schemeClr val="tx1">
                     <a:lumMod val="75000"/>
@@ -20389,7 +20272,7 @@
           <p:cNvPr id="75" name="TextBox 74">
             <a:extLst>
               <a:ext uri="{FF2B5EF4-FFF2-40B4-BE49-F238E27FC236}">
-                <a16:creationId xmlns:a16="http://schemas.microsoft.com/office/drawing/2014/main" xmlns="" id="{E71D4CA3-7475-46FA-B65E-F4321489F482}"/>
+                <a16:creationId xmlns:a16="http://schemas.microsoft.com/office/drawing/2014/main" id="{E71D4CA3-7475-46FA-B65E-F4321489F482}"/>
               </a:ext>
             </a:extLst>
           </p:cNvPr>
@@ -20418,7 +20301,7 @@
               </a:lnSpc>
             </a:pPr>
             <a:r>
-              <a:rPr lang="ko-KR" altLang="en-US" spc="-150" dirty="0" smtClean="0">
+              <a:rPr lang="ko-KR" altLang="en-US" spc="-150" dirty="0">
                 <a:solidFill>
                   <a:schemeClr val="tx1">
                     <a:lumMod val="75000"/>
@@ -20431,7 +20314,7 @@
               <a:t>데이터베이스에 들어간 영화정보가 틀렸다면 수정버튼을 통해 수정 할 수 있습니다</a:t>
             </a:r>
             <a:r>
-              <a:rPr lang="en-US" altLang="ko-KR" spc="-150" dirty="0" smtClean="0">
+              <a:rPr lang="en-US" altLang="ko-KR" spc="-150" dirty="0">
                 <a:solidFill>
                   <a:schemeClr val="tx1">
                     <a:lumMod val="75000"/>
@@ -20461,7 +20344,7 @@
           <p:cNvPr id="77" name="TextBox 76">
             <a:extLst>
               <a:ext uri="{FF2B5EF4-FFF2-40B4-BE49-F238E27FC236}">
-                <a16:creationId xmlns:a16="http://schemas.microsoft.com/office/drawing/2014/main" xmlns="" id="{1422ECFB-842E-4C73-BC71-56C4D1F6BD76}"/>
+                <a16:creationId xmlns:a16="http://schemas.microsoft.com/office/drawing/2014/main" id="{1422ECFB-842E-4C73-BC71-56C4D1F6BD76}"/>
               </a:ext>
             </a:extLst>
           </p:cNvPr>
@@ -20490,7 +20373,7 @@
               </a:lnSpc>
             </a:pPr>
             <a:r>
-              <a:rPr lang="ko-KR" altLang="en-US" spc="-150" dirty="0" smtClean="0">
+              <a:rPr lang="ko-KR" altLang="en-US" spc="-150" dirty="0">
                 <a:solidFill>
                   <a:schemeClr val="tx1">
                     <a:lumMod val="75000"/>
@@ -20503,7 +20386,7 @@
               <a:t>데이터베이스에 저장된 영화들을 삭제버튼을 통해 삭제 할 수 있습니다</a:t>
             </a:r>
             <a:r>
-              <a:rPr lang="en-US" altLang="ko-KR" spc="-150" dirty="0" smtClean="0">
+              <a:rPr lang="en-US" altLang="ko-KR" spc="-150" dirty="0">
                 <a:solidFill>
                   <a:schemeClr val="tx1">
                     <a:lumMod val="75000"/>
@@ -20533,7 +20416,7 @@
           <p:cNvPr id="26" name="TextBox 25">
             <a:extLst>
               <a:ext uri="{FF2B5EF4-FFF2-40B4-BE49-F238E27FC236}">
-                <a16:creationId xmlns:a16="http://schemas.microsoft.com/office/drawing/2014/main" xmlns="" id="{DA16FFC6-40F8-4454-A815-B02380886173}"/>
+                <a16:creationId xmlns:a16="http://schemas.microsoft.com/office/drawing/2014/main" id="{DA16FFC6-40F8-4454-A815-B02380886173}"/>
               </a:ext>
             </a:extLst>
           </p:cNvPr>
@@ -20562,7 +20445,7 @@
               </a:lnSpc>
             </a:pPr>
             <a:r>
-              <a:rPr lang="ko-KR" altLang="en-US" spc="-150" dirty="0" smtClean="0">
+              <a:rPr lang="ko-KR" altLang="en-US" spc="-150" dirty="0">
                 <a:solidFill>
                   <a:schemeClr val="tx1">
                     <a:lumMod val="75000"/>
@@ -20574,7 +20457,7 @@
               </a:rPr>
               <a:t>데이터베이스에 영화에 대한 </a:t>
             </a:r>
-            <a:endParaRPr lang="en-US" altLang="ko-KR" spc="-150" dirty="0" smtClean="0">
+            <a:endParaRPr lang="en-US" altLang="ko-KR" spc="-150" dirty="0">
               <a:solidFill>
                 <a:schemeClr val="tx1">
                   <a:lumMod val="75000"/>
@@ -20592,7 +20475,7 @@
               </a:lnSpc>
             </a:pPr>
             <a:r>
-              <a:rPr lang="ko-KR" altLang="en-US" spc="-150" dirty="0" smtClean="0">
+              <a:rPr lang="ko-KR" altLang="en-US" spc="-150" dirty="0">
                 <a:solidFill>
                   <a:schemeClr val="tx1">
                     <a:lumMod val="75000"/>
@@ -20605,7 +20488,7 @@
               <a:t>정보들을 추가버튼을 통해서 추가합니다</a:t>
             </a:r>
             <a:r>
-              <a:rPr lang="en-US" altLang="ko-KR" spc="-150" dirty="0" smtClean="0">
+              <a:rPr lang="en-US" altLang="ko-KR" spc="-150" dirty="0">
                 <a:solidFill>
                   <a:schemeClr val="tx1">
                     <a:lumMod val="75000"/>
@@ -20640,13 +20523,13 @@
   <p:clrMapOvr>
     <a:masterClrMapping/>
   </p:clrMapOvr>
-  <mc:AlternateContent xmlns:mc="http://schemas.openxmlformats.org/markup-compatibility/2006">
-    <mc:Choice xmlns:p159="http://schemas.microsoft.com/office/powerpoint/2015/09/main" xmlns="" Requires="p159">
+  <mc:AlternateContent xmlns:mc="http://schemas.openxmlformats.org/markup-compatibility/2006" xmlns:p159="http://schemas.microsoft.com/office/powerpoint/2015/09/main">
+    <mc:Choice Requires="p159">
       <p:transition xmlns:p14="http://schemas.microsoft.com/office/powerpoint/2010/main" spd="slow" p14:dur="2000">
         <p159:morph option="byObject"/>
       </p:transition>
     </mc:Choice>
-    <mc:Fallback>
+    <mc:Fallback xmlns="">
       <p:transition spd="slow">
         <p:fade/>
       </p:transition>
@@ -22393,7 +22276,7 @@
           <p:cNvPr id="3" name="그림 2">
             <a:extLst>
               <a:ext uri="{FF2B5EF4-FFF2-40B4-BE49-F238E27FC236}">
-                <a16:creationId xmlns:a16="http://schemas.microsoft.com/office/drawing/2014/main" xmlns="" id="{331E3328-7827-40DC-A98E-27099393F654}"/>
+                <a16:creationId xmlns:a16="http://schemas.microsoft.com/office/drawing/2014/main" id="{331E3328-7827-40DC-A98E-27099393F654}"/>
               </a:ext>
             </a:extLst>
           </p:cNvPr>
@@ -22428,7 +22311,7 @@
           <p:cNvPr id="4" name="직사각형 3">
             <a:extLst>
               <a:ext uri="{FF2B5EF4-FFF2-40B4-BE49-F238E27FC236}">
-                <a16:creationId xmlns:a16="http://schemas.microsoft.com/office/drawing/2014/main" xmlns="" id="{A2CB756C-AFE0-4A41-9345-C56D5B3BB162}"/>
+                <a16:creationId xmlns:a16="http://schemas.microsoft.com/office/drawing/2014/main" id="{A2CB756C-AFE0-4A41-9345-C56D5B3BB162}"/>
               </a:ext>
             </a:extLst>
           </p:cNvPr>
@@ -22477,7 +22360,7 @@
           <p:cNvPr id="5" name="TextBox 4">
             <a:extLst>
               <a:ext uri="{FF2B5EF4-FFF2-40B4-BE49-F238E27FC236}">
-                <a16:creationId xmlns:a16="http://schemas.microsoft.com/office/drawing/2014/main" xmlns="" id="{63BB9625-5326-4AE0-B1B7-423C7954E7BE}"/>
+                <a16:creationId xmlns:a16="http://schemas.microsoft.com/office/drawing/2014/main" id="{63BB9625-5326-4AE0-B1B7-423C7954E7BE}"/>
               </a:ext>
             </a:extLst>
           </p:cNvPr>
@@ -22521,7 +22404,7 @@
           <p:cNvPr id="8" name="TextBox 7">
             <a:extLst>
               <a:ext uri="{FF2B5EF4-FFF2-40B4-BE49-F238E27FC236}">
-                <a16:creationId xmlns:a16="http://schemas.microsoft.com/office/drawing/2014/main" xmlns="" id="{7AA86507-4D04-4762-9E20-1AA37506A84C}"/>
+                <a16:creationId xmlns:a16="http://schemas.microsoft.com/office/drawing/2014/main" id="{7AA86507-4D04-4762-9E20-1AA37506A84C}"/>
               </a:ext>
             </a:extLst>
           </p:cNvPr>
@@ -22598,7 +22481,7 @@
           <p:cNvPr id="7" name="TextBox 6">
             <a:extLst>
               <a:ext uri="{FF2B5EF4-FFF2-40B4-BE49-F238E27FC236}">
-                <a16:creationId xmlns:a16="http://schemas.microsoft.com/office/drawing/2014/main" xmlns="" id="{CE10D87E-0FC7-42DD-B63A-8F1C55EDC600}"/>
+                <a16:creationId xmlns:a16="http://schemas.microsoft.com/office/drawing/2014/main" id="{CE10D87E-0FC7-42DD-B63A-8F1C55EDC600}"/>
               </a:ext>
             </a:extLst>
           </p:cNvPr>
@@ -22623,7 +22506,7 @@
           <a:p>
             <a:pPr algn="ctr"/>
             <a:r>
-              <a:rPr lang="ko-KR" altLang="en-US" sz="6000" spc="-300" dirty="0" smtClean="0">
+              <a:rPr lang="ko-KR" altLang="en-US" sz="6000" spc="-300" dirty="0">
                 <a:solidFill>
                   <a:srgbClr val="02576C"/>
                 </a:solidFill>
@@ -22632,13 +22515,6 @@
               </a:rPr>
               <a:t>구현 알고리즘 소개</a:t>
             </a:r>
-            <a:endParaRPr lang="ko-KR" altLang="en-US" sz="6000" spc="-300" dirty="0">
-              <a:solidFill>
-                <a:srgbClr val="02576C"/>
-              </a:solidFill>
-              <a:latin typeface="HY헤드라인M" panose="02030600000101010101" pitchFamily="18" charset="-127"/>
-              <a:ea typeface="HY헤드라인M" panose="02030600000101010101" pitchFamily="18" charset="-127"/>
-            </a:endParaRPr>
           </a:p>
         </p:txBody>
       </p:sp>
@@ -22652,25 +22528,18 @@
   <p:clrMapOvr>
     <a:masterClrMapping/>
   </p:clrMapOvr>
-  <mc:AlternateContent xmlns:mc="http://schemas.openxmlformats.org/markup-compatibility/2006">
-    <mc:Choice xmlns:p159="http://schemas.microsoft.com/office/powerpoint/2015/09/main" xmlns="" Requires="p159">
+  <mc:AlternateContent xmlns:mc="http://schemas.openxmlformats.org/markup-compatibility/2006" xmlns:p159="http://schemas.microsoft.com/office/powerpoint/2015/09/main">
+    <mc:Choice Requires="p159">
       <p:transition xmlns:p14="http://schemas.microsoft.com/office/powerpoint/2010/main" spd="slow" p14:dur="2000">
         <p159:morph option="byObject"/>
       </p:transition>
     </mc:Choice>
-    <mc:Fallback>
+    <mc:Fallback xmlns="">
       <p:transition spd="slow">
         <p:fade/>
       </p:transition>
     </mc:Fallback>
   </mc:AlternateContent>
-  <p:timing>
-    <p:tnLst>
-      <p:par>
-        <p:cTn id="1" dur="indefinite" restart="never" nodeType="tmRoot"/>
-      </p:par>
-    </p:tnLst>
-  </p:timing>
 </p:sld>
 </file>
 
@@ -22696,7 +22565,7 @@
           <p:cNvPr id="5" name="직사각형 4">
             <a:extLst>
               <a:ext uri="{FF2B5EF4-FFF2-40B4-BE49-F238E27FC236}">
-                <a16:creationId xmlns:a16="http://schemas.microsoft.com/office/drawing/2014/main" xmlns="" id="{41D38B16-140D-43D2-97DF-A3A63699995D}"/>
+                <a16:creationId xmlns:a16="http://schemas.microsoft.com/office/drawing/2014/main" id="{41D38B16-140D-43D2-97DF-A3A63699995D}"/>
               </a:ext>
             </a:extLst>
           </p:cNvPr>
@@ -22748,7 +22617,7 @@
           <p:cNvPr id="2" name="직선 연결선 1">
             <a:extLst>
               <a:ext uri="{FF2B5EF4-FFF2-40B4-BE49-F238E27FC236}">
-                <a16:creationId xmlns:a16="http://schemas.microsoft.com/office/drawing/2014/main" xmlns="" id="{4B62E7D8-2355-44BA-A245-B5774C0B2832}"/>
+                <a16:creationId xmlns:a16="http://schemas.microsoft.com/office/drawing/2014/main" id="{4B62E7D8-2355-44BA-A245-B5774C0B2832}"/>
               </a:ext>
             </a:extLst>
           </p:cNvPr>
@@ -22793,7 +22662,7 @@
           <p:cNvPr id="3" name="TextBox 2">
             <a:extLst>
               <a:ext uri="{FF2B5EF4-FFF2-40B4-BE49-F238E27FC236}">
-                <a16:creationId xmlns:a16="http://schemas.microsoft.com/office/drawing/2014/main" xmlns="" id="{2D596F80-1369-418D-B79C-C48A2C2E6E06}"/>
+                <a16:creationId xmlns:a16="http://schemas.microsoft.com/office/drawing/2014/main" id="{2D596F80-1369-418D-B79C-C48A2C2E6E06}"/>
               </a:ext>
             </a:extLst>
           </p:cNvPr>
@@ -22817,7 +22686,7 @@
           <a:lstStyle/>
           <a:p>
             <a:r>
-              <a:rPr lang="ko-KR" altLang="en-US" sz="3600" spc="-300" dirty="0" smtClean="0">
+              <a:rPr lang="ko-KR" altLang="en-US" sz="3600" spc="-300" dirty="0">
                 <a:solidFill>
                   <a:schemeClr val="bg1"/>
                 </a:solidFill>
@@ -22826,13 +22695,6 @@
               </a:rPr>
               <a:t>구현 알고리즘 소개</a:t>
             </a:r>
-            <a:endParaRPr lang="ko-KR" altLang="en-US" sz="3600" spc="-300" dirty="0">
-              <a:solidFill>
-                <a:schemeClr val="bg1"/>
-              </a:solidFill>
-              <a:latin typeface="HY헤드라인M" panose="02030600000101010101" pitchFamily="18" charset="-127"/>
-              <a:ea typeface="HY헤드라인M" panose="02030600000101010101" pitchFamily="18" charset="-127"/>
-            </a:endParaRPr>
           </a:p>
         </p:txBody>
       </p:sp>
@@ -22841,7 +22703,7 @@
           <p:cNvPr id="4" name="TextBox 3">
             <a:extLst>
               <a:ext uri="{FF2B5EF4-FFF2-40B4-BE49-F238E27FC236}">
-                <a16:creationId xmlns:a16="http://schemas.microsoft.com/office/drawing/2014/main" xmlns="" id="{583141B7-5F35-43CF-8319-4DAC989EB771}"/>
+                <a16:creationId xmlns:a16="http://schemas.microsoft.com/office/drawing/2014/main" id="{583141B7-5F35-43CF-8319-4DAC989EB771}"/>
               </a:ext>
             </a:extLst>
           </p:cNvPr>
@@ -22870,15 +22732,7 @@
                   <a:schemeClr val="bg1"/>
                 </a:solidFill>
               </a:rPr>
-              <a:t>Part </a:t>
-            </a:r>
-            <a:r>
-              <a:rPr lang="en-US" altLang="ko-KR" sz="3600" dirty="0" smtClean="0">
-                <a:solidFill>
-                  <a:schemeClr val="bg1"/>
-                </a:solidFill>
-              </a:rPr>
-              <a:t>2 </a:t>
+              <a:t>Part 2 </a:t>
             </a:r>
             <a:endParaRPr lang="ko-KR" altLang="en-US" sz="3600" dirty="0">
               <a:solidFill>
@@ -22893,7 +22747,7 @@
           <p:cNvPr id="13" name="그래픽 12" descr="기어가는">
             <a:extLst>
               <a:ext uri="{FF2B5EF4-FFF2-40B4-BE49-F238E27FC236}">
-                <a16:creationId xmlns:a16="http://schemas.microsoft.com/office/drawing/2014/main" xmlns="" id="{2AB1D530-320B-4AC5-8304-C9C2F90D7046}"/>
+                <a16:creationId xmlns:a16="http://schemas.microsoft.com/office/drawing/2014/main" id="{2AB1D530-320B-4AC5-8304-C9C2F90D7046}"/>
               </a:ext>
             </a:extLst>
           </p:cNvPr>
@@ -22909,7 +22763,7 @@
                 <a14:useLocalDpi xmlns:a14="http://schemas.microsoft.com/office/drawing/2010/main" val="0"/>
               </a:ext>
               <a:ext uri="{96DAC541-7B7A-43D3-8B79-37D633B846F1}">
-                <asvg:svgBlip xmlns:asvg="http://schemas.microsoft.com/office/drawing/2016/SVG/main" xmlns="" r:embed="rId3"/>
+                <asvg:svgBlip xmlns:asvg="http://schemas.microsoft.com/office/drawing/2016/SVG/main" r:embed="rId3"/>
               </a:ext>
             </a:extLst>
           </a:blip>
@@ -23004,7 +22858,7 @@
           <a:p>
             <a:pPr algn="ctr"/>
             <a:r>
-              <a:rPr lang="en-US" altLang="ko-KR" sz="2400" dirty="0" smtClean="0"/>
+              <a:rPr lang="en-US" altLang="ko-KR" sz="2400" dirty="0"/>
               <a:t>USER</a:t>
             </a:r>
             <a:endParaRPr lang="ko-KR" altLang="en-US" sz="2400" dirty="0"/>
@@ -23048,14 +22902,14 @@
           <a:p>
             <a:pPr algn="ctr"/>
             <a:r>
-              <a:rPr lang="en-US" altLang="ko-KR" sz="4400" dirty="0" smtClean="0"/>
+              <a:rPr lang="en-US" altLang="ko-KR" sz="4400" dirty="0"/>
               <a:t>Search</a:t>
             </a:r>
           </a:p>
           <a:p>
             <a:pPr algn="ctr"/>
             <a:r>
-              <a:rPr lang="en-US" altLang="ko-KR" sz="4400" dirty="0" smtClean="0"/>
+              <a:rPr lang="en-US" altLang="ko-KR" sz="4400" dirty="0"/>
               <a:t>SYSTEM</a:t>
             </a:r>
             <a:endParaRPr lang="ko-KR" altLang="en-US" sz="4400" dirty="0"/>
@@ -23099,14 +22953,14 @@
           <a:p>
             <a:pPr algn="ctr"/>
             <a:r>
-              <a:rPr lang="en-US" altLang="ko-KR" sz="4800" dirty="0" smtClean="0"/>
+              <a:rPr lang="en-US" altLang="ko-KR" sz="4800" dirty="0"/>
               <a:t>Movie</a:t>
             </a:r>
           </a:p>
           <a:p>
             <a:pPr algn="ctr"/>
             <a:r>
-              <a:rPr lang="en-US" altLang="ko-KR" sz="4800" dirty="0" smtClean="0"/>
+              <a:rPr lang="en-US" altLang="ko-KR" sz="4800" dirty="0"/>
               <a:t>DB</a:t>
             </a:r>
             <a:endParaRPr lang="ko-KR" altLang="en-US" sz="4800" dirty="0"/>
@@ -23268,10 +23122,9 @@
           <a:lstStyle/>
           <a:p>
             <a:r>
-              <a:rPr lang="ko-KR" altLang="en-US" dirty="0" smtClean="0"/>
+              <a:rPr lang="ko-KR" altLang="en-US" dirty="0"/>
               <a:t>검색</a:t>
             </a:r>
-            <a:endParaRPr lang="ko-KR" altLang="en-US" dirty="0"/>
           </a:p>
         </p:txBody>
       </p:sp>
@@ -23298,10 +23151,9 @@
           <a:lstStyle/>
           <a:p>
             <a:r>
-              <a:rPr lang="ko-KR" altLang="en-US" dirty="0" smtClean="0"/>
+              <a:rPr lang="ko-KR" altLang="en-US" dirty="0"/>
               <a:t>데이터 입력</a:t>
             </a:r>
-            <a:endParaRPr lang="ko-KR" altLang="en-US" dirty="0"/>
           </a:p>
         </p:txBody>
       </p:sp>
@@ -23328,10 +23180,9 @@
           <a:lstStyle/>
           <a:p>
             <a:r>
-              <a:rPr lang="ko-KR" altLang="en-US" dirty="0" smtClean="0"/>
+              <a:rPr lang="ko-KR" altLang="en-US" dirty="0"/>
               <a:t>데이터 출력</a:t>
             </a:r>
-            <a:endParaRPr lang="ko-KR" altLang="en-US" dirty="0"/>
           </a:p>
         </p:txBody>
       </p:sp>
@@ -23358,10 +23209,9 @@
           <a:lstStyle/>
           <a:p>
             <a:r>
-              <a:rPr lang="ko-KR" altLang="en-US" dirty="0" smtClean="0"/>
+              <a:rPr lang="ko-KR" altLang="en-US" dirty="0"/>
               <a:t>출력</a:t>
             </a:r>
-            <a:endParaRPr lang="ko-KR" altLang="en-US" dirty="0"/>
           </a:p>
         </p:txBody>
       </p:sp>
@@ -23375,13 +23225,13 @@
   <p:clrMapOvr>
     <a:masterClrMapping/>
   </p:clrMapOvr>
-  <mc:AlternateContent xmlns:mc="http://schemas.openxmlformats.org/markup-compatibility/2006">
-    <mc:Choice xmlns:p159="http://schemas.microsoft.com/office/powerpoint/2015/09/main" xmlns="" Requires="p159">
+  <mc:AlternateContent xmlns:mc="http://schemas.openxmlformats.org/markup-compatibility/2006" xmlns:p159="http://schemas.microsoft.com/office/powerpoint/2015/09/main">
+    <mc:Choice Requires="p159">
       <p:transition xmlns:p14="http://schemas.microsoft.com/office/powerpoint/2010/main" spd="slow" p14:dur="2000">
         <p159:morph option="byObject"/>
       </p:transition>
     </mc:Choice>
-    <mc:Fallback>
+    <mc:Fallback xmlns="">
       <p:transition spd="slow">
         <p:fade/>
       </p:transition>
@@ -23844,7 +23694,7 @@
           <p:cNvPr id="3" name="그림 2">
             <a:extLst>
               <a:ext uri="{FF2B5EF4-FFF2-40B4-BE49-F238E27FC236}">
-                <a16:creationId xmlns:a16="http://schemas.microsoft.com/office/drawing/2014/main" xmlns="" id="{331E3328-7827-40DC-A98E-27099393F654}"/>
+                <a16:creationId xmlns:a16="http://schemas.microsoft.com/office/drawing/2014/main" id="{331E3328-7827-40DC-A98E-27099393F654}"/>
               </a:ext>
             </a:extLst>
           </p:cNvPr>
@@ -23879,7 +23729,7 @@
           <p:cNvPr id="4" name="직사각형 3">
             <a:extLst>
               <a:ext uri="{FF2B5EF4-FFF2-40B4-BE49-F238E27FC236}">
-                <a16:creationId xmlns:a16="http://schemas.microsoft.com/office/drawing/2014/main" xmlns="" id="{A2CB756C-AFE0-4A41-9345-C56D5B3BB162}"/>
+                <a16:creationId xmlns:a16="http://schemas.microsoft.com/office/drawing/2014/main" id="{A2CB756C-AFE0-4A41-9345-C56D5B3BB162}"/>
               </a:ext>
             </a:extLst>
           </p:cNvPr>
@@ -23928,7 +23778,7 @@
           <p:cNvPr id="5" name="TextBox 4">
             <a:extLst>
               <a:ext uri="{FF2B5EF4-FFF2-40B4-BE49-F238E27FC236}">
-                <a16:creationId xmlns:a16="http://schemas.microsoft.com/office/drawing/2014/main" xmlns="" id="{63BB9625-5326-4AE0-B1B7-423C7954E7BE}"/>
+                <a16:creationId xmlns:a16="http://schemas.microsoft.com/office/drawing/2014/main" id="{63BB9625-5326-4AE0-B1B7-423C7954E7BE}"/>
               </a:ext>
             </a:extLst>
           </p:cNvPr>
@@ -23972,7 +23822,7 @@
           <p:cNvPr id="8" name="TextBox 7">
             <a:extLst>
               <a:ext uri="{FF2B5EF4-FFF2-40B4-BE49-F238E27FC236}">
-                <a16:creationId xmlns:a16="http://schemas.microsoft.com/office/drawing/2014/main" xmlns="" id="{7AA86507-4D04-4762-9E20-1AA37506A84C}"/>
+                <a16:creationId xmlns:a16="http://schemas.microsoft.com/office/drawing/2014/main" id="{7AA86507-4D04-4762-9E20-1AA37506A84C}"/>
               </a:ext>
             </a:extLst>
           </p:cNvPr>
@@ -24049,7 +23899,7 @@
           <p:cNvPr id="9" name="TextBox 8">
             <a:extLst>
               <a:ext uri="{FF2B5EF4-FFF2-40B4-BE49-F238E27FC236}">
-                <a16:creationId xmlns:a16="http://schemas.microsoft.com/office/drawing/2014/main" xmlns="" id="{CE10D87E-0FC7-42DD-B63A-8F1C55EDC600}"/>
+                <a16:creationId xmlns:a16="http://schemas.microsoft.com/office/drawing/2014/main" id="{CE10D87E-0FC7-42DD-B63A-8F1C55EDC600}"/>
               </a:ext>
             </a:extLst>
           </p:cNvPr>
@@ -24074,7 +23924,7 @@
           <a:p>
             <a:pPr algn="ctr"/>
             <a:r>
-              <a:rPr lang="ko-KR" altLang="en-US" sz="6000" spc="-300" dirty="0" smtClean="0">
+              <a:rPr lang="ko-KR" altLang="en-US" sz="6000" spc="-300" dirty="0">
                 <a:solidFill>
                   <a:srgbClr val="02576C"/>
                 </a:solidFill>
@@ -24083,13 +23933,6 @@
               </a:rPr>
               <a:t>주요 코드</a:t>
             </a:r>
-            <a:endParaRPr lang="ko-KR" altLang="en-US" sz="6000" spc="-300" dirty="0">
-              <a:solidFill>
-                <a:srgbClr val="02576C"/>
-              </a:solidFill>
-              <a:latin typeface="HY헤드라인M" panose="02030600000101010101" pitchFamily="18" charset="-127"/>
-              <a:ea typeface="HY헤드라인M" panose="02030600000101010101" pitchFamily="18" charset="-127"/>
-            </a:endParaRPr>
           </a:p>
         </p:txBody>
       </p:sp>
@@ -24103,25 +23946,18 @@
   <p:clrMapOvr>
     <a:masterClrMapping/>
   </p:clrMapOvr>
-  <mc:AlternateContent xmlns:mc="http://schemas.openxmlformats.org/markup-compatibility/2006">
-    <mc:Choice xmlns:p159="http://schemas.microsoft.com/office/powerpoint/2015/09/main" xmlns="" Requires="p159">
+  <mc:AlternateContent xmlns:mc="http://schemas.openxmlformats.org/markup-compatibility/2006" xmlns:p159="http://schemas.microsoft.com/office/powerpoint/2015/09/main">
+    <mc:Choice Requires="p159">
       <p:transition xmlns:p14="http://schemas.microsoft.com/office/powerpoint/2010/main" spd="slow" p14:dur="2000">
         <p159:morph option="byObject"/>
       </p:transition>
     </mc:Choice>
-    <mc:Fallback>
+    <mc:Fallback xmlns="">
       <p:transition spd="slow">
         <p:fade/>
       </p:transition>
     </mc:Fallback>
   </mc:AlternateContent>
-  <p:timing>
-    <p:tnLst>
-      <p:par>
-        <p:cTn id="1" dur="indefinite" restart="never" nodeType="tmRoot"/>
-      </p:par>
-    </p:tnLst>
-  </p:timing>
 </p:sld>
 </file>
 
@@ -24147,7 +23983,7 @@
           <p:cNvPr id="5" name="직사각형 4">
             <a:extLst>
               <a:ext uri="{FF2B5EF4-FFF2-40B4-BE49-F238E27FC236}">
-                <a16:creationId xmlns:a16="http://schemas.microsoft.com/office/drawing/2014/main" xmlns="" id="{41D38B16-140D-43D2-97DF-A3A63699995D}"/>
+                <a16:creationId xmlns:a16="http://schemas.microsoft.com/office/drawing/2014/main" id="{41D38B16-140D-43D2-97DF-A3A63699995D}"/>
               </a:ext>
             </a:extLst>
           </p:cNvPr>
@@ -24199,7 +24035,7 @@
           <p:cNvPr id="2" name="직선 연결선 1">
             <a:extLst>
               <a:ext uri="{FF2B5EF4-FFF2-40B4-BE49-F238E27FC236}">
-                <a16:creationId xmlns:a16="http://schemas.microsoft.com/office/drawing/2014/main" xmlns="" id="{4B62E7D8-2355-44BA-A245-B5774C0B2832}"/>
+                <a16:creationId xmlns:a16="http://schemas.microsoft.com/office/drawing/2014/main" id="{4B62E7D8-2355-44BA-A245-B5774C0B2832}"/>
               </a:ext>
             </a:extLst>
           </p:cNvPr>
@@ -24244,7 +24080,7 @@
           <p:cNvPr id="4" name="TextBox 3">
             <a:extLst>
               <a:ext uri="{FF2B5EF4-FFF2-40B4-BE49-F238E27FC236}">
-                <a16:creationId xmlns:a16="http://schemas.microsoft.com/office/drawing/2014/main" xmlns="" id="{583141B7-5F35-43CF-8319-4DAC989EB771}"/>
+                <a16:creationId xmlns:a16="http://schemas.microsoft.com/office/drawing/2014/main" id="{583141B7-5F35-43CF-8319-4DAC989EB771}"/>
               </a:ext>
             </a:extLst>
           </p:cNvPr>
@@ -24273,15 +24109,7 @@
                   <a:schemeClr val="bg1"/>
                 </a:solidFill>
               </a:rPr>
-              <a:t>Part </a:t>
-            </a:r>
-            <a:r>
-              <a:rPr lang="en-US" altLang="ko-KR" sz="3600" dirty="0" smtClean="0">
-                <a:solidFill>
-                  <a:schemeClr val="bg1"/>
-                </a:solidFill>
-              </a:rPr>
-              <a:t>3 </a:t>
+              <a:t>Part 3 </a:t>
             </a:r>
             <a:endParaRPr lang="ko-KR" altLang="en-US" sz="3600" dirty="0">
               <a:solidFill>
@@ -24296,7 +24124,7 @@
           <p:cNvPr id="15" name="TextBox 14">
             <a:extLst>
               <a:ext uri="{FF2B5EF4-FFF2-40B4-BE49-F238E27FC236}">
-                <a16:creationId xmlns:a16="http://schemas.microsoft.com/office/drawing/2014/main" xmlns="" id="{2D596F80-1369-418D-B79C-C48A2C2E6E06}"/>
+                <a16:creationId xmlns:a16="http://schemas.microsoft.com/office/drawing/2014/main" id="{2D596F80-1369-418D-B79C-C48A2C2E6E06}"/>
               </a:ext>
             </a:extLst>
           </p:cNvPr>
@@ -24320,7 +24148,7 @@
           <a:lstStyle/>
           <a:p>
             <a:r>
-              <a:rPr lang="en-US" altLang="ko-KR" sz="3600" spc="400" dirty="0" smtClean="0">
+              <a:rPr lang="en-US" altLang="ko-KR" sz="3600" spc="400" dirty="0">
                 <a:solidFill>
                   <a:schemeClr val="bg1"/>
                 </a:solidFill>
@@ -24539,10 +24367,9 @@
           <a:lstStyle/>
           <a:p>
             <a:r>
-              <a:rPr lang="ko-KR" altLang="en-US" dirty="0" smtClean="0"/>
+              <a:rPr lang="ko-KR" altLang="en-US" dirty="0"/>
               <a:t>변수 선언</a:t>
             </a:r>
-            <a:endParaRPr lang="ko-KR" altLang="en-US" dirty="0"/>
           </a:p>
         </p:txBody>
       </p:sp>
@@ -24687,32 +24514,23 @@
           <a:p>
             <a:r>
               <a:rPr lang="en-US" altLang="ko-KR" dirty="0"/>
-              <a:t>s</a:t>
-            </a:r>
-            <a:r>
-              <a:rPr lang="en-US" altLang="ko-KR" dirty="0" smtClean="0"/>
-              <a:t>etter</a:t>
-            </a:r>
-            <a:r>
-              <a:rPr lang="ko-KR" altLang="en-US" dirty="0" smtClean="0"/>
+              <a:t>setter</a:t>
+            </a:r>
+            <a:r>
+              <a:rPr lang="ko-KR" altLang="en-US" dirty="0"/>
               <a:t>로 값을 세팅하고</a:t>
             </a:r>
-            <a:endParaRPr lang="en-US" altLang="ko-KR" dirty="0" smtClean="0"/>
+            <a:endParaRPr lang="en-US" altLang="ko-KR" dirty="0"/>
           </a:p>
           <a:p>
             <a:r>
               <a:rPr lang="en-US" altLang="ko-KR" dirty="0"/>
-              <a:t>g</a:t>
-            </a:r>
-            <a:r>
-              <a:rPr lang="en-US" altLang="ko-KR" dirty="0" smtClean="0"/>
-              <a:t>etter</a:t>
-            </a:r>
-            <a:r>
-              <a:rPr lang="ko-KR" altLang="en-US" dirty="0" smtClean="0"/>
+              <a:t>getter</a:t>
+            </a:r>
+            <a:r>
+              <a:rPr lang="ko-KR" altLang="en-US" dirty="0"/>
               <a:t>로 값을 가져온다</a:t>
             </a:r>
-            <a:endParaRPr lang="ko-KR" altLang="en-US" dirty="0"/>
           </a:p>
         </p:txBody>
       </p:sp>
@@ -24726,13 +24544,13 @@
   <p:clrMapOvr>
     <a:masterClrMapping/>
   </p:clrMapOvr>
-  <mc:AlternateContent xmlns:mc="http://schemas.openxmlformats.org/markup-compatibility/2006">
-    <mc:Choice xmlns:p159="http://schemas.microsoft.com/office/powerpoint/2015/09/main" xmlns="" Requires="p159">
+  <mc:AlternateContent xmlns:mc="http://schemas.openxmlformats.org/markup-compatibility/2006" xmlns:p159="http://schemas.microsoft.com/office/powerpoint/2015/09/main">
+    <mc:Choice Requires="p159">
       <p:transition xmlns:p14="http://schemas.microsoft.com/office/powerpoint/2010/main" spd="slow" p14:dur="2000">
         <p159:morph option="byObject"/>
       </p:transition>
     </mc:Choice>
-    <mc:Fallback>
+    <mc:Fallback xmlns="">
       <p:transition spd="slow">
         <p:fade/>
       </p:transition>
@@ -25430,7 +25248,7 @@
   <a:extraClrSchemeLst/>
   <a:extLst>
     <a:ext uri="{05A4C25C-085E-4340-85A3-A5531E510DB2}">
-      <thm15:themeFamily xmlns:thm15="http://schemas.microsoft.com/office/thememl/2012/main" xmlns="" name="Office Theme" id="{62F939B6-93AF-4DB8-9C6B-D6C7DFDC589F}" vid="{4A3C46E8-61CC-4603-A589-7422A47A8E4A}"/>
+      <thm15:themeFamily xmlns:thm15="http://schemas.microsoft.com/office/thememl/2012/main" name="Office Theme" id="{62F939B6-93AF-4DB8-9C6B-D6C7DFDC589F}" vid="{4A3C46E8-61CC-4603-A589-7422A47A8E4A}"/>
     </a:ext>
   </a:extLst>
 </a:theme>
